--- a/thesis presentation/Thesis Presetation.pptx
+++ b/thesis presentation/Thesis Presetation.pptx
@@ -7,7 +7,7 @@
     <p:sldMasterId id="2147483673" r:id="rId3"/>
   </p:sldMasterIdLst>
   <p:notesMasterIdLst>
-    <p:notesMasterId r:id="rId37"/>
+    <p:notesMasterId r:id="rId35"/>
   </p:notesMasterIdLst>
   <p:sldIdLst>
     <p:sldId id="351" r:id="rId4"/>
@@ -16,33 +16,31 @@
     <p:sldId id="353" r:id="rId7"/>
     <p:sldId id="259" r:id="rId8"/>
     <p:sldId id="260" r:id="rId9"/>
-    <p:sldId id="354" r:id="rId10"/>
-    <p:sldId id="355" r:id="rId11"/>
-    <p:sldId id="356" r:id="rId12"/>
-    <p:sldId id="357" r:id="rId13"/>
-    <p:sldId id="310" r:id="rId14"/>
-    <p:sldId id="308" r:id="rId15"/>
-    <p:sldId id="298" r:id="rId16"/>
-    <p:sldId id="312" r:id="rId17"/>
-    <p:sldId id="322" r:id="rId18"/>
-    <p:sldId id="359" r:id="rId19"/>
-    <p:sldId id="311" r:id="rId20"/>
-    <p:sldId id="360" r:id="rId21"/>
-    <p:sldId id="361" r:id="rId22"/>
-    <p:sldId id="362" r:id="rId23"/>
-    <p:sldId id="364" r:id="rId24"/>
-    <p:sldId id="365" r:id="rId25"/>
-    <p:sldId id="366" r:id="rId26"/>
-    <p:sldId id="313" r:id="rId27"/>
-    <p:sldId id="367" r:id="rId28"/>
-    <p:sldId id="368" r:id="rId29"/>
-    <p:sldId id="369" r:id="rId30"/>
-    <p:sldId id="370" r:id="rId31"/>
-    <p:sldId id="371" r:id="rId32"/>
-    <p:sldId id="309" r:id="rId33"/>
-    <p:sldId id="374" r:id="rId34"/>
-    <p:sldId id="375" r:id="rId35"/>
-    <p:sldId id="330" r:id="rId36"/>
+    <p:sldId id="376" r:id="rId10"/>
+    <p:sldId id="310" r:id="rId11"/>
+    <p:sldId id="308" r:id="rId12"/>
+    <p:sldId id="298" r:id="rId13"/>
+    <p:sldId id="312" r:id="rId14"/>
+    <p:sldId id="322" r:id="rId15"/>
+    <p:sldId id="359" r:id="rId16"/>
+    <p:sldId id="311" r:id="rId17"/>
+    <p:sldId id="360" r:id="rId18"/>
+    <p:sldId id="361" r:id="rId19"/>
+    <p:sldId id="362" r:id="rId20"/>
+    <p:sldId id="364" r:id="rId21"/>
+    <p:sldId id="365" r:id="rId22"/>
+    <p:sldId id="366" r:id="rId23"/>
+    <p:sldId id="313" r:id="rId24"/>
+    <p:sldId id="367" r:id="rId25"/>
+    <p:sldId id="368" r:id="rId26"/>
+    <p:sldId id="369" r:id="rId27"/>
+    <p:sldId id="370" r:id="rId28"/>
+    <p:sldId id="371" r:id="rId29"/>
+    <p:sldId id="309" r:id="rId30"/>
+    <p:sldId id="374" r:id="rId31"/>
+    <p:sldId id="375" r:id="rId32"/>
+    <p:sldId id="330" r:id="rId33"/>
+    <p:sldId id="377" r:id="rId34"/>
   </p:sldIdLst>
   <p:sldSz cx="12192000" cy="6858000"/>
   <p:notesSz cx="6858000" cy="9144000"/>
@@ -10190,880 +10188,6 @@
       </p:grpSpPr>
       <p:sp>
         <p:nvSpPr>
-          <p:cNvPr id="3" name="Rectangle 7">
-            <a:extLst>
-              <a:ext uri="{FF2B5EF4-FFF2-40B4-BE49-F238E27FC236}">
-                <a16:creationId xmlns:a16="http://schemas.microsoft.com/office/drawing/2014/main" id="{0BDEAFD2-DA6C-AD1F-1A43-7B2D96CA146B}"/>
-              </a:ext>
-            </a:extLst>
-          </p:cNvPr>
-          <p:cNvSpPr/>
-          <p:nvPr/>
-        </p:nvSpPr>
-        <p:spPr>
-          <a:xfrm>
-            <a:off x="855407" y="618737"/>
-            <a:ext cx="10196052" cy="707886"/>
-          </a:xfrm>
-          <a:prstGeom prst="rect">
-            <a:avLst/>
-          </a:prstGeom>
-        </p:spPr>
-        <p:txBody>
-          <a:bodyPr wrap="square">
-            <a:spAutoFit/>
-          </a:bodyPr>
-          <a:lstStyle/>
-          <a:p>
-            <a:pPr algn="ctr"/>
-            <a:r>
-              <a:rPr lang="en-US" altLang="ko-KR" sz="4000" b="1" dirty="0">
-                <a:solidFill>
-                  <a:schemeClr val="accent3"/>
-                </a:solidFill>
-                <a:latin typeface="Times New Roman" panose="02020603050405020304" pitchFamily="18" charset="0"/>
-                <a:cs typeface="Times New Roman" panose="02020603050405020304" pitchFamily="18" charset="0"/>
-              </a:rPr>
-              <a:t>Continue…</a:t>
-            </a:r>
-            <a:endParaRPr lang="ko-KR" altLang="en-US" sz="4000" b="1" dirty="0">
-              <a:solidFill>
-                <a:schemeClr val="accent3"/>
-              </a:solidFill>
-              <a:latin typeface="Times New Roman" panose="02020603050405020304" pitchFamily="18" charset="0"/>
-              <a:cs typeface="Times New Roman" panose="02020603050405020304" pitchFamily="18" charset="0"/>
-            </a:endParaRPr>
-          </a:p>
-        </p:txBody>
-      </p:sp>
-      <p:pic>
-        <p:nvPicPr>
-          <p:cNvPr id="57" name="Picture 56">
-            <a:extLst>
-              <a:ext uri="{FF2B5EF4-FFF2-40B4-BE49-F238E27FC236}">
-                <a16:creationId xmlns:a16="http://schemas.microsoft.com/office/drawing/2014/main" id="{7C1817D8-FE1D-053C-6496-9B6A4A20FFB2}"/>
-              </a:ext>
-            </a:extLst>
-          </p:cNvPr>
-          <p:cNvPicPr>
-            <a:picLocks noChangeAspect="1"/>
-          </p:cNvPicPr>
-          <p:nvPr/>
-        </p:nvPicPr>
-        <p:blipFill>
-          <a:blip r:embed="rId3">
-            <a:extLst>
-              <a:ext uri="{28A0092B-C50C-407E-A947-70E740481C1C}">
-                <a14:useLocalDpi xmlns:a14="http://schemas.microsoft.com/office/drawing/2010/main" val="0"/>
-              </a:ext>
-            </a:extLst>
-          </a:blip>
-          <a:stretch>
-            <a:fillRect/>
-          </a:stretch>
-        </p:blipFill>
-        <p:spPr>
-          <a:xfrm>
-            <a:off x="11277600" y="-69995"/>
-            <a:ext cx="914400" cy="914400"/>
-          </a:xfrm>
-          <a:prstGeom prst="rect">
-            <a:avLst/>
-          </a:prstGeom>
-        </p:spPr>
-      </p:pic>
-      <p:sp>
-        <p:nvSpPr>
-          <p:cNvPr id="4" name="TextBox 3">
-            <a:extLst>
-              <a:ext uri="{FF2B5EF4-FFF2-40B4-BE49-F238E27FC236}">
-                <a16:creationId xmlns:a16="http://schemas.microsoft.com/office/drawing/2014/main" id="{CF5B4D84-84DE-A204-7557-A0B6A1D53CE3}"/>
-              </a:ext>
-            </a:extLst>
-          </p:cNvPr>
-          <p:cNvSpPr txBox="1"/>
-          <p:nvPr/>
-        </p:nvSpPr>
-        <p:spPr>
-          <a:xfrm>
-            <a:off x="1081548" y="1613118"/>
-            <a:ext cx="10510684" cy="1815882"/>
-          </a:xfrm>
-          <a:prstGeom prst="rect">
-            <a:avLst/>
-          </a:prstGeom>
-          <a:noFill/>
-        </p:spPr>
-        <p:txBody>
-          <a:bodyPr wrap="square">
-            <a:spAutoFit/>
-          </a:bodyPr>
-          <a:lstStyle/>
-          <a:p>
-            <a:pPr algn="just"/>
-            <a:r>
-              <a:rPr lang="en-US" sz="2800" dirty="0">
-                <a:latin typeface="Times New Roman" panose="02020603050405020304" pitchFamily="18" charset="0"/>
-                <a:cs typeface="Times New Roman" panose="02020603050405020304" pitchFamily="18" charset="0"/>
-              </a:rPr>
-              <a:t>Activists strongly support women's education, aiming for equality and community empowerment (Ren, 2010). However, studies indicate that the Taliban shows no interest in women's education (Yousaf &amp; </a:t>
-            </a:r>
-            <a:r>
-              <a:rPr lang="en-US" sz="2800" dirty="0" err="1">
-                <a:latin typeface="Times New Roman" panose="02020603050405020304" pitchFamily="18" charset="0"/>
-                <a:cs typeface="Times New Roman" panose="02020603050405020304" pitchFamily="18" charset="0"/>
-              </a:rPr>
-              <a:t>Jabarkhail</a:t>
-            </a:r>
-            <a:r>
-              <a:rPr lang="en-US" sz="2800" dirty="0">
-                <a:latin typeface="Times New Roman" panose="02020603050405020304" pitchFamily="18" charset="0"/>
-                <a:cs typeface="Times New Roman" panose="02020603050405020304" pitchFamily="18" charset="0"/>
-              </a:rPr>
-              <a:t>, 2021; </a:t>
-            </a:r>
-            <a:r>
-              <a:rPr lang="en-US" sz="2800" dirty="0" err="1">
-                <a:latin typeface="Times New Roman" panose="02020603050405020304" pitchFamily="18" charset="0"/>
-                <a:cs typeface="Times New Roman" panose="02020603050405020304" pitchFamily="18" charset="0"/>
-              </a:rPr>
-              <a:t>Inayatullah</a:t>
-            </a:r>
-            <a:r>
-              <a:rPr lang="en-US" sz="2800" dirty="0">
-                <a:latin typeface="Times New Roman" panose="02020603050405020304" pitchFamily="18" charset="0"/>
-                <a:cs typeface="Times New Roman" panose="02020603050405020304" pitchFamily="18" charset="0"/>
-              </a:rPr>
-              <a:t>, 2022).</a:t>
-            </a:r>
-          </a:p>
-        </p:txBody>
-      </p:sp>
-    </p:spTree>
-    <p:extLst>
-      <p:ext uri="{BB962C8B-B14F-4D97-AF65-F5344CB8AC3E}">
-        <p14:creationId xmlns:p14="http://schemas.microsoft.com/office/powerpoint/2010/main" val="2431700265"/>
-      </p:ext>
-    </p:extLst>
-  </p:cSld>
-  <p:clrMapOvr>
-    <a:masterClrMapping/>
-  </p:clrMapOvr>
-  <mc:AlternateContent xmlns:mc="http://schemas.openxmlformats.org/markup-compatibility/2006" xmlns:p15="http://schemas.microsoft.com/office/powerpoint/2012/main">
-    <mc:Choice Requires="p15">
-      <p:transition xmlns:p14="http://schemas.microsoft.com/office/powerpoint/2010/main" spd="slow" p14:dur="2000">
-        <p15:prstTrans prst="wind"/>
-        <p:sndAc>
-          <p:stSnd>
-            <p:snd r:embed="rId2" name="click.wav"/>
-          </p:stSnd>
-        </p:sndAc>
-      </p:transition>
-    </mc:Choice>
-    <mc:Fallback xmlns="">
-      <p:transition spd="slow">
-        <p:fade/>
-        <p:sndAc>
-          <p:stSnd>
-            <p:snd r:embed="rId4" name="click.wav"/>
-          </p:stSnd>
-        </p:sndAc>
-      </p:transition>
-    </mc:Fallback>
-  </mc:AlternateContent>
-</p:sld>
-</file>
-
-<file path=ppt/slides/slide11.xml><?xml version="1.0" encoding="utf-8"?>
-<p:sld xmlns:a="http://schemas.openxmlformats.org/drawingml/2006/main" xmlns:r="http://schemas.openxmlformats.org/officeDocument/2006/relationships" xmlns:p="http://schemas.openxmlformats.org/presentationml/2006/main" showMasterSp="0">
-  <p:cSld>
-    <p:spTree>
-      <p:nvGrpSpPr>
-        <p:cNvPr id="1" name=""/>
-        <p:cNvGrpSpPr/>
-        <p:nvPr/>
-      </p:nvGrpSpPr>
-      <p:grpSpPr>
-        <a:xfrm>
-          <a:off x="0" y="0"/>
-          <a:ext cx="0" cy="0"/>
-          <a:chOff x="0" y="0"/>
-          <a:chExt cx="0" cy="0"/>
-        </a:xfrm>
-      </p:grpSpPr>
-      <p:sp>
-        <p:nvSpPr>
-          <p:cNvPr id="11" name="Rounded Rectangle 24">
-            <a:extLst>
-              <a:ext uri="{FF2B5EF4-FFF2-40B4-BE49-F238E27FC236}">
-                <a16:creationId xmlns:a16="http://schemas.microsoft.com/office/drawing/2014/main" id="{CE908320-3065-47DF-8C78-22BF971FA2DD}"/>
-              </a:ext>
-            </a:extLst>
-          </p:cNvPr>
-          <p:cNvSpPr/>
-          <p:nvPr/>
-        </p:nvSpPr>
-        <p:spPr>
-          <a:xfrm>
-            <a:off x="9928296" y="2089207"/>
-            <a:ext cx="285406" cy="208600"/>
-          </a:xfrm>
-          <a:custGeom>
-            <a:avLst/>
-            <a:gdLst/>
-            <a:ahLst/>
-            <a:cxnLst/>
-            <a:rect l="l" t="t" r="r" b="b"/>
-            <a:pathLst>
-              <a:path w="3960000" h="3064028">
-                <a:moveTo>
-                  <a:pt x="1955333" y="1285185"/>
-                </a:moveTo>
-                <a:cubicBezTo>
-                  <a:pt x="2192176" y="1285185"/>
-                  <a:pt x="2384176" y="1477185"/>
-                  <a:pt x="2384176" y="1714028"/>
-                </a:cubicBezTo>
-                <a:cubicBezTo>
-                  <a:pt x="2384176" y="1950871"/>
-                  <a:pt x="2192176" y="2142871"/>
-                  <a:pt x="1955333" y="2142871"/>
-                </a:cubicBezTo>
-                <a:cubicBezTo>
-                  <a:pt x="1718490" y="2142871"/>
-                  <a:pt x="1526490" y="1950871"/>
-                  <a:pt x="1526490" y="1714028"/>
-                </a:cubicBezTo>
-                <a:cubicBezTo>
-                  <a:pt x="1526490" y="1477185"/>
-                  <a:pt x="1718490" y="1285185"/>
-                  <a:pt x="1955333" y="1285185"/>
-                </a:cubicBezTo>
-                <a:close/>
-                <a:moveTo>
-                  <a:pt x="1955333" y="1074136"/>
-                </a:moveTo>
-                <a:cubicBezTo>
-                  <a:pt x="1601930" y="1074136"/>
-                  <a:pt x="1315441" y="1360625"/>
-                  <a:pt x="1315441" y="1714028"/>
-                </a:cubicBezTo>
-                <a:cubicBezTo>
-                  <a:pt x="1315441" y="2067431"/>
-                  <a:pt x="1601930" y="2353920"/>
-                  <a:pt x="1955333" y="2353920"/>
-                </a:cubicBezTo>
-                <a:cubicBezTo>
-                  <a:pt x="2308736" y="2353920"/>
-                  <a:pt x="2595225" y="2067431"/>
-                  <a:pt x="2595225" y="1714028"/>
-                </a:cubicBezTo>
-                <a:cubicBezTo>
-                  <a:pt x="2595225" y="1360625"/>
-                  <a:pt x="2308736" y="1074136"/>
-                  <a:pt x="1955333" y="1074136"/>
-                </a:cubicBezTo>
-                <a:close/>
-                <a:moveTo>
-                  <a:pt x="1955333" y="849503"/>
-                </a:moveTo>
-                <a:cubicBezTo>
-                  <a:pt x="2432797" y="849503"/>
-                  <a:pt x="2819858" y="1236564"/>
-                  <a:pt x="2819858" y="1714028"/>
-                </a:cubicBezTo>
-                <a:cubicBezTo>
-                  <a:pt x="2819858" y="2191492"/>
-                  <a:pt x="2432797" y="2578553"/>
-                  <a:pt x="1955333" y="2578553"/>
-                </a:cubicBezTo>
-                <a:cubicBezTo>
-                  <a:pt x="1477869" y="2578553"/>
-                  <a:pt x="1090808" y="2191492"/>
-                  <a:pt x="1090808" y="1714028"/>
-                </a:cubicBezTo>
-                <a:cubicBezTo>
-                  <a:pt x="1090808" y="1236564"/>
-                  <a:pt x="1477869" y="849503"/>
-                  <a:pt x="1955333" y="849503"/>
-                </a:cubicBezTo>
-                <a:close/>
-                <a:moveTo>
-                  <a:pt x="3253503" y="756254"/>
-                </a:moveTo>
-                <a:cubicBezTo>
-                  <a:pt x="3162525" y="756254"/>
-                  <a:pt x="3088773" y="830006"/>
-                  <a:pt x="3088773" y="920984"/>
-                </a:cubicBezTo>
-                <a:cubicBezTo>
-                  <a:pt x="3088773" y="1011962"/>
-                  <a:pt x="3162525" y="1085714"/>
-                  <a:pt x="3253503" y="1085714"/>
-                </a:cubicBezTo>
-                <a:cubicBezTo>
-                  <a:pt x="3344481" y="1085714"/>
-                  <a:pt x="3418233" y="1011962"/>
-                  <a:pt x="3418233" y="920984"/>
-                </a:cubicBezTo>
-                <a:cubicBezTo>
-                  <a:pt x="3418233" y="830006"/>
-                  <a:pt x="3344481" y="756254"/>
-                  <a:pt x="3253503" y="756254"/>
-                </a:cubicBezTo>
-                <a:close/>
-                <a:moveTo>
-                  <a:pt x="1955333" y="744677"/>
-                </a:moveTo>
-                <a:cubicBezTo>
-                  <a:pt x="1419975" y="744677"/>
-                  <a:pt x="985982" y="1178670"/>
-                  <a:pt x="985982" y="1714028"/>
-                </a:cubicBezTo>
-                <a:cubicBezTo>
-                  <a:pt x="985982" y="2249386"/>
-                  <a:pt x="1419975" y="2683379"/>
-                  <a:pt x="1955333" y="2683379"/>
-                </a:cubicBezTo>
-                <a:cubicBezTo>
-                  <a:pt x="2490691" y="2683379"/>
-                  <a:pt x="2924684" y="2249386"/>
-                  <a:pt x="2924684" y="1714028"/>
-                </a:cubicBezTo>
-                <a:cubicBezTo>
-                  <a:pt x="2924684" y="1178670"/>
-                  <a:pt x="2490691" y="744677"/>
-                  <a:pt x="1955333" y="744677"/>
-                </a:cubicBezTo>
-                <a:close/>
-                <a:moveTo>
-                  <a:pt x="1333922" y="0"/>
-                </a:moveTo>
-                <a:lnTo>
-                  <a:pt x="2626078" y="0"/>
-                </a:lnTo>
-                <a:lnTo>
-                  <a:pt x="2717085" y="364028"/>
-                </a:lnTo>
-                <a:lnTo>
-                  <a:pt x="3699990" y="364028"/>
-                </a:lnTo>
-                <a:cubicBezTo>
-                  <a:pt x="3843590" y="364028"/>
-                  <a:pt x="3960000" y="480438"/>
-                  <a:pt x="3960000" y="624038"/>
-                </a:cubicBezTo>
-                <a:lnTo>
-                  <a:pt x="3960000" y="2804018"/>
-                </a:lnTo>
-                <a:cubicBezTo>
-                  <a:pt x="3960000" y="2947618"/>
-                  <a:pt x="3843590" y="3064028"/>
-                  <a:pt x="3699990" y="3064028"/>
-                </a:cubicBezTo>
-                <a:lnTo>
-                  <a:pt x="260010" y="3064028"/>
-                </a:lnTo>
-                <a:cubicBezTo>
-                  <a:pt x="116410" y="3064028"/>
-                  <a:pt x="0" y="2947618"/>
-                  <a:pt x="0" y="2804018"/>
-                </a:cubicBezTo>
-                <a:lnTo>
-                  <a:pt x="0" y="624038"/>
-                </a:lnTo>
-                <a:cubicBezTo>
-                  <a:pt x="0" y="480438"/>
-                  <a:pt x="116410" y="364028"/>
-                  <a:pt x="260010" y="364028"/>
-                </a:cubicBezTo>
-                <a:lnTo>
-                  <a:pt x="443165" y="364028"/>
-                </a:lnTo>
-                <a:lnTo>
-                  <a:pt x="443165" y="237982"/>
-                </a:lnTo>
-                <a:cubicBezTo>
-                  <a:pt x="443165" y="195266"/>
-                  <a:pt x="477794" y="160637"/>
-                  <a:pt x="520510" y="160637"/>
-                </a:cubicBezTo>
-                <a:lnTo>
-                  <a:pt x="1049896" y="160637"/>
-                </a:lnTo>
-                <a:cubicBezTo>
-                  <a:pt x="1092612" y="160637"/>
-                  <a:pt x="1127241" y="195266"/>
-                  <a:pt x="1127241" y="237982"/>
-                </a:cubicBezTo>
-                <a:lnTo>
-                  <a:pt x="1127241" y="364028"/>
-                </a:lnTo>
-                <a:lnTo>
-                  <a:pt x="1242915" y="364028"/>
-                </a:lnTo>
-                <a:close/>
-              </a:path>
-            </a:pathLst>
-          </a:custGeom>
-          <a:solidFill>
-            <a:schemeClr val="bg1"/>
-          </a:solidFill>
-          <a:ln>
-            <a:noFill/>
-          </a:ln>
-        </p:spPr>
-        <p:style>
-          <a:lnRef idx="2">
-            <a:schemeClr val="accent1">
-              <a:shade val="50000"/>
-            </a:schemeClr>
-          </a:lnRef>
-          <a:fillRef idx="1">
-            <a:schemeClr val="accent1"/>
-          </a:fillRef>
-          <a:effectRef idx="0">
-            <a:schemeClr val="accent1"/>
-          </a:effectRef>
-          <a:fontRef idx="minor">
-            <a:schemeClr val="lt1"/>
-          </a:fontRef>
-        </p:style>
-        <p:txBody>
-          <a:bodyPr rot="0" spcFirstLastPara="0" vertOverflow="overflow" horzOverflow="overflow" vert="horz" wrap="square" lIns="91440" tIns="45720" rIns="91440" bIns="45720" numCol="1" spcCol="0" rtlCol="0" fromWordArt="0" anchor="ctr" anchorCtr="0" forceAA="0" compatLnSpc="1">
-            <a:prstTxWarp prst="textNoShape">
-              <a:avLst/>
-            </a:prstTxWarp>
-            <a:noAutofit/>
-          </a:bodyPr>
-          <a:lstStyle/>
-          <a:p>
-            <a:pPr algn="ctr"/>
-            <a:endParaRPr lang="ko-KR" altLang="en-US" sz="2701"/>
-          </a:p>
-        </p:txBody>
-      </p:sp>
-      <p:sp>
-        <p:nvSpPr>
-          <p:cNvPr id="15" name="TextBox 14">
-            <a:extLst>
-              <a:ext uri="{FF2B5EF4-FFF2-40B4-BE49-F238E27FC236}">
-                <a16:creationId xmlns:a16="http://schemas.microsoft.com/office/drawing/2014/main" id="{8AFE6F74-FD9A-4294-B4BB-A36FFED1F7F6}"/>
-              </a:ext>
-            </a:extLst>
-          </p:cNvPr>
-          <p:cNvSpPr txBox="1"/>
-          <p:nvPr/>
-        </p:nvSpPr>
-        <p:spPr>
-          <a:xfrm>
-            <a:off x="993058" y="1736229"/>
-            <a:ext cx="10107561" cy="3385542"/>
-          </a:xfrm>
-          <a:prstGeom prst="rect">
-            <a:avLst/>
-          </a:prstGeom>
-          <a:noFill/>
-          <a:effectLst>
-            <a:glow rad="63500">
-              <a:schemeClr val="accent2">
-                <a:alpha val="40000"/>
-              </a:schemeClr>
-            </a:glow>
-          </a:effectLst>
-        </p:spPr>
-        <p:txBody>
-          <a:bodyPr wrap="square" rtlCol="0">
-            <a:spAutoFit/>
-          </a:bodyPr>
-          <a:lstStyle/>
-          <a:p>
-            <a:pPr marL="514350" indent="-514350" algn="just">
-              <a:buFont typeface="+mj-lt"/>
-              <a:buAutoNum type="arabicPeriod"/>
-            </a:pPr>
-            <a:r>
-              <a:rPr lang="en-US" sz="2800" dirty="0">
-                <a:effectLst/>
-                <a:latin typeface="Times New Roman" panose="02020603050405020304" pitchFamily="18" charset="0"/>
-                <a:ea typeface="Calibri" panose="020F0502020204030204" pitchFamily="34" charset="0"/>
-                <a:cs typeface="Arial" panose="020B0604020202020204" pitchFamily="34" charset="0"/>
-              </a:rPr>
-              <a:t>The Taliban's views regarding women's education will be significantly more restrictive and opposed than those of activists and public.</a:t>
-            </a:r>
-          </a:p>
-          <a:p>
-            <a:pPr marL="514350" indent="-514350" algn="just">
-              <a:buFont typeface="+mj-lt"/>
-              <a:buAutoNum type="arabicPeriod"/>
-            </a:pPr>
-            <a:r>
-              <a:rPr lang="en-US" sz="2800" dirty="0">
-                <a:effectLst/>
-                <a:latin typeface="Times New Roman" panose="02020603050405020304" pitchFamily="18" charset="0"/>
-                <a:ea typeface="Calibri" panose="020F0502020204030204" pitchFamily="34" charset="0"/>
-                <a:cs typeface="Arial" panose="020B0604020202020204" pitchFamily="34" charset="0"/>
-              </a:rPr>
-              <a:t>Activists are more likely to demonstrate higher support for women's education compared to both the Taliban and Public.</a:t>
-            </a:r>
-          </a:p>
-          <a:p>
-            <a:pPr marL="514350" indent="-514350" algn="just">
-              <a:buFont typeface="+mj-lt"/>
-              <a:buAutoNum type="arabicPeriod"/>
-            </a:pPr>
-            <a:r>
-              <a:rPr lang="en-US" sz="2800" dirty="0">
-                <a:effectLst/>
-                <a:latin typeface="Times New Roman" panose="02020603050405020304" pitchFamily="18" charset="0"/>
-                <a:ea typeface="Calibri" panose="020F0502020204030204" pitchFamily="34" charset="0"/>
-                <a:cs typeface="Arial" panose="020B0604020202020204" pitchFamily="34" charset="0"/>
-              </a:rPr>
-              <a:t>Female activists are more likely to hold higher sentiments for supporting women's education compared to male activists.</a:t>
-            </a:r>
-          </a:p>
-          <a:p>
-            <a:pPr marL="342900" indent="-342900" algn="just">
-              <a:buFont typeface="+mj-lt"/>
-              <a:buAutoNum type="arabicPeriod"/>
-            </a:pPr>
-            <a:endParaRPr lang="en-US" altLang="ko-KR" dirty="0">
-              <a:solidFill>
-                <a:schemeClr val="tx1">
-                  <a:lumMod val="75000"/>
-                  <a:lumOff val="25000"/>
-                </a:schemeClr>
-              </a:solidFill>
-              <a:cs typeface="Arial" pitchFamily="34" charset="0"/>
-            </a:endParaRPr>
-          </a:p>
-        </p:txBody>
-      </p:sp>
-      <p:sp>
-        <p:nvSpPr>
-          <p:cNvPr id="35" name="Rectangle 7">
-            <a:extLst>
-              <a:ext uri="{FF2B5EF4-FFF2-40B4-BE49-F238E27FC236}">
-                <a16:creationId xmlns:a16="http://schemas.microsoft.com/office/drawing/2014/main" id="{64763E8C-3D08-7471-4513-E3C19D723321}"/>
-              </a:ext>
-            </a:extLst>
-          </p:cNvPr>
-          <p:cNvSpPr/>
-          <p:nvPr/>
-        </p:nvSpPr>
-        <p:spPr>
-          <a:xfrm>
-            <a:off x="993059" y="586242"/>
-            <a:ext cx="10107560" cy="769441"/>
-          </a:xfrm>
-          <a:prstGeom prst="rect">
-            <a:avLst/>
-          </a:prstGeom>
-        </p:spPr>
-        <p:txBody>
-          <a:bodyPr wrap="square">
-            <a:spAutoFit/>
-          </a:bodyPr>
-          <a:lstStyle/>
-          <a:p>
-            <a:pPr algn="ctr"/>
-            <a:r>
-              <a:rPr lang="en-US" altLang="ko-KR" sz="4400" b="1" dirty="0">
-                <a:solidFill>
-                  <a:schemeClr val="accent3"/>
-                </a:solidFill>
-                <a:latin typeface="Times New Roman" panose="02020603050405020304" pitchFamily="18" charset="0"/>
-                <a:cs typeface="Times New Roman" panose="02020603050405020304" pitchFamily="18" charset="0"/>
-              </a:rPr>
-              <a:t>Hypothesis</a:t>
-            </a:r>
-            <a:endParaRPr lang="ko-KR" altLang="en-US" sz="4400" b="1" dirty="0">
-              <a:ln w="12700" cmpd="sng">
-                <a:solidFill>
-                  <a:schemeClr val="accent4"/>
-                </a:solidFill>
-                <a:prstDash val="solid"/>
-              </a:ln>
-              <a:solidFill>
-                <a:schemeClr val="accent3"/>
-              </a:solidFill>
-              <a:latin typeface="Times New Roman" panose="02020603050405020304" pitchFamily="18" charset="0"/>
-              <a:cs typeface="Times New Roman" panose="02020603050405020304" pitchFamily="18" charset="0"/>
-            </a:endParaRPr>
-          </a:p>
-        </p:txBody>
-      </p:sp>
-      <p:pic>
-        <p:nvPicPr>
-          <p:cNvPr id="36" name="Picture 35">
-            <a:extLst>
-              <a:ext uri="{FF2B5EF4-FFF2-40B4-BE49-F238E27FC236}">
-                <a16:creationId xmlns:a16="http://schemas.microsoft.com/office/drawing/2014/main" id="{110B500F-E1A8-C268-47EA-8103FE875F1F}"/>
-              </a:ext>
-            </a:extLst>
-          </p:cNvPr>
-          <p:cNvPicPr>
-            <a:picLocks noChangeAspect="1"/>
-          </p:cNvPicPr>
-          <p:nvPr/>
-        </p:nvPicPr>
-        <p:blipFill>
-          <a:blip r:embed="rId3">
-            <a:extLst>
-              <a:ext uri="{28A0092B-C50C-407E-A947-70E740481C1C}">
-                <a14:useLocalDpi xmlns:a14="http://schemas.microsoft.com/office/drawing/2010/main" val="0"/>
-              </a:ext>
-            </a:extLst>
-          </a:blip>
-          <a:stretch>
-            <a:fillRect/>
-          </a:stretch>
-        </p:blipFill>
-        <p:spPr>
-          <a:xfrm>
-            <a:off x="11277600" y="-69995"/>
-            <a:ext cx="914400" cy="914400"/>
-          </a:xfrm>
-          <a:prstGeom prst="rect">
-            <a:avLst/>
-          </a:prstGeom>
-        </p:spPr>
-      </p:pic>
-    </p:spTree>
-    <p:extLst>
-      <p:ext uri="{BB962C8B-B14F-4D97-AF65-F5344CB8AC3E}">
-        <p14:creationId xmlns:p14="http://schemas.microsoft.com/office/powerpoint/2010/main" val="1557309788"/>
-      </p:ext>
-    </p:extLst>
-  </p:cSld>
-  <p:clrMapOvr>
-    <a:masterClrMapping/>
-  </p:clrMapOvr>
-  <mc:AlternateContent xmlns:mc="http://schemas.openxmlformats.org/markup-compatibility/2006" xmlns:p15="http://schemas.microsoft.com/office/powerpoint/2012/main">
-    <mc:Choice Requires="p15">
-      <p:transition xmlns:p14="http://schemas.microsoft.com/office/powerpoint/2010/main" spd="slow" p14:dur="2000">
-        <p15:prstTrans prst="wind"/>
-        <p:sndAc>
-          <p:stSnd>
-            <p:snd r:embed="rId2" name="click.wav"/>
-          </p:stSnd>
-        </p:sndAc>
-      </p:transition>
-    </mc:Choice>
-    <mc:Fallback xmlns="">
-      <p:transition spd="slow">
-        <p:fade/>
-        <p:sndAc>
-          <p:stSnd>
-            <p:snd r:embed="rId4" name="click.wav"/>
-          </p:stSnd>
-        </p:sndAc>
-      </p:transition>
-    </mc:Fallback>
-  </mc:AlternateContent>
-</p:sld>
-</file>
-
-<file path=ppt/slides/slide12.xml><?xml version="1.0" encoding="utf-8"?>
-<p:sld xmlns:a="http://schemas.openxmlformats.org/drawingml/2006/main" xmlns:r="http://schemas.openxmlformats.org/officeDocument/2006/relationships" xmlns:p="http://schemas.openxmlformats.org/presentationml/2006/main" showMasterSp="0">
-  <p:cSld>
-    <p:spTree>
-      <p:nvGrpSpPr>
-        <p:cNvPr id="1" name=""/>
-        <p:cNvGrpSpPr/>
-        <p:nvPr/>
-      </p:nvGrpSpPr>
-      <p:grpSpPr>
-        <a:xfrm>
-          <a:off x="0" y="0"/>
-          <a:ext cx="0" cy="0"/>
-          <a:chOff x="0" y="0"/>
-          <a:chExt cx="0" cy="0"/>
-        </a:xfrm>
-      </p:grpSpPr>
-      <p:sp>
-        <p:nvSpPr>
-          <p:cNvPr id="3" name="Rectangle 7">
-            <a:extLst>
-              <a:ext uri="{FF2B5EF4-FFF2-40B4-BE49-F238E27FC236}">
-                <a16:creationId xmlns:a16="http://schemas.microsoft.com/office/drawing/2014/main" id="{3E4AD5A6-AA04-4D9F-5FCC-52981F38D619}"/>
-              </a:ext>
-            </a:extLst>
-          </p:cNvPr>
-          <p:cNvSpPr/>
-          <p:nvPr/>
-        </p:nvSpPr>
-        <p:spPr>
-          <a:xfrm>
-            <a:off x="1519766" y="844405"/>
-            <a:ext cx="9757834" cy="707886"/>
-          </a:xfrm>
-          <a:prstGeom prst="rect">
-            <a:avLst/>
-          </a:prstGeom>
-        </p:spPr>
-        <p:txBody>
-          <a:bodyPr wrap="square">
-            <a:spAutoFit/>
-          </a:bodyPr>
-          <a:lstStyle/>
-          <a:p>
-            <a:pPr algn="ctr"/>
-            <a:r>
-              <a:rPr lang="en-US" altLang="ko-KR" sz="4000" b="1" dirty="0">
-                <a:solidFill>
-                  <a:schemeClr val="accent3"/>
-                </a:solidFill>
-                <a:latin typeface="Times New Roman" panose="02020603050405020304" pitchFamily="18" charset="0"/>
-                <a:cs typeface="Times New Roman" panose="02020603050405020304" pitchFamily="18" charset="0"/>
-              </a:rPr>
-              <a:t>Argument</a:t>
-            </a:r>
-            <a:endParaRPr lang="ko-KR" altLang="en-US" sz="4400" b="1" dirty="0">
-              <a:ln w="12700" cmpd="sng">
-                <a:solidFill>
-                  <a:schemeClr val="accent4"/>
-                </a:solidFill>
-                <a:prstDash val="solid"/>
-              </a:ln>
-              <a:solidFill>
-                <a:schemeClr val="accent3"/>
-              </a:solidFill>
-              <a:latin typeface="Times New Roman" panose="02020603050405020304" pitchFamily="18" charset="0"/>
-              <a:cs typeface="Times New Roman" panose="02020603050405020304" pitchFamily="18" charset="0"/>
-            </a:endParaRPr>
-          </a:p>
-        </p:txBody>
-      </p:sp>
-      <p:sp>
-        <p:nvSpPr>
-          <p:cNvPr id="5" name="TextBox 4">
-            <a:extLst>
-              <a:ext uri="{FF2B5EF4-FFF2-40B4-BE49-F238E27FC236}">
-                <a16:creationId xmlns:a16="http://schemas.microsoft.com/office/drawing/2014/main" id="{9EFA6160-BF52-F363-72B3-DFBBF0D1D6A2}"/>
-              </a:ext>
-            </a:extLst>
-          </p:cNvPr>
-          <p:cNvSpPr txBox="1"/>
-          <p:nvPr/>
-        </p:nvSpPr>
-        <p:spPr>
-          <a:xfrm>
-            <a:off x="1447800" y="2068360"/>
-            <a:ext cx="9829800" cy="2246769"/>
-          </a:xfrm>
-          <a:prstGeom prst="rect">
-            <a:avLst/>
-          </a:prstGeom>
-          <a:noFill/>
-        </p:spPr>
-        <p:txBody>
-          <a:bodyPr wrap="square">
-            <a:spAutoFit/>
-          </a:bodyPr>
-          <a:lstStyle/>
-          <a:p>
-            <a:pPr algn="just"/>
-            <a:r>
-              <a:rPr lang="en-US" sz="2800" dirty="0">
-                <a:latin typeface="Times New Roman" panose="02020603050405020304" pitchFamily="18" charset="0"/>
-                <a:cs typeface="Times New Roman" panose="02020603050405020304" pitchFamily="18" charset="0"/>
-              </a:rPr>
-              <a:t>In the realm of women's education, activists champion empowerment and social change through education, while the Taliban opposes it, upholding patriarchal structures. The public holds diverse views influenced by education, religion, and culture (Lorber, 2001; Franks, 2003; Rene, 2010).</a:t>
-            </a:r>
-          </a:p>
-        </p:txBody>
-      </p:sp>
-      <p:pic>
-        <p:nvPicPr>
-          <p:cNvPr id="2" name="Picture 1">
-            <a:extLst>
-              <a:ext uri="{FF2B5EF4-FFF2-40B4-BE49-F238E27FC236}">
-                <a16:creationId xmlns:a16="http://schemas.microsoft.com/office/drawing/2014/main" id="{33D76D6E-A470-679C-7AE4-AC5D692EEE0E}"/>
-              </a:ext>
-            </a:extLst>
-          </p:cNvPr>
-          <p:cNvPicPr>
-            <a:picLocks noChangeAspect="1"/>
-          </p:cNvPicPr>
-          <p:nvPr/>
-        </p:nvPicPr>
-        <p:blipFill>
-          <a:blip r:embed="rId3">
-            <a:extLst>
-              <a:ext uri="{28A0092B-C50C-407E-A947-70E740481C1C}">
-                <a14:useLocalDpi xmlns:a14="http://schemas.microsoft.com/office/drawing/2010/main" val="0"/>
-              </a:ext>
-            </a:extLst>
-          </a:blip>
-          <a:stretch>
-            <a:fillRect/>
-          </a:stretch>
-        </p:blipFill>
-        <p:spPr>
-          <a:xfrm>
-            <a:off x="11277600" y="-69995"/>
-            <a:ext cx="914400" cy="914400"/>
-          </a:xfrm>
-          <a:prstGeom prst="rect">
-            <a:avLst/>
-          </a:prstGeom>
-        </p:spPr>
-      </p:pic>
-    </p:spTree>
-    <p:extLst>
-      <p:ext uri="{BB962C8B-B14F-4D97-AF65-F5344CB8AC3E}">
-        <p14:creationId xmlns:p14="http://schemas.microsoft.com/office/powerpoint/2010/main" val="2345629806"/>
-      </p:ext>
-    </p:extLst>
-  </p:cSld>
-  <p:clrMapOvr>
-    <a:masterClrMapping/>
-  </p:clrMapOvr>
-  <mc:AlternateContent xmlns:mc="http://schemas.openxmlformats.org/markup-compatibility/2006" xmlns:p15="http://schemas.microsoft.com/office/powerpoint/2012/main">
-    <mc:Choice Requires="p15">
-      <p:transition xmlns:p14="http://schemas.microsoft.com/office/powerpoint/2010/main" spd="slow" p14:dur="2000">
-        <p15:prstTrans prst="wind"/>
-        <p:sndAc>
-          <p:stSnd>
-            <p:snd r:embed="rId2" name="click.wav"/>
-          </p:stSnd>
-        </p:sndAc>
-      </p:transition>
-    </mc:Choice>
-    <mc:Fallback xmlns="">
-      <p:transition spd="slow">
-        <p:fade/>
-        <p:sndAc>
-          <p:stSnd>
-            <p:snd r:embed="rId4" name="click.wav"/>
-          </p:stSnd>
-        </p:sndAc>
-      </p:transition>
-    </mc:Fallback>
-  </mc:AlternateContent>
-</p:sld>
-</file>
-
-<file path=ppt/slides/slide13.xml><?xml version="1.0" encoding="utf-8"?>
-<p:sld xmlns:a="http://schemas.openxmlformats.org/drawingml/2006/main" xmlns:r="http://schemas.openxmlformats.org/officeDocument/2006/relationships" xmlns:p="http://schemas.openxmlformats.org/presentationml/2006/main" showMasterSp="0">
-  <p:cSld>
-    <p:spTree>
-      <p:nvGrpSpPr>
-        <p:cNvPr id="1" name=""/>
-        <p:cNvGrpSpPr/>
-        <p:nvPr/>
-      </p:nvGrpSpPr>
-      <p:grpSpPr>
-        <a:xfrm>
-          <a:off x="0" y="0"/>
-          <a:ext cx="0" cy="0"/>
-          <a:chOff x="0" y="0"/>
-          <a:chExt cx="0" cy="0"/>
-        </a:xfrm>
-      </p:grpSpPr>
-      <p:sp>
-        <p:nvSpPr>
           <p:cNvPr id="3" name="Rectangle 68">
             <a:extLst>
               <a:ext uri="{FF2B5EF4-FFF2-40B4-BE49-F238E27FC236}">
@@ -11931,7 +11055,7 @@
 </p:sld>
 </file>
 
-<file path=ppt/slides/slide14.xml><?xml version="1.0" encoding="utf-8"?>
+<file path=ppt/slides/slide11.xml><?xml version="1.0" encoding="utf-8"?>
 <p:sld xmlns:a="http://schemas.openxmlformats.org/drawingml/2006/main" xmlns:r="http://schemas.openxmlformats.org/officeDocument/2006/relationships" xmlns:p="http://schemas.openxmlformats.org/presentationml/2006/main" showMasterSp="0">
   <p:cSld>
     <p:spTree>
@@ -14903,7 +14027,7 @@
 </p:sld>
 </file>
 
-<file path=ppt/slides/slide15.xml><?xml version="1.0" encoding="utf-8"?>
+<file path=ppt/slides/slide12.xml><?xml version="1.0" encoding="utf-8"?>
 <p:sld xmlns:a="http://schemas.openxmlformats.org/drawingml/2006/main" xmlns:r="http://schemas.openxmlformats.org/officeDocument/2006/relationships" xmlns:p="http://schemas.openxmlformats.org/presentationml/2006/main" showMasterSp="0">
   <p:cSld>
     <p:spTree>
@@ -16028,7 +15152,7 @@
 </p:sld>
 </file>
 
-<file path=ppt/slides/slide16.xml><?xml version="1.0" encoding="utf-8"?>
+<file path=ppt/slides/slide13.xml><?xml version="1.0" encoding="utf-8"?>
 <p:sld xmlns:a="http://schemas.openxmlformats.org/drawingml/2006/main" xmlns:r="http://schemas.openxmlformats.org/officeDocument/2006/relationships" xmlns:p="http://schemas.openxmlformats.org/presentationml/2006/main" showMasterSp="0">
   <p:cSld>
     <p:spTree>
@@ -16428,7 +15552,7 @@
 </p:sld>
 </file>
 
-<file path=ppt/slides/slide17.xml><?xml version="1.0" encoding="utf-8"?>
+<file path=ppt/slides/slide14.xml><?xml version="1.0" encoding="utf-8"?>
 <p:sld xmlns:a="http://schemas.openxmlformats.org/drawingml/2006/main" xmlns:r="http://schemas.openxmlformats.org/officeDocument/2006/relationships" xmlns:p="http://schemas.openxmlformats.org/presentationml/2006/main" showMasterSp="0">
   <p:cSld>
     <p:spTree>
@@ -16889,7 +16013,7 @@
 </p:sld>
 </file>
 
-<file path=ppt/slides/slide18.xml><?xml version="1.0" encoding="utf-8"?>
+<file path=ppt/slides/slide15.xml><?xml version="1.0" encoding="utf-8"?>
 <p:sld xmlns:a="http://schemas.openxmlformats.org/drawingml/2006/main" xmlns:r="http://schemas.openxmlformats.org/officeDocument/2006/relationships" xmlns:p="http://schemas.openxmlformats.org/presentationml/2006/main" showMasterSp="0">
   <p:cSld>
     <p:spTree>
@@ -16920,7 +16044,7 @@
         </p:nvSpPr>
         <p:spPr>
           <a:xfrm>
-            <a:off x="583273" y="177153"/>
+            <a:off x="602938" y="490462"/>
             <a:ext cx="10548277" cy="707886"/>
           </a:xfrm>
           <a:prstGeom prst="rect">
@@ -16942,7 +16066,7 @@
                 <a:latin typeface="Times New Roman" panose="02020603050405020304" pitchFamily="18" charset="0"/>
                 <a:cs typeface="Times New Roman" panose="02020603050405020304" pitchFamily="18" charset="0"/>
               </a:rPr>
-              <a:t>Measure five Keywords</a:t>
+              <a:t>Measure Five Keywords</a:t>
             </a:r>
             <a:endParaRPr lang="ko-KR" altLang="en-US" sz="4000" b="1" dirty="0">
               <a:solidFill>
@@ -17347,7 +16471,7 @@
         </p:nvSpPr>
         <p:spPr>
           <a:xfrm>
-            <a:off x="3064876" y="2290138"/>
+            <a:off x="3028334" y="1641209"/>
             <a:ext cx="6224944" cy="646331"/>
           </a:xfrm>
           <a:prstGeom prst="rect">
@@ -17443,7 +16567,7 @@
 </p:sld>
 </file>
 
-<file path=ppt/slides/slide19.xml><?xml version="1.0" encoding="utf-8"?>
+<file path=ppt/slides/slide16.xml><?xml version="1.0" encoding="utf-8"?>
 <p:sld xmlns:a="http://schemas.openxmlformats.org/drawingml/2006/main" xmlns:r="http://schemas.openxmlformats.org/officeDocument/2006/relationships" xmlns:p="http://schemas.openxmlformats.org/presentationml/2006/main" showMasterSp="0">
   <p:cSld>
     <p:spTree>
@@ -17474,7 +16598,7 @@
         </p:nvSpPr>
         <p:spPr>
           <a:xfrm>
-            <a:off x="1023437" y="224287"/>
+            <a:off x="1023436" y="575611"/>
             <a:ext cx="10548277" cy="707886"/>
           </a:xfrm>
           <a:prstGeom prst="rect">
@@ -17496,7 +16620,7 @@
                 <a:latin typeface="Times New Roman" panose="02020603050405020304" pitchFamily="18" charset="0"/>
                 <a:cs typeface="Times New Roman" panose="02020603050405020304" pitchFamily="18" charset="0"/>
               </a:rPr>
-              <a:t>Measure 'women education'</a:t>
+              <a:t>Measure ‘Women Education'</a:t>
             </a:r>
             <a:endParaRPr lang="ko-KR" altLang="en-US" sz="4000" b="1" dirty="0">
               <a:solidFill>
@@ -17564,7 +16688,7 @@
         </p:nvSpPr>
         <p:spPr>
           <a:xfrm>
-            <a:off x="2960015" y="1869179"/>
+            <a:off x="2960016" y="1519307"/>
             <a:ext cx="6675120" cy="1077218"/>
           </a:xfrm>
           <a:prstGeom prst="rect">
@@ -18044,164 +17168,7 @@
 </p:sld>
 </file>
 
-<file path=ppt/slides/slide2.xml><?xml version="1.0" encoding="utf-8"?>
-<p:sld xmlns:a="http://schemas.openxmlformats.org/drawingml/2006/main" xmlns:r="http://schemas.openxmlformats.org/officeDocument/2006/relationships" xmlns:p="http://schemas.openxmlformats.org/presentationml/2006/main" showMasterSp="0">
-  <p:cSld>
-    <p:spTree>
-      <p:nvGrpSpPr>
-        <p:cNvPr id="1" name=""/>
-        <p:cNvGrpSpPr/>
-        <p:nvPr/>
-      </p:nvGrpSpPr>
-      <p:grpSpPr>
-        <a:xfrm>
-          <a:off x="0" y="0"/>
-          <a:ext cx="0" cy="0"/>
-          <a:chOff x="0" y="0"/>
-          <a:chExt cx="0" cy="0"/>
-        </a:xfrm>
-      </p:grpSpPr>
-      <p:sp>
-        <p:nvSpPr>
-          <p:cNvPr id="8" name="TextBox 7">
-            <a:extLst>
-              <a:ext uri="{FF2B5EF4-FFF2-40B4-BE49-F238E27FC236}">
-                <a16:creationId xmlns:a16="http://schemas.microsoft.com/office/drawing/2014/main" id="{5CF5BDA4-10C7-46A6-AC30-523A3FC438AC}"/>
-              </a:ext>
-            </a:extLst>
-          </p:cNvPr>
-          <p:cNvSpPr txBox="1"/>
-          <p:nvPr/>
-        </p:nvSpPr>
-        <p:spPr>
-          <a:xfrm>
-            <a:off x="4235777" y="3347308"/>
-            <a:ext cx="7956223" cy="1200329"/>
-          </a:xfrm>
-          <a:prstGeom prst="rect">
-            <a:avLst/>
-          </a:prstGeom>
-          <a:noFill/>
-        </p:spPr>
-        <p:txBody>
-          <a:bodyPr wrap="square" rtlCol="0" anchor="ctr">
-            <a:spAutoFit/>
-          </a:bodyPr>
-          <a:lstStyle/>
-          <a:p>
-            <a:pPr marL="0" marR="0" algn="ctr">
-              <a:spcBef>
-                <a:spcPts val="0"/>
-              </a:spcBef>
-              <a:spcAft>
-                <a:spcPts val="800"/>
-              </a:spcAft>
-            </a:pPr>
-            <a:r>
-              <a:rPr lang="en-US" sz="4000" dirty="0">
-                <a:effectLst/>
-                <a:latin typeface="Times New Roman" panose="02020603050405020304" pitchFamily="18" charset="0"/>
-                <a:ea typeface="Calibri" panose="020F0502020204030204" pitchFamily="34" charset="0"/>
-                <a:cs typeface="Arial" panose="020B0604020202020204" pitchFamily="34" charset="0"/>
-              </a:rPr>
-              <a:t>Women's Education in Afghanistan: </a:t>
-            </a:r>
-            <a:r>
-              <a:rPr lang="en-US" sz="3200" b="1" dirty="0">
-                <a:solidFill>
-                  <a:schemeClr val="accent2"/>
-                </a:solidFill>
-                <a:effectLst/>
-                <a:latin typeface="Times New Roman" panose="02020603050405020304" pitchFamily="18" charset="0"/>
-                <a:ea typeface="Calibri" panose="020F0502020204030204" pitchFamily="34" charset="0"/>
-                <a:cs typeface="Arial" panose="020B0604020202020204" pitchFamily="34" charset="0"/>
-              </a:rPr>
-              <a:t>Activist, Taliban, and Public Views</a:t>
-            </a:r>
-            <a:endParaRPr lang="en-US" sz="4000" b="1" dirty="0">
-              <a:solidFill>
-                <a:schemeClr val="accent2"/>
-              </a:solidFill>
-              <a:effectLst/>
-              <a:latin typeface="Times New Roman" panose="02020603050405020304" pitchFamily="18" charset="0"/>
-              <a:ea typeface="Calibri" panose="020F0502020204030204" pitchFamily="34" charset="0"/>
-              <a:cs typeface="Arial" panose="020B0604020202020204" pitchFamily="34" charset="0"/>
-            </a:endParaRPr>
-          </a:p>
-        </p:txBody>
-      </p:sp>
-      <p:pic>
-        <p:nvPicPr>
-          <p:cNvPr id="3" name="Picture 2">
-            <a:extLst>
-              <a:ext uri="{FF2B5EF4-FFF2-40B4-BE49-F238E27FC236}">
-                <a16:creationId xmlns:a16="http://schemas.microsoft.com/office/drawing/2014/main" id="{CD15570C-35BD-8E42-4F09-7E8620CD2A06}"/>
-              </a:ext>
-            </a:extLst>
-          </p:cNvPr>
-          <p:cNvPicPr>
-            <a:picLocks noChangeAspect="1"/>
-          </p:cNvPicPr>
-          <p:nvPr/>
-        </p:nvPicPr>
-        <p:blipFill>
-          <a:blip r:embed="rId3">
-            <a:extLst>
-              <a:ext uri="{28A0092B-C50C-407E-A947-70E740481C1C}">
-                <a14:useLocalDpi xmlns:a14="http://schemas.microsoft.com/office/drawing/2010/main" val="0"/>
-              </a:ext>
-            </a:extLst>
-          </a:blip>
-          <a:stretch>
-            <a:fillRect/>
-          </a:stretch>
-        </p:blipFill>
-        <p:spPr>
-          <a:xfrm>
-            <a:off x="11277600" y="-89659"/>
-            <a:ext cx="914400" cy="914400"/>
-          </a:xfrm>
-          <a:prstGeom prst="rect">
-            <a:avLst/>
-          </a:prstGeom>
-        </p:spPr>
-      </p:pic>
-    </p:spTree>
-    <p:extLst>
-      <p:ext uri="{BB962C8B-B14F-4D97-AF65-F5344CB8AC3E}">
-        <p14:creationId xmlns:p14="http://schemas.microsoft.com/office/powerpoint/2010/main" val="182683380"/>
-      </p:ext>
-    </p:extLst>
-  </p:cSld>
-  <p:clrMapOvr>
-    <a:masterClrMapping/>
-  </p:clrMapOvr>
-  <mc:AlternateContent xmlns:mc="http://schemas.openxmlformats.org/markup-compatibility/2006" xmlns:p15="http://schemas.microsoft.com/office/powerpoint/2012/main">
-    <mc:Choice Requires="p15">
-      <p:transition xmlns:p14="http://schemas.microsoft.com/office/powerpoint/2010/main" spd="slow" p14:dur="2000">
-        <p15:prstTrans prst="wind"/>
-        <p:sndAc>
-          <p:stSnd>
-            <p:snd r:embed="rId2" name="click.wav"/>
-          </p:stSnd>
-        </p:sndAc>
-      </p:transition>
-    </mc:Choice>
-    <mc:Fallback xmlns="">
-      <p:transition spd="slow">
-        <p:fade/>
-        <p:sndAc>
-          <p:stSnd>
-            <p:snd r:embed="rId4" name="click.wav"/>
-          </p:stSnd>
-        </p:sndAc>
-      </p:transition>
-    </mc:Fallback>
-  </mc:AlternateContent>
-</p:sld>
-</file>
-
-<file path=ppt/slides/slide20.xml><?xml version="1.0" encoding="utf-8"?>
+<file path=ppt/slides/slide17.xml><?xml version="1.0" encoding="utf-8"?>
 <p:sld xmlns:a="http://schemas.openxmlformats.org/drawingml/2006/main" xmlns:r="http://schemas.openxmlformats.org/officeDocument/2006/relationships" xmlns:p="http://schemas.openxmlformats.org/presentationml/2006/main" showMasterSp="0">
   <p:cSld>
     <p:spTree>
@@ -18247,13 +17214,19 @@
           <a:p>
             <a:pPr algn="ctr"/>
             <a:r>
-              <a:rPr lang="en-US" altLang="ko-KR" sz="4000" dirty="0">
+              <a:rPr lang="en-US" altLang="ko-KR" sz="4000" b="1" dirty="0">
+                <a:solidFill>
+                  <a:schemeClr val="accent1"/>
+                </a:solidFill>
                 <a:latin typeface="Times New Roman" panose="02020603050405020304" pitchFamily="18" charset="0"/>
                 <a:cs typeface="Times New Roman" panose="02020603050405020304" pitchFamily="18" charset="0"/>
               </a:rPr>
-              <a:t>Top and word-cloud words</a:t>
+              <a:t>Top 10 Frequent Words</a:t>
             </a:r>
-            <a:endParaRPr lang="ko-KR" altLang="en-US" sz="4000" dirty="0">
+            <a:endParaRPr lang="ko-KR" altLang="en-US" sz="4000" b="1" dirty="0">
+              <a:solidFill>
+                <a:schemeClr val="accent1"/>
+              </a:solidFill>
               <a:latin typeface="Times New Roman" panose="02020603050405020304" pitchFamily="18" charset="0"/>
               <a:cs typeface="Times New Roman" panose="02020603050405020304" pitchFamily="18" charset="0"/>
             </a:endParaRPr>
@@ -18325,7 +17298,7 @@
         </p:blipFill>
         <p:spPr bwMode="auto">
           <a:xfrm>
-            <a:off x="2638709" y="1929014"/>
+            <a:off x="2638709" y="2227192"/>
             <a:ext cx="6914582" cy="4406521"/>
           </a:xfrm>
           <a:prstGeom prst="rect">
@@ -18348,8 +17321,8 @@
         </p:nvSpPr>
         <p:spPr>
           <a:xfrm>
-            <a:off x="2638709" y="1245925"/>
-            <a:ext cx="6914582" cy="369332"/>
+            <a:off x="2638709" y="1118017"/>
+            <a:ext cx="6914582" cy="923330"/>
           </a:xfrm>
           <a:prstGeom prst="rect">
             <a:avLst/>
@@ -18362,9 +17335,29 @@
           </a:bodyPr>
           <a:lstStyle/>
           <a:p>
+            <a:pPr marL="342900" indent="-342900">
+              <a:buFont typeface="+mj-lt"/>
+              <a:buAutoNum type="arabicPeriod"/>
+            </a:pPr>
             <a:r>
-              <a:rPr lang="en-US" dirty="0"/>
-              <a:t>Top Frequent words, both has the Taliban on top</a:t>
+              <a:rPr lang="en-US" dirty="0">
+                <a:latin typeface="Times New Roman" panose="02020603050405020304" pitchFamily="18" charset="0"/>
+                <a:cs typeface="Times New Roman" panose="02020603050405020304" pitchFamily="18" charset="0"/>
+              </a:rPr>
+              <a:t>Top 10 frequent words, both male and female</a:t>
+            </a:r>
+          </a:p>
+          <a:p>
+            <a:pPr marL="342900" indent="-342900">
+              <a:buFont typeface="+mj-lt"/>
+              <a:buAutoNum type="arabicPeriod"/>
+            </a:pPr>
+            <a:r>
+              <a:rPr lang="en-US" dirty="0">
+                <a:latin typeface="Times New Roman" panose="02020603050405020304" pitchFamily="18" charset="0"/>
+                <a:cs typeface="Times New Roman" panose="02020603050405020304" pitchFamily="18" charset="0"/>
+              </a:rPr>
+              <a:t>Female, has the most mentioned words, ‘’education, ‘women’, ‘girl’, ‘right’, compared to male</a:t>
             </a:r>
           </a:p>
         </p:txBody>
@@ -18404,7 +17397,7 @@
 </p:sld>
 </file>
 
-<file path=ppt/slides/slide21.xml><?xml version="1.0" encoding="utf-8"?>
+<file path=ppt/slides/slide18.xml><?xml version="1.0" encoding="utf-8"?>
 <p:sld xmlns:a="http://schemas.openxmlformats.org/drawingml/2006/main" xmlns:r="http://schemas.openxmlformats.org/officeDocument/2006/relationships" xmlns:p="http://schemas.openxmlformats.org/presentationml/2006/main" showMasterSp="0">
   <p:cSld>
     <p:spTree>
@@ -18611,7 +17604,7 @@
                 <a:latin typeface="Times New Roman" panose="02020603050405020304" pitchFamily="18" charset="0"/>
                 <a:cs typeface="Times New Roman" panose="02020603050405020304" pitchFamily="18" charset="0"/>
               </a:rPr>
-              <a:t>Mostly talks, women's education,</a:t>
+              <a:t>Females mostly tweet regarding women’s education</a:t>
             </a:r>
           </a:p>
           <a:p>
@@ -18624,7 +17617,7 @@
                 <a:latin typeface="Times New Roman" panose="02020603050405020304" pitchFamily="18" charset="0"/>
                 <a:cs typeface="Times New Roman" panose="02020603050405020304" pitchFamily="18" charset="0"/>
               </a:rPr>
-              <a:t>Human rights</a:t>
+              <a:t>Women right, and equality</a:t>
             </a:r>
           </a:p>
         </p:txBody>
@@ -18664,7 +17657,7 @@
 </p:sld>
 </file>
 
-<file path=ppt/slides/slide22.xml><?xml version="1.0" encoding="utf-8"?>
+<file path=ppt/slides/slide19.xml><?xml version="1.0" encoding="utf-8"?>
 <p:sld xmlns:a="http://schemas.openxmlformats.org/drawingml/2006/main" xmlns:r="http://schemas.openxmlformats.org/officeDocument/2006/relationships" xmlns:p="http://schemas.openxmlformats.org/presentationml/2006/main" showMasterSp="0">
   <p:cSld>
     <p:spTree>
@@ -18695,7 +17688,7 @@
         </p:nvSpPr>
         <p:spPr>
           <a:xfrm>
-            <a:off x="975876" y="387205"/>
+            <a:off x="821861" y="235443"/>
             <a:ext cx="10548277" cy="707886"/>
           </a:xfrm>
           <a:prstGeom prst="rect">
@@ -18790,8 +17783,8 @@
         </p:blipFill>
         <p:spPr>
           <a:xfrm>
-            <a:off x="2658791" y="1988312"/>
-            <a:ext cx="7182451" cy="4215839"/>
+            <a:off x="2661118" y="1868247"/>
+            <a:ext cx="7477667" cy="4389120"/>
           </a:xfrm>
           <a:prstGeom prst="rect">
             <a:avLst/>
@@ -18848,8 +17841,8 @@
         </p:nvSpPr>
         <p:spPr>
           <a:xfrm>
-            <a:off x="2658790" y="1421132"/>
-            <a:ext cx="7182451" cy="369332"/>
+            <a:off x="2658790" y="1064101"/>
+            <a:ext cx="7182451" cy="830997"/>
           </a:xfrm>
           <a:prstGeom prst="rect">
             <a:avLst/>
@@ -18862,9 +17855,16 @@
           </a:bodyPr>
           <a:lstStyle/>
           <a:p>
+            <a:pPr marL="342900" indent="-342900">
+              <a:buFont typeface="+mj-lt"/>
+              <a:buAutoNum type="arabicPeriod"/>
+            </a:pPr>
             <a:r>
-              <a:rPr lang="en-US" dirty="0"/>
-              <a:t>Mostly talks, women, schools, and the Taliban</a:t>
+              <a:rPr lang="en-US" sz="2400" dirty="0">
+                <a:latin typeface="Times New Roman" panose="02020603050405020304" pitchFamily="18" charset="0"/>
+                <a:cs typeface="Times New Roman" panose="02020603050405020304" pitchFamily="18" charset="0"/>
+              </a:rPr>
+              <a:t>Male also does the same thing, but as lower tweets compared to female. </a:t>
             </a:r>
           </a:p>
         </p:txBody>
@@ -18904,7 +17904,164 @@
 </p:sld>
 </file>
 
-<file path=ppt/slides/slide23.xml><?xml version="1.0" encoding="utf-8"?>
+<file path=ppt/slides/slide2.xml><?xml version="1.0" encoding="utf-8"?>
+<p:sld xmlns:a="http://schemas.openxmlformats.org/drawingml/2006/main" xmlns:r="http://schemas.openxmlformats.org/officeDocument/2006/relationships" xmlns:p="http://schemas.openxmlformats.org/presentationml/2006/main" showMasterSp="0">
+  <p:cSld>
+    <p:spTree>
+      <p:nvGrpSpPr>
+        <p:cNvPr id="1" name=""/>
+        <p:cNvGrpSpPr/>
+        <p:nvPr/>
+      </p:nvGrpSpPr>
+      <p:grpSpPr>
+        <a:xfrm>
+          <a:off x="0" y="0"/>
+          <a:ext cx="0" cy="0"/>
+          <a:chOff x="0" y="0"/>
+          <a:chExt cx="0" cy="0"/>
+        </a:xfrm>
+      </p:grpSpPr>
+      <p:sp>
+        <p:nvSpPr>
+          <p:cNvPr id="8" name="TextBox 7">
+            <a:extLst>
+              <a:ext uri="{FF2B5EF4-FFF2-40B4-BE49-F238E27FC236}">
+                <a16:creationId xmlns:a16="http://schemas.microsoft.com/office/drawing/2014/main" id="{5CF5BDA4-10C7-46A6-AC30-523A3FC438AC}"/>
+              </a:ext>
+            </a:extLst>
+          </p:cNvPr>
+          <p:cNvSpPr txBox="1"/>
+          <p:nvPr/>
+        </p:nvSpPr>
+        <p:spPr>
+          <a:xfrm>
+            <a:off x="4235777" y="3347308"/>
+            <a:ext cx="7956223" cy="1200329"/>
+          </a:xfrm>
+          <a:prstGeom prst="rect">
+            <a:avLst/>
+          </a:prstGeom>
+          <a:noFill/>
+        </p:spPr>
+        <p:txBody>
+          <a:bodyPr wrap="square" rtlCol="0" anchor="ctr">
+            <a:spAutoFit/>
+          </a:bodyPr>
+          <a:lstStyle/>
+          <a:p>
+            <a:pPr marL="0" marR="0" algn="ctr">
+              <a:spcBef>
+                <a:spcPts val="0"/>
+              </a:spcBef>
+              <a:spcAft>
+                <a:spcPts val="800"/>
+              </a:spcAft>
+            </a:pPr>
+            <a:r>
+              <a:rPr lang="en-US" sz="4000" dirty="0">
+                <a:effectLst/>
+                <a:latin typeface="Times New Roman" panose="02020603050405020304" pitchFamily="18" charset="0"/>
+                <a:ea typeface="Calibri" panose="020F0502020204030204" pitchFamily="34" charset="0"/>
+                <a:cs typeface="Arial" panose="020B0604020202020204" pitchFamily="34" charset="0"/>
+              </a:rPr>
+              <a:t>Women's Education in Afghanistan: </a:t>
+            </a:r>
+            <a:r>
+              <a:rPr lang="en-US" sz="3200" b="1" dirty="0">
+                <a:solidFill>
+                  <a:schemeClr val="accent2"/>
+                </a:solidFill>
+                <a:effectLst/>
+                <a:latin typeface="Times New Roman" panose="02020603050405020304" pitchFamily="18" charset="0"/>
+                <a:ea typeface="Calibri" panose="020F0502020204030204" pitchFamily="34" charset="0"/>
+                <a:cs typeface="Arial" panose="020B0604020202020204" pitchFamily="34" charset="0"/>
+              </a:rPr>
+              <a:t>Activist, Taliban, and Public Views</a:t>
+            </a:r>
+            <a:endParaRPr lang="en-US" sz="4000" b="1" dirty="0">
+              <a:solidFill>
+                <a:schemeClr val="accent2"/>
+              </a:solidFill>
+              <a:effectLst/>
+              <a:latin typeface="Times New Roman" panose="02020603050405020304" pitchFamily="18" charset="0"/>
+              <a:ea typeface="Calibri" panose="020F0502020204030204" pitchFamily="34" charset="0"/>
+              <a:cs typeface="Arial" panose="020B0604020202020204" pitchFamily="34" charset="0"/>
+            </a:endParaRPr>
+          </a:p>
+        </p:txBody>
+      </p:sp>
+      <p:pic>
+        <p:nvPicPr>
+          <p:cNvPr id="3" name="Picture 2">
+            <a:extLst>
+              <a:ext uri="{FF2B5EF4-FFF2-40B4-BE49-F238E27FC236}">
+                <a16:creationId xmlns:a16="http://schemas.microsoft.com/office/drawing/2014/main" id="{CD15570C-35BD-8E42-4F09-7E8620CD2A06}"/>
+              </a:ext>
+            </a:extLst>
+          </p:cNvPr>
+          <p:cNvPicPr>
+            <a:picLocks noChangeAspect="1"/>
+          </p:cNvPicPr>
+          <p:nvPr/>
+        </p:nvPicPr>
+        <p:blipFill>
+          <a:blip r:embed="rId3">
+            <a:extLst>
+              <a:ext uri="{28A0092B-C50C-407E-A947-70E740481C1C}">
+                <a14:useLocalDpi xmlns:a14="http://schemas.microsoft.com/office/drawing/2010/main" val="0"/>
+              </a:ext>
+            </a:extLst>
+          </a:blip>
+          <a:stretch>
+            <a:fillRect/>
+          </a:stretch>
+        </p:blipFill>
+        <p:spPr>
+          <a:xfrm>
+            <a:off x="11277600" y="-89659"/>
+            <a:ext cx="914400" cy="914400"/>
+          </a:xfrm>
+          <a:prstGeom prst="rect">
+            <a:avLst/>
+          </a:prstGeom>
+        </p:spPr>
+      </p:pic>
+    </p:spTree>
+    <p:extLst>
+      <p:ext uri="{BB962C8B-B14F-4D97-AF65-F5344CB8AC3E}">
+        <p14:creationId xmlns:p14="http://schemas.microsoft.com/office/powerpoint/2010/main" val="182683380"/>
+      </p:ext>
+    </p:extLst>
+  </p:cSld>
+  <p:clrMapOvr>
+    <a:masterClrMapping/>
+  </p:clrMapOvr>
+  <mc:AlternateContent xmlns:mc="http://schemas.openxmlformats.org/markup-compatibility/2006" xmlns:p15="http://schemas.microsoft.com/office/powerpoint/2012/main">
+    <mc:Choice Requires="p15">
+      <p:transition xmlns:p14="http://schemas.microsoft.com/office/powerpoint/2010/main" spd="slow" p14:dur="2000">
+        <p15:prstTrans prst="wind"/>
+        <p:sndAc>
+          <p:stSnd>
+            <p:snd r:embed="rId2" name="click.wav"/>
+          </p:stSnd>
+        </p:sndAc>
+      </p:transition>
+    </mc:Choice>
+    <mc:Fallback xmlns="">
+      <p:transition spd="slow">
+        <p:fade/>
+        <p:sndAc>
+          <p:stSnd>
+            <p:snd r:embed="rId4" name="click.wav"/>
+          </p:stSnd>
+        </p:sndAc>
+      </p:transition>
+    </mc:Fallback>
+  </mc:AlternateContent>
+</p:sld>
+</file>
+
+<file path=ppt/slides/slide20.xml><?xml version="1.0" encoding="utf-8"?>
 <p:sld xmlns:a="http://schemas.openxmlformats.org/drawingml/2006/main" xmlns:r="http://schemas.openxmlformats.org/officeDocument/2006/relationships" xmlns:p="http://schemas.openxmlformats.org/presentationml/2006/main" showMasterSp="0">
   <p:cSld>
     <p:spTree>
@@ -19644,7 +18801,7 @@
 </p:sld>
 </file>
 
-<file path=ppt/slides/slide24.xml><?xml version="1.0" encoding="utf-8"?>
+<file path=ppt/slides/slide21.xml><?xml version="1.0" encoding="utf-8"?>
 <p:sld xmlns:a="http://schemas.openxmlformats.org/drawingml/2006/main" xmlns:r="http://schemas.openxmlformats.org/officeDocument/2006/relationships" xmlns:p="http://schemas.openxmlformats.org/presentationml/2006/main" showMasterSp="0">
   <p:cSld>
     <p:spTree>
@@ -19899,7 +19056,7 @@
 </p:sld>
 </file>
 
-<file path=ppt/slides/slide25.xml><?xml version="1.0" encoding="utf-8"?>
+<file path=ppt/slides/slide22.xml><?xml version="1.0" encoding="utf-8"?>
 <p:sld xmlns:a="http://schemas.openxmlformats.org/drawingml/2006/main" xmlns:r="http://schemas.openxmlformats.org/officeDocument/2006/relationships" xmlns:p="http://schemas.openxmlformats.org/presentationml/2006/main" showMasterSp="0">
   <p:cSld>
     <p:spTree>
@@ -19931,7 +19088,7 @@
         <p:spPr>
           <a:xfrm>
             <a:off x="302187" y="205254"/>
-            <a:ext cx="11098700" cy="1077218"/>
+            <a:ext cx="11098700" cy="523220"/>
           </a:xfrm>
           <a:prstGeom prst="rect">
             <a:avLst/>
@@ -19945,7 +19102,7 @@
           <a:p>
             <a:pPr algn="ctr"/>
             <a:r>
-              <a:rPr lang="en-US" altLang="ko-KR" sz="3200" b="1" dirty="0">
+              <a:rPr lang="en-US" altLang="ko-KR" sz="2800" b="1" dirty="0">
                 <a:solidFill>
                   <a:schemeClr val="accent3"/>
                 </a:solidFill>
@@ -19954,7 +19111,7 @@
               </a:rPr>
               <a:t>Descriptive Tweets and Sentiment Distribution of Five Keywords</a:t>
             </a:r>
-            <a:endParaRPr lang="ko-KR" altLang="en-US" sz="3200" b="1" dirty="0">
+            <a:endParaRPr lang="ko-KR" altLang="en-US" sz="2800" b="1" dirty="0">
               <a:solidFill>
                 <a:schemeClr val="accent3"/>
               </a:solidFill>
@@ -19978,7 +19135,7 @@
         </p:nvSpPr>
         <p:spPr>
           <a:xfrm>
-            <a:off x="233360" y="1421394"/>
+            <a:off x="233360" y="1003723"/>
             <a:ext cx="11526020" cy="646331"/>
           </a:xfrm>
           <a:prstGeom prst="rect">
@@ -20532,7 +19689,7 @@
 </p:sld>
 </file>
 
-<file path=ppt/slides/slide26.xml><?xml version="1.0" encoding="utf-8"?>
+<file path=ppt/slides/slide23.xml><?xml version="1.0" encoding="utf-8"?>
 <p:sld xmlns:a="http://schemas.openxmlformats.org/drawingml/2006/main" xmlns:r="http://schemas.openxmlformats.org/officeDocument/2006/relationships" xmlns:p="http://schemas.openxmlformats.org/presentationml/2006/main" showMasterSp="0">
   <p:cSld>
     <p:spTree>
@@ -20563,8 +19720,8 @@
         </p:nvSpPr>
         <p:spPr>
           <a:xfrm>
-            <a:off x="783783" y="78640"/>
-            <a:ext cx="10548277" cy="707886"/>
+            <a:off x="2080281" y="188093"/>
+            <a:ext cx="7955280" cy="707886"/>
           </a:xfrm>
           <a:prstGeom prst="rect">
             <a:avLst/>
@@ -20612,7 +19769,7 @@
         <p:spPr>
           <a:xfrm>
             <a:off x="2080281" y="1079050"/>
-            <a:ext cx="7955280" cy="646331"/>
+            <a:ext cx="7955280" cy="923330"/>
           </a:xfrm>
           <a:prstGeom prst="rect">
             <a:avLst/>
@@ -20625,23 +19782,43 @@
           </a:bodyPr>
           <a:lstStyle/>
           <a:p>
-            <a:pPr algn="just"/>
+            <a:pPr marL="342900" indent="-342900" algn="just">
+              <a:buFont typeface="+mj-lt"/>
+              <a:buAutoNum type="arabicPeriod"/>
+            </a:pPr>
             <a:r>
               <a:rPr lang="en-US" dirty="0">
                 <a:latin typeface="Times New Roman" panose="02020603050405020304" pitchFamily="18" charset="0"/>
                 <a:ea typeface="Calibri" panose="020F0502020204030204" pitchFamily="34" charset="0"/>
                 <a:cs typeface="Arial" panose="020B0604020202020204" pitchFamily="34" charset="0"/>
               </a:rPr>
-              <a:t>C</a:t>
+              <a:t>Activists, and People,</a:t>
             </a:r>
+          </a:p>
+          <a:p>
+            <a:pPr marL="342900" indent="-342900" algn="just">
+              <a:buFont typeface="+mj-lt"/>
+              <a:buAutoNum type="arabicPeriod"/>
+            </a:pPr>
             <a:r>
-              <a:rPr lang="en-US" sz="1800" dirty="0">
-                <a:effectLst/>
+              <a:rPr lang="en-US" dirty="0">
                 <a:latin typeface="Times New Roman" panose="02020603050405020304" pitchFamily="18" charset="0"/>
-                <a:ea typeface="Calibri" panose="020F0502020204030204" pitchFamily="34" charset="0"/>
                 <a:cs typeface="Arial" panose="020B0604020202020204" pitchFamily="34" charset="0"/>
               </a:rPr>
-              <a:t>ompare keywords between activists and people. We can see that activists are more likely to be positive compared to people. </a:t>
+              <a:t>Compare activists tweets on five keywords</a:t>
+            </a:r>
+          </a:p>
+          <a:p>
+            <a:pPr marL="342900" indent="-342900" algn="just">
+              <a:buFont typeface="+mj-lt"/>
+              <a:buAutoNum type="arabicPeriod"/>
+            </a:pPr>
+            <a:r>
+              <a:rPr lang="en-US" dirty="0">
+                <a:latin typeface="Times New Roman" panose="02020603050405020304" pitchFamily="18" charset="0"/>
+                <a:cs typeface="Arial" panose="020B0604020202020204" pitchFamily="34" charset="0"/>
+              </a:rPr>
+              <a:t>Activists has the higher rate of tweets related to women’s education</a:t>
             </a:r>
             <a:endParaRPr lang="en-US" dirty="0"/>
           </a:p>
@@ -20712,7 +19889,7 @@
         </p:blipFill>
         <p:spPr bwMode="auto">
           <a:xfrm>
-            <a:off x="2080281" y="1828529"/>
+            <a:off x="2118360" y="2241237"/>
             <a:ext cx="7955280" cy="4428670"/>
           </a:xfrm>
           <a:prstGeom prst="rect">
@@ -20756,7 +19933,7 @@
 </p:sld>
 </file>
 
-<file path=ppt/slides/slide27.xml><?xml version="1.0" encoding="utf-8"?>
+<file path=ppt/slides/slide24.xml><?xml version="1.0" encoding="utf-8"?>
 <p:sld xmlns:a="http://schemas.openxmlformats.org/drawingml/2006/main" xmlns:r="http://schemas.openxmlformats.org/officeDocument/2006/relationships" xmlns:p="http://schemas.openxmlformats.org/presentationml/2006/main" showMasterSp="0">
   <p:cSld>
     <p:spTree>
@@ -20809,7 +19986,7 @@
                 <a:latin typeface="Times New Roman" panose="02020603050405020304" pitchFamily="18" charset="0"/>
                 <a:cs typeface="Times New Roman" panose="02020603050405020304" pitchFamily="18" charset="0"/>
               </a:rPr>
-              <a:t>Calculating the Percentage of 'Women education'</a:t>
+              <a:t>Calculating the Percentage of 'Women Education'</a:t>
             </a:r>
             <a:endParaRPr lang="ko-KR" altLang="en-US" sz="4000" dirty="0">
               <a:solidFill>
@@ -20998,7 +20175,7 @@
 </p:sld>
 </file>
 
-<file path=ppt/slides/slide28.xml><?xml version="1.0" encoding="utf-8"?>
+<file path=ppt/slides/slide25.xml><?xml version="1.0" encoding="utf-8"?>
 <p:sld xmlns:a="http://schemas.openxmlformats.org/drawingml/2006/main" xmlns:r="http://schemas.openxmlformats.org/officeDocument/2006/relationships" xmlns:p="http://schemas.openxmlformats.org/presentationml/2006/main" showMasterSp="0">
   <p:cSld>
     <p:spTree>
@@ -21029,8 +20206,8 @@
         </p:nvSpPr>
         <p:spPr>
           <a:xfrm>
-            <a:off x="821861" y="141221"/>
-            <a:ext cx="10548277" cy="707886"/>
+            <a:off x="1219200" y="289100"/>
+            <a:ext cx="9507793" cy="646331"/>
           </a:xfrm>
           <a:prstGeom prst="rect">
             <a:avLst/>
@@ -21044,7 +20221,7 @@
           <a:p>
             <a:pPr algn="ctr"/>
             <a:r>
-              <a:rPr lang="en-US" altLang="ko-KR" sz="4000" b="1" dirty="0">
+              <a:rPr lang="en-US" altLang="ko-KR" sz="3600" b="1" dirty="0">
                 <a:solidFill>
                   <a:schemeClr val="accent3"/>
                 </a:solidFill>
@@ -21053,7 +20230,7 @@
               </a:rPr>
               <a:t>Total Percentage of 'Women Education'</a:t>
             </a:r>
-            <a:endParaRPr lang="ko-KR" altLang="en-US" sz="4000" b="1" dirty="0">
+            <a:endParaRPr lang="ko-KR" altLang="en-US" sz="3600" b="1" dirty="0">
               <a:solidFill>
                 <a:schemeClr val="accent3"/>
               </a:solidFill>
@@ -21113,8 +20290,8 @@
         </p:nvSpPr>
         <p:spPr>
           <a:xfrm>
-            <a:off x="1096030" y="1021756"/>
-            <a:ext cx="9296667" cy="1200329"/>
+            <a:off x="2577520" y="935431"/>
+            <a:ext cx="7036958" cy="923330"/>
           </a:xfrm>
           <a:prstGeom prst="rect">
             <a:avLst/>
@@ -21127,15 +20304,10 @@
           </a:bodyPr>
           <a:lstStyle/>
           <a:p>
-            <a:r>
-              <a:rPr lang="en-US" dirty="0">
-                <a:latin typeface="Times New Roman" panose="02020603050405020304" pitchFamily="18" charset="0"/>
-                <a:cs typeface="Times New Roman" panose="02020603050405020304" pitchFamily="18" charset="0"/>
-              </a:rPr>
-              <a:t>'Women Education' :</a:t>
-            </a:r>
-          </a:p>
-          <a:p>
+            <a:pPr marL="342900" indent="-342900">
+              <a:buFont typeface="+mj-lt"/>
+              <a:buAutoNum type="arabicPeriod"/>
+            </a:pPr>
             <a:r>
               <a:rPr lang="en-US" dirty="0">
                 <a:latin typeface="Times New Roman" panose="02020603050405020304" pitchFamily="18" charset="0"/>
@@ -21145,6 +20317,10 @@
             </a:r>
           </a:p>
           <a:p>
+            <a:pPr marL="342900" indent="-342900">
+              <a:buFont typeface="+mj-lt"/>
+              <a:buAutoNum type="arabicPeriod"/>
+            </a:pPr>
             <a:r>
               <a:rPr lang="en-US" dirty="0">
                 <a:latin typeface="Times New Roman" panose="02020603050405020304" pitchFamily="18" charset="0"/>
@@ -21154,6 +20330,10 @@
             </a:r>
           </a:p>
           <a:p>
+            <a:pPr marL="342900" indent="-342900">
+              <a:buFont typeface="+mj-lt"/>
+              <a:buAutoNum type="arabicPeriod"/>
+            </a:pPr>
             <a:r>
               <a:rPr lang="en-US" dirty="0">
                 <a:latin typeface="Times New Roman" panose="02020603050405020304" pitchFamily="18" charset="0"/>
@@ -21193,8 +20373,8 @@
         </p:blipFill>
         <p:spPr bwMode="auto">
           <a:xfrm>
-            <a:off x="1172978" y="2236840"/>
-            <a:ext cx="7036958" cy="4364277"/>
+            <a:off x="2095150" y="1945086"/>
+            <a:ext cx="7519329" cy="4663440"/>
           </a:xfrm>
           <a:prstGeom prst="rect">
             <a:avLst/>
@@ -21237,7 +20417,7 @@
 </p:sld>
 </file>
 
-<file path=ppt/slides/slide29.xml><?xml version="1.0" encoding="utf-8"?>
+<file path=ppt/slides/slide26.xml><?xml version="1.0" encoding="utf-8"?>
 <p:sld xmlns:a="http://schemas.openxmlformats.org/drawingml/2006/main" xmlns:r="http://schemas.openxmlformats.org/officeDocument/2006/relationships" xmlns:p="http://schemas.openxmlformats.org/presentationml/2006/main" showMasterSp="0">
   <p:cSld>
     <p:spTree>
@@ -21298,7 +20478,7 @@
         </p:nvSpPr>
         <p:spPr>
           <a:xfrm>
-            <a:off x="1332524" y="1251614"/>
+            <a:off x="1519336" y="1220837"/>
             <a:ext cx="7971517" cy="369332"/>
           </a:xfrm>
           <a:prstGeom prst="rect">
@@ -21434,6 +20614,770 @@
         <p:sndAc>
           <p:stSnd>
             <p:snd r:embed="rId5" name="click.wav"/>
+          </p:stSnd>
+        </p:sndAc>
+      </p:transition>
+    </mc:Fallback>
+  </mc:AlternateContent>
+</p:sld>
+</file>
+
+<file path=ppt/slides/slide27.xml><?xml version="1.0" encoding="utf-8"?>
+<p:sld xmlns:a="http://schemas.openxmlformats.org/drawingml/2006/main" xmlns:r="http://schemas.openxmlformats.org/officeDocument/2006/relationships" xmlns:p="http://schemas.openxmlformats.org/presentationml/2006/main" showMasterSp="0">
+  <p:cSld>
+    <p:spTree>
+      <p:nvGrpSpPr>
+        <p:cNvPr id="1" name=""/>
+        <p:cNvGrpSpPr/>
+        <p:nvPr/>
+      </p:nvGrpSpPr>
+      <p:grpSpPr>
+        <a:xfrm>
+          <a:off x="0" y="0"/>
+          <a:ext cx="0" cy="0"/>
+          <a:chOff x="0" y="0"/>
+          <a:chExt cx="0" cy="0"/>
+        </a:xfrm>
+      </p:grpSpPr>
+      <p:sp>
+        <p:nvSpPr>
+          <p:cNvPr id="40" name="Rectangle 7">
+            <a:extLst>
+              <a:ext uri="{FF2B5EF4-FFF2-40B4-BE49-F238E27FC236}">
+                <a16:creationId xmlns:a16="http://schemas.microsoft.com/office/drawing/2014/main" id="{C513FCEE-C2A5-BBE5-A209-5B3F2D6DFFC0}"/>
+              </a:ext>
+            </a:extLst>
+          </p:cNvPr>
+          <p:cNvSpPr/>
+          <p:nvPr/>
+        </p:nvSpPr>
+        <p:spPr>
+          <a:xfrm>
+            <a:off x="729323" y="298687"/>
+            <a:ext cx="10548277" cy="646331"/>
+          </a:xfrm>
+          <a:prstGeom prst="rect">
+            <a:avLst/>
+          </a:prstGeom>
+        </p:spPr>
+        <p:txBody>
+          <a:bodyPr wrap="square">
+            <a:spAutoFit/>
+          </a:bodyPr>
+          <a:lstStyle/>
+          <a:p>
+            <a:pPr algn="ctr"/>
+            <a:r>
+              <a:rPr lang="en-US" altLang="ko-KR" sz="3600" b="1" dirty="0">
+                <a:solidFill>
+                  <a:schemeClr val="accent3"/>
+                </a:solidFill>
+                <a:latin typeface="Times New Roman" panose="02020603050405020304" pitchFamily="18" charset="0"/>
+                <a:cs typeface="Times New Roman" panose="02020603050405020304" pitchFamily="18" charset="0"/>
+              </a:rPr>
+              <a:t>Top Frequent Words and Word-Cloud, Taliban </a:t>
+            </a:r>
+            <a:endParaRPr lang="ko-KR" altLang="en-US" sz="3600" b="1" dirty="0">
+              <a:solidFill>
+                <a:schemeClr val="accent3"/>
+              </a:solidFill>
+              <a:latin typeface="Times New Roman" panose="02020603050405020304" pitchFamily="18" charset="0"/>
+              <a:cs typeface="Times New Roman" panose="02020603050405020304" pitchFamily="18" charset="0"/>
+            </a:endParaRPr>
+          </a:p>
+        </p:txBody>
+      </p:sp>
+      <p:pic>
+        <p:nvPicPr>
+          <p:cNvPr id="41" name="Picture 40">
+            <a:extLst>
+              <a:ext uri="{FF2B5EF4-FFF2-40B4-BE49-F238E27FC236}">
+                <a16:creationId xmlns:a16="http://schemas.microsoft.com/office/drawing/2014/main" id="{DEF0907E-4F65-C2B8-7BFB-3C83ABA3968F}"/>
+              </a:ext>
+            </a:extLst>
+          </p:cNvPr>
+          <p:cNvPicPr>
+            <a:picLocks noChangeAspect="1"/>
+          </p:cNvPicPr>
+          <p:nvPr/>
+        </p:nvPicPr>
+        <p:blipFill>
+          <a:blip r:embed="rId3"/>
+          <a:stretch>
+            <a:fillRect/>
+          </a:stretch>
+        </p:blipFill>
+        <p:spPr>
+          <a:xfrm>
+            <a:off x="98322" y="2203099"/>
+            <a:ext cx="5702709" cy="4276361"/>
+          </a:xfrm>
+          <a:prstGeom prst="rect">
+            <a:avLst/>
+          </a:prstGeom>
+        </p:spPr>
+      </p:pic>
+      <p:pic>
+        <p:nvPicPr>
+          <p:cNvPr id="44" name="Picture 43">
+            <a:extLst>
+              <a:ext uri="{FF2B5EF4-FFF2-40B4-BE49-F238E27FC236}">
+                <a16:creationId xmlns:a16="http://schemas.microsoft.com/office/drawing/2014/main" id="{C0AAF9D6-631C-5D75-438A-491B5D7374FC}"/>
+              </a:ext>
+            </a:extLst>
+          </p:cNvPr>
+          <p:cNvPicPr>
+            <a:picLocks noChangeAspect="1"/>
+          </p:cNvPicPr>
+          <p:nvPr/>
+        </p:nvPicPr>
+        <p:blipFill>
+          <a:blip r:embed="rId4"/>
+          <a:stretch>
+            <a:fillRect/>
+          </a:stretch>
+        </p:blipFill>
+        <p:spPr>
+          <a:xfrm>
+            <a:off x="5876777" y="2203098"/>
+            <a:ext cx="6216900" cy="4276361"/>
+          </a:xfrm>
+          <a:prstGeom prst="rect">
+            <a:avLst/>
+          </a:prstGeom>
+        </p:spPr>
+      </p:pic>
+      <p:pic>
+        <p:nvPicPr>
+          <p:cNvPr id="46" name="Picture 45">
+            <a:extLst>
+              <a:ext uri="{FF2B5EF4-FFF2-40B4-BE49-F238E27FC236}">
+                <a16:creationId xmlns:a16="http://schemas.microsoft.com/office/drawing/2014/main" id="{F250C2D6-E84B-783F-A40D-E41C3F25EFAB}"/>
+              </a:ext>
+            </a:extLst>
+          </p:cNvPr>
+          <p:cNvPicPr>
+            <a:picLocks noChangeAspect="1"/>
+          </p:cNvPicPr>
+          <p:nvPr/>
+        </p:nvPicPr>
+        <p:blipFill>
+          <a:blip r:embed="rId5">
+            <a:extLst>
+              <a:ext uri="{28A0092B-C50C-407E-A947-70E740481C1C}">
+                <a14:useLocalDpi xmlns:a14="http://schemas.microsoft.com/office/drawing/2010/main" val="0"/>
+              </a:ext>
+            </a:extLst>
+          </a:blip>
+          <a:stretch>
+            <a:fillRect/>
+          </a:stretch>
+        </p:blipFill>
+        <p:spPr>
+          <a:xfrm>
+            <a:off x="11277600" y="-69995"/>
+            <a:ext cx="914400" cy="914400"/>
+          </a:xfrm>
+          <a:prstGeom prst="rect">
+            <a:avLst/>
+          </a:prstGeom>
+        </p:spPr>
+      </p:pic>
+      <p:sp>
+        <p:nvSpPr>
+          <p:cNvPr id="2" name="TextBox 1">
+            <a:extLst>
+              <a:ext uri="{FF2B5EF4-FFF2-40B4-BE49-F238E27FC236}">
+                <a16:creationId xmlns:a16="http://schemas.microsoft.com/office/drawing/2014/main" id="{E3A25EC8-C5E8-DA60-CAAC-B557241EEFA2}"/>
+              </a:ext>
+            </a:extLst>
+          </p:cNvPr>
+          <p:cNvSpPr txBox="1"/>
+          <p:nvPr/>
+        </p:nvSpPr>
+        <p:spPr>
+          <a:xfrm>
+            <a:off x="1176958" y="1250892"/>
+            <a:ext cx="9399638" cy="646331"/>
+          </a:xfrm>
+          <a:prstGeom prst="rect">
+            <a:avLst/>
+          </a:prstGeom>
+          <a:noFill/>
+        </p:spPr>
+        <p:txBody>
+          <a:bodyPr wrap="square" rtlCol="0">
+            <a:spAutoFit/>
+          </a:bodyPr>
+          <a:lstStyle/>
+          <a:p>
+            <a:pPr marL="342900" indent="-342900">
+              <a:buFont typeface="+mj-lt"/>
+              <a:buAutoNum type="arabicPeriod"/>
+            </a:pPr>
+            <a:r>
+              <a:rPr lang="en-US" dirty="0">
+                <a:latin typeface="Times New Roman" panose="02020603050405020304" pitchFamily="18" charset="0"/>
+                <a:cs typeface="Times New Roman" panose="02020603050405020304" pitchFamily="18" charset="0"/>
+              </a:rPr>
+              <a:t>No tweets related to education</a:t>
+            </a:r>
+          </a:p>
+          <a:p>
+            <a:pPr marL="342900" indent="-342900">
+              <a:buFont typeface="+mj-lt"/>
+              <a:buAutoNum type="arabicPeriod"/>
+            </a:pPr>
+            <a:r>
+              <a:rPr lang="en-US" dirty="0">
+                <a:latin typeface="Times New Roman" panose="02020603050405020304" pitchFamily="18" charset="0"/>
+                <a:cs typeface="Times New Roman" panose="02020603050405020304" pitchFamily="18" charset="0"/>
+              </a:rPr>
+              <a:t>Main focus on Islamic aspect and Political aspect, such traveling and vesting other countries</a:t>
+            </a:r>
+          </a:p>
+        </p:txBody>
+      </p:sp>
+    </p:spTree>
+    <p:extLst>
+      <p:ext uri="{BB962C8B-B14F-4D97-AF65-F5344CB8AC3E}">
+        <p14:creationId xmlns:p14="http://schemas.microsoft.com/office/powerpoint/2010/main" val="4201278032"/>
+      </p:ext>
+    </p:extLst>
+  </p:cSld>
+  <p:clrMapOvr>
+    <a:masterClrMapping/>
+  </p:clrMapOvr>
+  <mc:AlternateContent xmlns:mc="http://schemas.openxmlformats.org/markup-compatibility/2006" xmlns:p15="http://schemas.microsoft.com/office/powerpoint/2012/main">
+    <mc:Choice Requires="p15">
+      <p:transition xmlns:p14="http://schemas.microsoft.com/office/powerpoint/2010/main" spd="slow" p14:dur="2000">
+        <p15:prstTrans prst="wind"/>
+        <p:sndAc>
+          <p:stSnd>
+            <p:snd r:embed="rId2" name="click.wav"/>
+          </p:stSnd>
+        </p:sndAc>
+      </p:transition>
+    </mc:Choice>
+    <mc:Fallback xmlns="">
+      <p:transition spd="slow">
+        <p:fade/>
+        <p:sndAc>
+          <p:stSnd>
+            <p:snd r:embed="rId6" name="click.wav"/>
+          </p:stSnd>
+        </p:sndAc>
+      </p:transition>
+    </mc:Fallback>
+  </mc:AlternateContent>
+</p:sld>
+</file>
+
+<file path=ppt/slides/slide28.xml><?xml version="1.0" encoding="utf-8"?>
+<p:sld xmlns:a="http://schemas.openxmlformats.org/drawingml/2006/main" xmlns:r="http://schemas.openxmlformats.org/officeDocument/2006/relationships" xmlns:p="http://schemas.openxmlformats.org/presentationml/2006/main" showMasterSp="0">
+  <p:cSld>
+    <p:spTree>
+      <p:nvGrpSpPr>
+        <p:cNvPr id="1" name=""/>
+        <p:cNvGrpSpPr/>
+        <p:nvPr/>
+      </p:nvGrpSpPr>
+      <p:grpSpPr>
+        <a:xfrm>
+          <a:off x="0" y="0"/>
+          <a:ext cx="0" cy="0"/>
+          <a:chOff x="0" y="0"/>
+          <a:chExt cx="0" cy="0"/>
+        </a:xfrm>
+      </p:grpSpPr>
+      <p:sp>
+        <p:nvSpPr>
+          <p:cNvPr id="40" name="Rectangle 7">
+            <a:extLst>
+              <a:ext uri="{FF2B5EF4-FFF2-40B4-BE49-F238E27FC236}">
+                <a16:creationId xmlns:a16="http://schemas.microsoft.com/office/drawing/2014/main" id="{C513FCEE-C2A5-BBE5-A209-5B3F2D6DFFC0}"/>
+              </a:ext>
+            </a:extLst>
+          </p:cNvPr>
+          <p:cNvSpPr/>
+          <p:nvPr/>
+        </p:nvSpPr>
+        <p:spPr>
+          <a:xfrm>
+            <a:off x="442453" y="308281"/>
+            <a:ext cx="10986680" cy="646331"/>
+          </a:xfrm>
+          <a:prstGeom prst="rect">
+            <a:avLst/>
+          </a:prstGeom>
+        </p:spPr>
+        <p:txBody>
+          <a:bodyPr wrap="square">
+            <a:spAutoFit/>
+          </a:bodyPr>
+          <a:lstStyle/>
+          <a:p>
+            <a:pPr algn="ctr"/>
+            <a:r>
+              <a:rPr lang="en-US" altLang="ko-KR" sz="3600" b="1" dirty="0">
+                <a:solidFill>
+                  <a:schemeClr val="accent3"/>
+                </a:solidFill>
+                <a:latin typeface="Times New Roman" panose="02020603050405020304" pitchFamily="18" charset="0"/>
+                <a:cs typeface="Times New Roman" panose="02020603050405020304" pitchFamily="18" charset="0"/>
+              </a:rPr>
+              <a:t>Top Frequent Words and Word-Cloud, Female </a:t>
+            </a:r>
+            <a:endParaRPr lang="ko-KR" altLang="en-US" sz="3600" b="1" dirty="0">
+              <a:solidFill>
+                <a:schemeClr val="accent3"/>
+              </a:solidFill>
+              <a:latin typeface="Times New Roman" panose="02020603050405020304" pitchFamily="18" charset="0"/>
+              <a:cs typeface="Times New Roman" panose="02020603050405020304" pitchFamily="18" charset="0"/>
+            </a:endParaRPr>
+          </a:p>
+        </p:txBody>
+      </p:sp>
+      <p:pic>
+        <p:nvPicPr>
+          <p:cNvPr id="3" name="Picture 2">
+            <a:extLst>
+              <a:ext uri="{FF2B5EF4-FFF2-40B4-BE49-F238E27FC236}">
+                <a16:creationId xmlns:a16="http://schemas.microsoft.com/office/drawing/2014/main" id="{2E0B1CF0-9C08-F60D-5D4F-C33C20118859}"/>
+              </a:ext>
+            </a:extLst>
+          </p:cNvPr>
+          <p:cNvPicPr>
+            <a:picLocks noChangeAspect="1"/>
+          </p:cNvPicPr>
+          <p:nvPr/>
+        </p:nvPicPr>
+        <p:blipFill>
+          <a:blip r:embed="rId3"/>
+          <a:stretch>
+            <a:fillRect/>
+          </a:stretch>
+        </p:blipFill>
+        <p:spPr>
+          <a:xfrm>
+            <a:off x="148034" y="2126445"/>
+            <a:ext cx="5585977" cy="4271871"/>
+          </a:xfrm>
+          <a:prstGeom prst="rect">
+            <a:avLst/>
+          </a:prstGeom>
+        </p:spPr>
+      </p:pic>
+      <p:pic>
+        <p:nvPicPr>
+          <p:cNvPr id="2" name="Picture 1">
+            <a:extLst>
+              <a:ext uri="{FF2B5EF4-FFF2-40B4-BE49-F238E27FC236}">
+                <a16:creationId xmlns:a16="http://schemas.microsoft.com/office/drawing/2014/main" id="{3D1CA9AC-5A81-FE39-D629-0BADEA52DEBA}"/>
+              </a:ext>
+            </a:extLst>
+          </p:cNvPr>
+          <p:cNvPicPr>
+            <a:picLocks noChangeAspect="1"/>
+          </p:cNvPicPr>
+          <p:nvPr/>
+        </p:nvPicPr>
+        <p:blipFill>
+          <a:blip r:embed="rId4"/>
+          <a:stretch>
+            <a:fillRect/>
+          </a:stretch>
+        </p:blipFill>
+        <p:spPr>
+          <a:xfrm>
+            <a:off x="5832437" y="2126444"/>
+            <a:ext cx="6231193" cy="4271871"/>
+          </a:xfrm>
+          <a:prstGeom prst="rect">
+            <a:avLst/>
+          </a:prstGeom>
+        </p:spPr>
+      </p:pic>
+      <p:pic>
+        <p:nvPicPr>
+          <p:cNvPr id="5" name="Picture 4">
+            <a:extLst>
+              <a:ext uri="{FF2B5EF4-FFF2-40B4-BE49-F238E27FC236}">
+                <a16:creationId xmlns:a16="http://schemas.microsoft.com/office/drawing/2014/main" id="{F568D44D-4295-7726-144E-D46AFAEC9497}"/>
+              </a:ext>
+            </a:extLst>
+          </p:cNvPr>
+          <p:cNvPicPr>
+            <a:picLocks noChangeAspect="1"/>
+          </p:cNvPicPr>
+          <p:nvPr/>
+        </p:nvPicPr>
+        <p:blipFill>
+          <a:blip r:embed="rId5">
+            <a:extLst>
+              <a:ext uri="{28A0092B-C50C-407E-A947-70E740481C1C}">
+                <a14:useLocalDpi xmlns:a14="http://schemas.microsoft.com/office/drawing/2010/main" val="0"/>
+              </a:ext>
+            </a:extLst>
+          </a:blip>
+          <a:stretch>
+            <a:fillRect/>
+          </a:stretch>
+        </p:blipFill>
+        <p:spPr>
+          <a:xfrm>
+            <a:off x="11277600" y="-69995"/>
+            <a:ext cx="914400" cy="914400"/>
+          </a:xfrm>
+          <a:prstGeom prst="rect">
+            <a:avLst/>
+          </a:prstGeom>
+        </p:spPr>
+      </p:pic>
+      <p:sp>
+        <p:nvSpPr>
+          <p:cNvPr id="4" name="TextBox 3">
+            <a:extLst>
+              <a:ext uri="{FF2B5EF4-FFF2-40B4-BE49-F238E27FC236}">
+                <a16:creationId xmlns:a16="http://schemas.microsoft.com/office/drawing/2014/main" id="{6E0C1B7F-292D-0072-F41F-797BFC717636}"/>
+              </a:ext>
+            </a:extLst>
+          </p:cNvPr>
+          <p:cNvSpPr txBox="1"/>
+          <p:nvPr/>
+        </p:nvSpPr>
+        <p:spPr>
+          <a:xfrm>
+            <a:off x="1406013" y="1312528"/>
+            <a:ext cx="9379974" cy="646331"/>
+          </a:xfrm>
+          <a:prstGeom prst="rect">
+            <a:avLst/>
+          </a:prstGeom>
+          <a:noFill/>
+        </p:spPr>
+        <p:txBody>
+          <a:bodyPr wrap="square" rtlCol="0">
+            <a:spAutoFit/>
+          </a:bodyPr>
+          <a:lstStyle/>
+          <a:p>
+            <a:pPr marL="342900" indent="-342900">
+              <a:buFont typeface="+mj-lt"/>
+              <a:buAutoNum type="arabicPeriod"/>
+            </a:pPr>
+            <a:r>
+              <a:rPr lang="en-US" dirty="0">
+                <a:latin typeface="Times New Roman" panose="02020603050405020304" pitchFamily="18" charset="0"/>
+                <a:cs typeface="Times New Roman" panose="02020603050405020304" pitchFamily="18" charset="0"/>
+              </a:rPr>
+              <a:t>Public concern about genocides</a:t>
+            </a:r>
+          </a:p>
+          <a:p>
+            <a:pPr marL="342900" indent="-342900">
+              <a:buFont typeface="+mj-lt"/>
+              <a:buAutoNum type="arabicPeriod"/>
+            </a:pPr>
+            <a:r>
+              <a:rPr lang="en-US" dirty="0">
+                <a:latin typeface="Times New Roman" panose="02020603050405020304" pitchFamily="18" charset="0"/>
+                <a:cs typeface="Times New Roman" panose="02020603050405020304" pitchFamily="18" charset="0"/>
+              </a:rPr>
+              <a:t>Blaming Taliban for banning women’s </a:t>
+            </a:r>
+            <a:r>
+              <a:rPr lang="en-US" dirty="0" err="1">
+                <a:latin typeface="Times New Roman" panose="02020603050405020304" pitchFamily="18" charset="0"/>
+                <a:cs typeface="Times New Roman" panose="02020603050405020304" pitchFamily="18" charset="0"/>
+              </a:rPr>
+              <a:t>educatoin</a:t>
+            </a:r>
+            <a:endParaRPr lang="en-US" dirty="0">
+              <a:latin typeface="Times New Roman" panose="02020603050405020304" pitchFamily="18" charset="0"/>
+              <a:cs typeface="Times New Roman" panose="02020603050405020304" pitchFamily="18" charset="0"/>
+            </a:endParaRPr>
+          </a:p>
+        </p:txBody>
+      </p:sp>
+    </p:spTree>
+    <p:extLst>
+      <p:ext uri="{BB962C8B-B14F-4D97-AF65-F5344CB8AC3E}">
+        <p14:creationId xmlns:p14="http://schemas.microsoft.com/office/powerpoint/2010/main" val="2523118197"/>
+      </p:ext>
+    </p:extLst>
+  </p:cSld>
+  <p:clrMapOvr>
+    <a:masterClrMapping/>
+  </p:clrMapOvr>
+  <mc:AlternateContent xmlns:mc="http://schemas.openxmlformats.org/markup-compatibility/2006" xmlns:p15="http://schemas.microsoft.com/office/powerpoint/2012/main">
+    <mc:Choice Requires="p15">
+      <p:transition xmlns:p14="http://schemas.microsoft.com/office/powerpoint/2010/main" spd="slow" p14:dur="2000">
+        <p15:prstTrans prst="wind"/>
+        <p:sndAc>
+          <p:stSnd>
+            <p:snd r:embed="rId2" name="click.wav"/>
+          </p:stSnd>
+        </p:sndAc>
+      </p:transition>
+    </mc:Choice>
+    <mc:Fallback xmlns="">
+      <p:transition spd="slow">
+        <p:fade/>
+        <p:sndAc>
+          <p:stSnd>
+            <p:snd r:embed="rId6" name="click.wav"/>
+          </p:stSnd>
+        </p:sndAc>
+      </p:transition>
+    </mc:Fallback>
+  </mc:AlternateContent>
+</p:sld>
+</file>
+
+<file path=ppt/slides/slide29.xml><?xml version="1.0" encoding="utf-8"?>
+<p:sld xmlns:a="http://schemas.openxmlformats.org/drawingml/2006/main" xmlns:r="http://schemas.openxmlformats.org/officeDocument/2006/relationships" xmlns:p="http://schemas.openxmlformats.org/presentationml/2006/main" showMasterSp="0">
+  <p:cSld>
+    <p:spTree>
+      <p:nvGrpSpPr>
+        <p:cNvPr id="1" name=""/>
+        <p:cNvGrpSpPr/>
+        <p:nvPr/>
+      </p:nvGrpSpPr>
+      <p:grpSpPr>
+        <a:xfrm>
+          <a:off x="0" y="0"/>
+          <a:ext cx="0" cy="0"/>
+          <a:chOff x="0" y="0"/>
+          <a:chExt cx="0" cy="0"/>
+        </a:xfrm>
+      </p:grpSpPr>
+      <p:sp>
+        <p:nvSpPr>
+          <p:cNvPr id="40" name="Rectangle 7">
+            <a:extLst>
+              <a:ext uri="{FF2B5EF4-FFF2-40B4-BE49-F238E27FC236}">
+                <a16:creationId xmlns:a16="http://schemas.microsoft.com/office/drawing/2014/main" id="{C513FCEE-C2A5-BBE5-A209-5B3F2D6DFFC0}"/>
+              </a:ext>
+            </a:extLst>
+          </p:cNvPr>
+          <p:cNvSpPr/>
+          <p:nvPr/>
+        </p:nvSpPr>
+        <p:spPr>
+          <a:xfrm>
+            <a:off x="540775" y="312778"/>
+            <a:ext cx="10952282" cy="707886"/>
+          </a:xfrm>
+          <a:prstGeom prst="rect">
+            <a:avLst/>
+          </a:prstGeom>
+        </p:spPr>
+        <p:txBody>
+          <a:bodyPr wrap="square">
+            <a:spAutoFit/>
+          </a:bodyPr>
+          <a:lstStyle/>
+          <a:p>
+            <a:pPr algn="ctr"/>
+            <a:r>
+              <a:rPr lang="en-US" altLang="ko-KR" sz="4000" b="1" dirty="0">
+                <a:solidFill>
+                  <a:schemeClr val="accent3"/>
+                </a:solidFill>
+                <a:latin typeface="Times New Roman" panose="02020603050405020304" pitchFamily="18" charset="0"/>
+                <a:cs typeface="Times New Roman" panose="02020603050405020304" pitchFamily="18" charset="0"/>
+              </a:rPr>
+              <a:t>Top Frequent Words and Word-Cloud, Male </a:t>
+            </a:r>
+            <a:endParaRPr lang="ko-KR" altLang="en-US" sz="4000" b="1" dirty="0">
+              <a:solidFill>
+                <a:schemeClr val="accent3"/>
+              </a:solidFill>
+              <a:latin typeface="Times New Roman" panose="02020603050405020304" pitchFamily="18" charset="0"/>
+              <a:cs typeface="Times New Roman" panose="02020603050405020304" pitchFamily="18" charset="0"/>
+            </a:endParaRPr>
+          </a:p>
+        </p:txBody>
+      </p:sp>
+      <p:pic>
+        <p:nvPicPr>
+          <p:cNvPr id="3" name="Picture 2">
+            <a:extLst>
+              <a:ext uri="{FF2B5EF4-FFF2-40B4-BE49-F238E27FC236}">
+                <a16:creationId xmlns:a16="http://schemas.microsoft.com/office/drawing/2014/main" id="{2E0B1CF0-9C08-F60D-5D4F-C33C20118859}"/>
+              </a:ext>
+            </a:extLst>
+          </p:cNvPr>
+          <p:cNvPicPr>
+            <a:picLocks noChangeAspect="1"/>
+          </p:cNvPicPr>
+          <p:nvPr/>
+        </p:nvPicPr>
+        <p:blipFill>
+          <a:blip r:embed="rId3"/>
+          <a:stretch>
+            <a:fillRect/>
+          </a:stretch>
+        </p:blipFill>
+        <p:spPr>
+          <a:xfrm>
+            <a:off x="187363" y="1961315"/>
+            <a:ext cx="5585977" cy="4271871"/>
+          </a:xfrm>
+          <a:prstGeom prst="rect">
+            <a:avLst/>
+          </a:prstGeom>
+        </p:spPr>
+      </p:pic>
+      <p:pic>
+        <p:nvPicPr>
+          <p:cNvPr id="4" name="Picture 3">
+            <a:extLst>
+              <a:ext uri="{FF2B5EF4-FFF2-40B4-BE49-F238E27FC236}">
+                <a16:creationId xmlns:a16="http://schemas.microsoft.com/office/drawing/2014/main" id="{F172BD59-AA3D-971A-DCE0-FB94C7BB5AAD}"/>
+              </a:ext>
+            </a:extLst>
+          </p:cNvPr>
+          <p:cNvPicPr>
+            <a:picLocks noChangeAspect="1"/>
+          </p:cNvPicPr>
+          <p:nvPr/>
+        </p:nvPicPr>
+        <p:blipFill>
+          <a:blip r:embed="rId4"/>
+          <a:stretch>
+            <a:fillRect/>
+          </a:stretch>
+        </p:blipFill>
+        <p:spPr>
+          <a:xfrm>
+            <a:off x="5843976" y="1961315"/>
+            <a:ext cx="6258983" cy="4271870"/>
+          </a:xfrm>
+          <a:prstGeom prst="rect">
+            <a:avLst/>
+          </a:prstGeom>
+        </p:spPr>
+      </p:pic>
+      <p:pic>
+        <p:nvPicPr>
+          <p:cNvPr id="7" name="Picture 6">
+            <a:extLst>
+              <a:ext uri="{FF2B5EF4-FFF2-40B4-BE49-F238E27FC236}">
+                <a16:creationId xmlns:a16="http://schemas.microsoft.com/office/drawing/2014/main" id="{F6970654-3EBA-AC3B-B658-5220FC79B5BC}"/>
+              </a:ext>
+            </a:extLst>
+          </p:cNvPr>
+          <p:cNvPicPr>
+            <a:picLocks noChangeAspect="1"/>
+          </p:cNvPicPr>
+          <p:nvPr/>
+        </p:nvPicPr>
+        <p:blipFill>
+          <a:blip r:embed="rId5">
+            <a:extLst>
+              <a:ext uri="{28A0092B-C50C-407E-A947-70E740481C1C}">
+                <a14:useLocalDpi xmlns:a14="http://schemas.microsoft.com/office/drawing/2010/main" val="0"/>
+              </a:ext>
+            </a:extLst>
+          </a:blip>
+          <a:stretch>
+            <a:fillRect/>
+          </a:stretch>
+        </p:blipFill>
+        <p:spPr>
+          <a:xfrm>
+            <a:off x="11277600" y="-69995"/>
+            <a:ext cx="914400" cy="914400"/>
+          </a:xfrm>
+          <a:prstGeom prst="rect">
+            <a:avLst/>
+          </a:prstGeom>
+        </p:spPr>
+      </p:pic>
+      <p:sp>
+        <p:nvSpPr>
+          <p:cNvPr id="2" name="TextBox 1">
+            <a:extLst>
+              <a:ext uri="{FF2B5EF4-FFF2-40B4-BE49-F238E27FC236}">
+                <a16:creationId xmlns:a16="http://schemas.microsoft.com/office/drawing/2014/main" id="{1E11C058-6485-4F25-FD2A-F90E30F73E9B}"/>
+              </a:ext>
+            </a:extLst>
+          </p:cNvPr>
+          <p:cNvSpPr txBox="1"/>
+          <p:nvPr/>
+        </p:nvSpPr>
+        <p:spPr>
+          <a:xfrm>
+            <a:off x="1042219" y="1198590"/>
+            <a:ext cx="10137058" cy="646331"/>
+          </a:xfrm>
+          <a:prstGeom prst="rect">
+            <a:avLst/>
+          </a:prstGeom>
+          <a:noFill/>
+        </p:spPr>
+        <p:txBody>
+          <a:bodyPr wrap="square" rtlCol="0">
+            <a:spAutoFit/>
+          </a:bodyPr>
+          <a:lstStyle/>
+          <a:p>
+            <a:pPr marL="342900" indent="-342900" algn="just">
+              <a:buFont typeface="+mj-lt"/>
+              <a:buAutoNum type="arabicPeriod"/>
+            </a:pPr>
+            <a:r>
+              <a:rPr lang="en-US" dirty="0">
+                <a:latin typeface="Times New Roman" panose="02020603050405020304" pitchFamily="18" charset="0"/>
+                <a:cs typeface="Times New Roman" panose="02020603050405020304" pitchFamily="18" charset="0"/>
+              </a:rPr>
+              <a:t>Male compared to female has lower tweets regarding genocides and women’s education.</a:t>
+            </a:r>
+          </a:p>
+          <a:p>
+            <a:pPr marL="342900" indent="-342900" algn="just">
+              <a:buFont typeface="+mj-lt"/>
+              <a:buAutoNum type="arabicPeriod"/>
+            </a:pPr>
+            <a:r>
+              <a:rPr lang="en-US" dirty="0">
+                <a:latin typeface="Times New Roman" panose="02020603050405020304" pitchFamily="18" charset="0"/>
+                <a:cs typeface="Times New Roman" panose="02020603050405020304" pitchFamily="18" charset="0"/>
+              </a:rPr>
+              <a:t>Mostly says, Taliban come to power through the neighbor countries such as ‘Pakistan’</a:t>
+            </a:r>
+          </a:p>
+        </p:txBody>
+      </p:sp>
+    </p:spTree>
+    <p:extLst>
+      <p:ext uri="{BB962C8B-B14F-4D97-AF65-F5344CB8AC3E}">
+        <p14:creationId xmlns:p14="http://schemas.microsoft.com/office/powerpoint/2010/main" val="483576847"/>
+      </p:ext>
+    </p:extLst>
+  </p:cSld>
+  <p:clrMapOvr>
+    <a:masterClrMapping/>
+  </p:clrMapOvr>
+  <mc:AlternateContent xmlns:mc="http://schemas.openxmlformats.org/markup-compatibility/2006" xmlns:p15="http://schemas.microsoft.com/office/powerpoint/2012/main">
+    <mc:Choice Requires="p15">
+      <p:transition xmlns:p14="http://schemas.microsoft.com/office/powerpoint/2010/main" spd="slow" p14:dur="2000">
+        <p15:prstTrans prst="wind"/>
+        <p:sndAc>
+          <p:stSnd>
+            <p:snd r:embed="rId2" name="click.wav"/>
+          </p:stSnd>
+        </p:sndAc>
+      </p:transition>
+    </mc:Choice>
+    <mc:Fallback xmlns="">
+      <p:transition spd="slow">
+        <p:fade/>
+        <p:sndAc>
+          <p:stSnd>
+            <p:snd r:embed="rId6" name="click.wav"/>
           </p:stSnd>
         </p:sndAc>
       </p:transition>
@@ -22296,649 +22240,6 @@
       </p:grpSpPr>
       <p:sp>
         <p:nvSpPr>
-          <p:cNvPr id="40" name="Rectangle 7">
-            <a:extLst>
-              <a:ext uri="{FF2B5EF4-FFF2-40B4-BE49-F238E27FC236}">
-                <a16:creationId xmlns:a16="http://schemas.microsoft.com/office/drawing/2014/main" id="{C513FCEE-C2A5-BBE5-A209-5B3F2D6DFFC0}"/>
-              </a:ext>
-            </a:extLst>
-          </p:cNvPr>
-          <p:cNvSpPr/>
-          <p:nvPr/>
-        </p:nvSpPr>
-        <p:spPr>
-          <a:xfrm>
-            <a:off x="729323" y="298687"/>
-            <a:ext cx="10548277" cy="646331"/>
-          </a:xfrm>
-          <a:prstGeom prst="rect">
-            <a:avLst/>
-          </a:prstGeom>
-        </p:spPr>
-        <p:txBody>
-          <a:bodyPr wrap="square">
-            <a:spAutoFit/>
-          </a:bodyPr>
-          <a:lstStyle/>
-          <a:p>
-            <a:pPr algn="ctr"/>
-            <a:r>
-              <a:rPr lang="en-US" altLang="ko-KR" sz="3600" b="1" dirty="0">
-                <a:solidFill>
-                  <a:schemeClr val="accent3"/>
-                </a:solidFill>
-                <a:latin typeface="Times New Roman" panose="02020603050405020304" pitchFamily="18" charset="0"/>
-                <a:cs typeface="Times New Roman" panose="02020603050405020304" pitchFamily="18" charset="0"/>
-              </a:rPr>
-              <a:t>Top Frequent Words and Word-Cloud, Taliban </a:t>
-            </a:r>
-            <a:endParaRPr lang="ko-KR" altLang="en-US" sz="3600" b="1" dirty="0">
-              <a:solidFill>
-                <a:schemeClr val="accent3"/>
-              </a:solidFill>
-              <a:latin typeface="Times New Roman" panose="02020603050405020304" pitchFamily="18" charset="0"/>
-              <a:cs typeface="Times New Roman" panose="02020603050405020304" pitchFamily="18" charset="0"/>
-            </a:endParaRPr>
-          </a:p>
-        </p:txBody>
-      </p:sp>
-      <p:pic>
-        <p:nvPicPr>
-          <p:cNvPr id="41" name="Picture 40">
-            <a:extLst>
-              <a:ext uri="{FF2B5EF4-FFF2-40B4-BE49-F238E27FC236}">
-                <a16:creationId xmlns:a16="http://schemas.microsoft.com/office/drawing/2014/main" id="{DEF0907E-4F65-C2B8-7BFB-3C83ABA3968F}"/>
-              </a:ext>
-            </a:extLst>
-          </p:cNvPr>
-          <p:cNvPicPr>
-            <a:picLocks noChangeAspect="1"/>
-          </p:cNvPicPr>
-          <p:nvPr/>
-        </p:nvPicPr>
-        <p:blipFill>
-          <a:blip r:embed="rId3"/>
-          <a:stretch>
-            <a:fillRect/>
-          </a:stretch>
-        </p:blipFill>
-        <p:spPr>
-          <a:xfrm>
-            <a:off x="98322" y="2203099"/>
-            <a:ext cx="5702709" cy="4276361"/>
-          </a:xfrm>
-          <a:prstGeom prst="rect">
-            <a:avLst/>
-          </a:prstGeom>
-        </p:spPr>
-      </p:pic>
-      <p:pic>
-        <p:nvPicPr>
-          <p:cNvPr id="44" name="Picture 43">
-            <a:extLst>
-              <a:ext uri="{FF2B5EF4-FFF2-40B4-BE49-F238E27FC236}">
-                <a16:creationId xmlns:a16="http://schemas.microsoft.com/office/drawing/2014/main" id="{C0AAF9D6-631C-5D75-438A-491B5D7374FC}"/>
-              </a:ext>
-            </a:extLst>
-          </p:cNvPr>
-          <p:cNvPicPr>
-            <a:picLocks noChangeAspect="1"/>
-          </p:cNvPicPr>
-          <p:nvPr/>
-        </p:nvPicPr>
-        <p:blipFill>
-          <a:blip r:embed="rId4"/>
-          <a:stretch>
-            <a:fillRect/>
-          </a:stretch>
-        </p:blipFill>
-        <p:spPr>
-          <a:xfrm>
-            <a:off x="5876777" y="2203098"/>
-            <a:ext cx="6216900" cy="4276361"/>
-          </a:xfrm>
-          <a:prstGeom prst="rect">
-            <a:avLst/>
-          </a:prstGeom>
-        </p:spPr>
-      </p:pic>
-      <p:pic>
-        <p:nvPicPr>
-          <p:cNvPr id="46" name="Picture 45">
-            <a:extLst>
-              <a:ext uri="{FF2B5EF4-FFF2-40B4-BE49-F238E27FC236}">
-                <a16:creationId xmlns:a16="http://schemas.microsoft.com/office/drawing/2014/main" id="{F250C2D6-E84B-783F-A40D-E41C3F25EFAB}"/>
-              </a:ext>
-            </a:extLst>
-          </p:cNvPr>
-          <p:cNvPicPr>
-            <a:picLocks noChangeAspect="1"/>
-          </p:cNvPicPr>
-          <p:nvPr/>
-        </p:nvPicPr>
-        <p:blipFill>
-          <a:blip r:embed="rId5">
-            <a:extLst>
-              <a:ext uri="{28A0092B-C50C-407E-A947-70E740481C1C}">
-                <a14:useLocalDpi xmlns:a14="http://schemas.microsoft.com/office/drawing/2010/main" val="0"/>
-              </a:ext>
-            </a:extLst>
-          </a:blip>
-          <a:stretch>
-            <a:fillRect/>
-          </a:stretch>
-        </p:blipFill>
-        <p:spPr>
-          <a:xfrm>
-            <a:off x="11277600" y="-69995"/>
-            <a:ext cx="914400" cy="914400"/>
-          </a:xfrm>
-          <a:prstGeom prst="rect">
-            <a:avLst/>
-          </a:prstGeom>
-        </p:spPr>
-      </p:pic>
-      <p:sp>
-        <p:nvSpPr>
-          <p:cNvPr id="2" name="TextBox 1">
-            <a:extLst>
-              <a:ext uri="{FF2B5EF4-FFF2-40B4-BE49-F238E27FC236}">
-                <a16:creationId xmlns:a16="http://schemas.microsoft.com/office/drawing/2014/main" id="{E3A25EC8-C5E8-DA60-CAAC-B557241EEFA2}"/>
-              </a:ext>
-            </a:extLst>
-          </p:cNvPr>
-          <p:cNvSpPr txBox="1"/>
-          <p:nvPr/>
-        </p:nvSpPr>
-        <p:spPr>
-          <a:xfrm>
-            <a:off x="1176958" y="1200586"/>
-            <a:ext cx="9399638" cy="646331"/>
-          </a:xfrm>
-          <a:prstGeom prst="rect">
-            <a:avLst/>
-          </a:prstGeom>
-          <a:noFill/>
-        </p:spPr>
-        <p:txBody>
-          <a:bodyPr wrap="square" rtlCol="0">
-            <a:spAutoFit/>
-          </a:bodyPr>
-          <a:lstStyle/>
-          <a:p>
-            <a:pPr marL="342900" indent="-342900">
-              <a:buFont typeface="+mj-lt"/>
-              <a:buAutoNum type="arabicPeriod"/>
-            </a:pPr>
-            <a:r>
-              <a:rPr lang="en-US" dirty="0">
-                <a:latin typeface="Times New Roman" panose="02020603050405020304" pitchFamily="18" charset="0"/>
-                <a:cs typeface="Times New Roman" panose="02020603050405020304" pitchFamily="18" charset="0"/>
-              </a:rPr>
-              <a:t>No tweet regarding women's education</a:t>
-            </a:r>
-          </a:p>
-          <a:p>
-            <a:pPr marL="342900" indent="-342900">
-              <a:buFont typeface="+mj-lt"/>
-              <a:buAutoNum type="arabicPeriod"/>
-            </a:pPr>
-            <a:r>
-              <a:rPr lang="en-US" dirty="0">
-                <a:latin typeface="Times New Roman" panose="02020603050405020304" pitchFamily="18" charset="0"/>
-                <a:cs typeface="Times New Roman" panose="02020603050405020304" pitchFamily="18" charset="0"/>
-              </a:rPr>
-              <a:t>Taliban, has the largest Tweets</a:t>
-            </a:r>
-          </a:p>
-        </p:txBody>
-      </p:sp>
-    </p:spTree>
-    <p:extLst>
-      <p:ext uri="{BB962C8B-B14F-4D97-AF65-F5344CB8AC3E}">
-        <p14:creationId xmlns:p14="http://schemas.microsoft.com/office/powerpoint/2010/main" val="4201278032"/>
-      </p:ext>
-    </p:extLst>
-  </p:cSld>
-  <p:clrMapOvr>
-    <a:masterClrMapping/>
-  </p:clrMapOvr>
-  <mc:AlternateContent xmlns:mc="http://schemas.openxmlformats.org/markup-compatibility/2006" xmlns:p15="http://schemas.microsoft.com/office/powerpoint/2012/main">
-    <mc:Choice Requires="p15">
-      <p:transition xmlns:p14="http://schemas.microsoft.com/office/powerpoint/2010/main" spd="slow" p14:dur="2000">
-        <p15:prstTrans prst="wind"/>
-        <p:sndAc>
-          <p:stSnd>
-            <p:snd r:embed="rId2" name="click.wav"/>
-          </p:stSnd>
-        </p:sndAc>
-      </p:transition>
-    </mc:Choice>
-    <mc:Fallback xmlns="">
-      <p:transition spd="slow">
-        <p:fade/>
-        <p:sndAc>
-          <p:stSnd>
-            <p:snd r:embed="rId6" name="click.wav"/>
-          </p:stSnd>
-        </p:sndAc>
-      </p:transition>
-    </mc:Fallback>
-  </mc:AlternateContent>
-</p:sld>
-</file>
-
-<file path=ppt/slides/slide31.xml><?xml version="1.0" encoding="utf-8"?>
-<p:sld xmlns:a="http://schemas.openxmlformats.org/drawingml/2006/main" xmlns:r="http://schemas.openxmlformats.org/officeDocument/2006/relationships" xmlns:p="http://schemas.openxmlformats.org/presentationml/2006/main" showMasterSp="0">
-  <p:cSld>
-    <p:spTree>
-      <p:nvGrpSpPr>
-        <p:cNvPr id="1" name=""/>
-        <p:cNvGrpSpPr/>
-        <p:nvPr/>
-      </p:nvGrpSpPr>
-      <p:grpSpPr>
-        <a:xfrm>
-          <a:off x="0" y="0"/>
-          <a:ext cx="0" cy="0"/>
-          <a:chOff x="0" y="0"/>
-          <a:chExt cx="0" cy="0"/>
-        </a:xfrm>
-      </p:grpSpPr>
-      <p:sp>
-        <p:nvSpPr>
-          <p:cNvPr id="40" name="Rectangle 7">
-            <a:extLst>
-              <a:ext uri="{FF2B5EF4-FFF2-40B4-BE49-F238E27FC236}">
-                <a16:creationId xmlns:a16="http://schemas.microsoft.com/office/drawing/2014/main" id="{C513FCEE-C2A5-BBE5-A209-5B3F2D6DFFC0}"/>
-              </a:ext>
-            </a:extLst>
-          </p:cNvPr>
-          <p:cNvSpPr/>
-          <p:nvPr/>
-        </p:nvSpPr>
-        <p:spPr>
-          <a:xfrm>
-            <a:off x="383459" y="459684"/>
-            <a:ext cx="10986680" cy="646331"/>
-          </a:xfrm>
-          <a:prstGeom prst="rect">
-            <a:avLst/>
-          </a:prstGeom>
-        </p:spPr>
-        <p:txBody>
-          <a:bodyPr wrap="square">
-            <a:spAutoFit/>
-          </a:bodyPr>
-          <a:lstStyle/>
-          <a:p>
-            <a:pPr algn="ctr"/>
-            <a:r>
-              <a:rPr lang="en-US" altLang="ko-KR" sz="3600" b="1" dirty="0">
-                <a:solidFill>
-                  <a:schemeClr val="accent3"/>
-                </a:solidFill>
-                <a:latin typeface="Times New Roman" panose="02020603050405020304" pitchFamily="18" charset="0"/>
-                <a:cs typeface="Times New Roman" panose="02020603050405020304" pitchFamily="18" charset="0"/>
-              </a:rPr>
-              <a:t>Top Frequent Words and Word-Cloud, Female </a:t>
-            </a:r>
-            <a:endParaRPr lang="ko-KR" altLang="en-US" sz="3600" b="1" dirty="0">
-              <a:solidFill>
-                <a:schemeClr val="accent3"/>
-              </a:solidFill>
-              <a:latin typeface="Times New Roman" panose="02020603050405020304" pitchFamily="18" charset="0"/>
-              <a:cs typeface="Times New Roman" panose="02020603050405020304" pitchFamily="18" charset="0"/>
-            </a:endParaRPr>
-          </a:p>
-        </p:txBody>
-      </p:sp>
-      <p:pic>
-        <p:nvPicPr>
-          <p:cNvPr id="3" name="Picture 2">
-            <a:extLst>
-              <a:ext uri="{FF2B5EF4-FFF2-40B4-BE49-F238E27FC236}">
-                <a16:creationId xmlns:a16="http://schemas.microsoft.com/office/drawing/2014/main" id="{2E0B1CF0-9C08-F60D-5D4F-C33C20118859}"/>
-              </a:ext>
-            </a:extLst>
-          </p:cNvPr>
-          <p:cNvPicPr>
-            <a:picLocks noChangeAspect="1"/>
-          </p:cNvPicPr>
-          <p:nvPr/>
-        </p:nvPicPr>
-        <p:blipFill>
-          <a:blip r:embed="rId3"/>
-          <a:stretch>
-            <a:fillRect/>
-          </a:stretch>
-        </p:blipFill>
-        <p:spPr>
-          <a:xfrm>
-            <a:off x="148034" y="2126445"/>
-            <a:ext cx="5585977" cy="4271871"/>
-          </a:xfrm>
-          <a:prstGeom prst="rect">
-            <a:avLst/>
-          </a:prstGeom>
-        </p:spPr>
-      </p:pic>
-      <p:pic>
-        <p:nvPicPr>
-          <p:cNvPr id="2" name="Picture 1">
-            <a:extLst>
-              <a:ext uri="{FF2B5EF4-FFF2-40B4-BE49-F238E27FC236}">
-                <a16:creationId xmlns:a16="http://schemas.microsoft.com/office/drawing/2014/main" id="{3D1CA9AC-5A81-FE39-D629-0BADEA52DEBA}"/>
-              </a:ext>
-            </a:extLst>
-          </p:cNvPr>
-          <p:cNvPicPr>
-            <a:picLocks noChangeAspect="1"/>
-          </p:cNvPicPr>
-          <p:nvPr/>
-        </p:nvPicPr>
-        <p:blipFill>
-          <a:blip r:embed="rId4"/>
-          <a:stretch>
-            <a:fillRect/>
-          </a:stretch>
-        </p:blipFill>
-        <p:spPr>
-          <a:xfrm>
-            <a:off x="5832437" y="2126444"/>
-            <a:ext cx="6231193" cy="4271871"/>
-          </a:xfrm>
-          <a:prstGeom prst="rect">
-            <a:avLst/>
-          </a:prstGeom>
-        </p:spPr>
-      </p:pic>
-      <p:pic>
-        <p:nvPicPr>
-          <p:cNvPr id="5" name="Picture 4">
-            <a:extLst>
-              <a:ext uri="{FF2B5EF4-FFF2-40B4-BE49-F238E27FC236}">
-                <a16:creationId xmlns:a16="http://schemas.microsoft.com/office/drawing/2014/main" id="{F568D44D-4295-7726-144E-D46AFAEC9497}"/>
-              </a:ext>
-            </a:extLst>
-          </p:cNvPr>
-          <p:cNvPicPr>
-            <a:picLocks noChangeAspect="1"/>
-          </p:cNvPicPr>
-          <p:nvPr/>
-        </p:nvPicPr>
-        <p:blipFill>
-          <a:blip r:embed="rId5">
-            <a:extLst>
-              <a:ext uri="{28A0092B-C50C-407E-A947-70E740481C1C}">
-                <a14:useLocalDpi xmlns:a14="http://schemas.microsoft.com/office/drawing/2010/main" val="0"/>
-              </a:ext>
-            </a:extLst>
-          </a:blip>
-          <a:stretch>
-            <a:fillRect/>
-          </a:stretch>
-        </p:blipFill>
-        <p:spPr>
-          <a:xfrm>
-            <a:off x="11277600" y="-69995"/>
-            <a:ext cx="914400" cy="914400"/>
-          </a:xfrm>
-          <a:prstGeom prst="rect">
-            <a:avLst/>
-          </a:prstGeom>
-        </p:spPr>
-      </p:pic>
-    </p:spTree>
-    <p:extLst>
-      <p:ext uri="{BB962C8B-B14F-4D97-AF65-F5344CB8AC3E}">
-        <p14:creationId xmlns:p14="http://schemas.microsoft.com/office/powerpoint/2010/main" val="2523118197"/>
-      </p:ext>
-    </p:extLst>
-  </p:cSld>
-  <p:clrMapOvr>
-    <a:masterClrMapping/>
-  </p:clrMapOvr>
-  <mc:AlternateContent xmlns:mc="http://schemas.openxmlformats.org/markup-compatibility/2006" xmlns:p15="http://schemas.microsoft.com/office/powerpoint/2012/main">
-    <mc:Choice Requires="p15">
-      <p:transition xmlns:p14="http://schemas.microsoft.com/office/powerpoint/2010/main" spd="slow" p14:dur="2000">
-        <p15:prstTrans prst="wind"/>
-        <p:sndAc>
-          <p:stSnd>
-            <p:snd r:embed="rId2" name="click.wav"/>
-          </p:stSnd>
-        </p:sndAc>
-      </p:transition>
-    </mc:Choice>
-    <mc:Fallback xmlns="">
-      <p:transition spd="slow">
-        <p:fade/>
-        <p:sndAc>
-          <p:stSnd>
-            <p:snd r:embed="rId6" name="click.wav"/>
-          </p:stSnd>
-        </p:sndAc>
-      </p:transition>
-    </mc:Fallback>
-  </mc:AlternateContent>
-</p:sld>
-</file>
-
-<file path=ppt/slides/slide32.xml><?xml version="1.0" encoding="utf-8"?>
-<p:sld xmlns:a="http://schemas.openxmlformats.org/drawingml/2006/main" xmlns:r="http://schemas.openxmlformats.org/officeDocument/2006/relationships" xmlns:p="http://schemas.openxmlformats.org/presentationml/2006/main" showMasterSp="0">
-  <p:cSld>
-    <p:spTree>
-      <p:nvGrpSpPr>
-        <p:cNvPr id="1" name=""/>
-        <p:cNvGrpSpPr/>
-        <p:nvPr/>
-      </p:nvGrpSpPr>
-      <p:grpSpPr>
-        <a:xfrm>
-          <a:off x="0" y="0"/>
-          <a:ext cx="0" cy="0"/>
-          <a:chOff x="0" y="0"/>
-          <a:chExt cx="0" cy="0"/>
-        </a:xfrm>
-      </p:grpSpPr>
-      <p:sp>
-        <p:nvSpPr>
-          <p:cNvPr id="40" name="Rectangle 7">
-            <a:extLst>
-              <a:ext uri="{FF2B5EF4-FFF2-40B4-BE49-F238E27FC236}">
-                <a16:creationId xmlns:a16="http://schemas.microsoft.com/office/drawing/2014/main" id="{C513FCEE-C2A5-BBE5-A209-5B3F2D6DFFC0}"/>
-              </a:ext>
-            </a:extLst>
-          </p:cNvPr>
-          <p:cNvSpPr/>
-          <p:nvPr/>
-        </p:nvSpPr>
-        <p:spPr>
-          <a:xfrm>
-            <a:off x="540775" y="312778"/>
-            <a:ext cx="10952282" cy="707886"/>
-          </a:xfrm>
-          <a:prstGeom prst="rect">
-            <a:avLst/>
-          </a:prstGeom>
-        </p:spPr>
-        <p:txBody>
-          <a:bodyPr wrap="square">
-            <a:spAutoFit/>
-          </a:bodyPr>
-          <a:lstStyle/>
-          <a:p>
-            <a:pPr algn="ctr"/>
-            <a:r>
-              <a:rPr lang="en-US" altLang="ko-KR" sz="4000" b="1" dirty="0">
-                <a:solidFill>
-                  <a:schemeClr val="accent3"/>
-                </a:solidFill>
-                <a:latin typeface="Times New Roman" panose="02020603050405020304" pitchFamily="18" charset="0"/>
-                <a:cs typeface="Times New Roman" panose="02020603050405020304" pitchFamily="18" charset="0"/>
-              </a:rPr>
-              <a:t>Top Frequent Words and Word-Cloud, Male </a:t>
-            </a:r>
-            <a:endParaRPr lang="ko-KR" altLang="en-US" sz="4000" b="1" dirty="0">
-              <a:solidFill>
-                <a:schemeClr val="accent3"/>
-              </a:solidFill>
-              <a:latin typeface="Times New Roman" panose="02020603050405020304" pitchFamily="18" charset="0"/>
-              <a:cs typeface="Times New Roman" panose="02020603050405020304" pitchFamily="18" charset="0"/>
-            </a:endParaRPr>
-          </a:p>
-        </p:txBody>
-      </p:sp>
-      <p:pic>
-        <p:nvPicPr>
-          <p:cNvPr id="3" name="Picture 2">
-            <a:extLst>
-              <a:ext uri="{FF2B5EF4-FFF2-40B4-BE49-F238E27FC236}">
-                <a16:creationId xmlns:a16="http://schemas.microsoft.com/office/drawing/2014/main" id="{2E0B1CF0-9C08-F60D-5D4F-C33C20118859}"/>
-              </a:ext>
-            </a:extLst>
-          </p:cNvPr>
-          <p:cNvPicPr>
-            <a:picLocks noChangeAspect="1"/>
-          </p:cNvPicPr>
-          <p:nvPr/>
-        </p:nvPicPr>
-        <p:blipFill>
-          <a:blip r:embed="rId3"/>
-          <a:stretch>
-            <a:fillRect/>
-          </a:stretch>
-        </p:blipFill>
-        <p:spPr>
-          <a:xfrm>
-            <a:off x="187363" y="1961315"/>
-            <a:ext cx="5585977" cy="4271871"/>
-          </a:xfrm>
-          <a:prstGeom prst="rect">
-            <a:avLst/>
-          </a:prstGeom>
-        </p:spPr>
-      </p:pic>
-      <p:pic>
-        <p:nvPicPr>
-          <p:cNvPr id="4" name="Picture 3">
-            <a:extLst>
-              <a:ext uri="{FF2B5EF4-FFF2-40B4-BE49-F238E27FC236}">
-                <a16:creationId xmlns:a16="http://schemas.microsoft.com/office/drawing/2014/main" id="{F172BD59-AA3D-971A-DCE0-FB94C7BB5AAD}"/>
-              </a:ext>
-            </a:extLst>
-          </p:cNvPr>
-          <p:cNvPicPr>
-            <a:picLocks noChangeAspect="1"/>
-          </p:cNvPicPr>
-          <p:nvPr/>
-        </p:nvPicPr>
-        <p:blipFill>
-          <a:blip r:embed="rId4"/>
-          <a:stretch>
-            <a:fillRect/>
-          </a:stretch>
-        </p:blipFill>
-        <p:spPr>
-          <a:xfrm>
-            <a:off x="5843976" y="1961315"/>
-            <a:ext cx="6258983" cy="4271870"/>
-          </a:xfrm>
-          <a:prstGeom prst="rect">
-            <a:avLst/>
-          </a:prstGeom>
-        </p:spPr>
-      </p:pic>
-      <p:pic>
-        <p:nvPicPr>
-          <p:cNvPr id="7" name="Picture 6">
-            <a:extLst>
-              <a:ext uri="{FF2B5EF4-FFF2-40B4-BE49-F238E27FC236}">
-                <a16:creationId xmlns:a16="http://schemas.microsoft.com/office/drawing/2014/main" id="{F6970654-3EBA-AC3B-B658-5220FC79B5BC}"/>
-              </a:ext>
-            </a:extLst>
-          </p:cNvPr>
-          <p:cNvPicPr>
-            <a:picLocks noChangeAspect="1"/>
-          </p:cNvPicPr>
-          <p:nvPr/>
-        </p:nvPicPr>
-        <p:blipFill>
-          <a:blip r:embed="rId5">
-            <a:extLst>
-              <a:ext uri="{28A0092B-C50C-407E-A947-70E740481C1C}">
-                <a14:useLocalDpi xmlns:a14="http://schemas.microsoft.com/office/drawing/2010/main" val="0"/>
-              </a:ext>
-            </a:extLst>
-          </a:blip>
-          <a:stretch>
-            <a:fillRect/>
-          </a:stretch>
-        </p:blipFill>
-        <p:spPr>
-          <a:xfrm>
-            <a:off x="11277600" y="-69995"/>
-            <a:ext cx="914400" cy="914400"/>
-          </a:xfrm>
-          <a:prstGeom prst="rect">
-            <a:avLst/>
-          </a:prstGeom>
-        </p:spPr>
-      </p:pic>
-    </p:spTree>
-    <p:extLst>
-      <p:ext uri="{BB962C8B-B14F-4D97-AF65-F5344CB8AC3E}">
-        <p14:creationId xmlns:p14="http://schemas.microsoft.com/office/powerpoint/2010/main" val="483576847"/>
-      </p:ext>
-    </p:extLst>
-  </p:cSld>
-  <p:clrMapOvr>
-    <a:masterClrMapping/>
-  </p:clrMapOvr>
-  <mc:AlternateContent xmlns:mc="http://schemas.openxmlformats.org/markup-compatibility/2006" xmlns:p15="http://schemas.microsoft.com/office/powerpoint/2012/main">
-    <mc:Choice Requires="p15">
-      <p:transition xmlns:p14="http://schemas.microsoft.com/office/powerpoint/2010/main" spd="slow" p14:dur="2000">
-        <p15:prstTrans prst="wind"/>
-        <p:sndAc>
-          <p:stSnd>
-            <p:snd r:embed="rId2" name="click.wav"/>
-          </p:stSnd>
-        </p:sndAc>
-      </p:transition>
-    </mc:Choice>
-    <mc:Fallback xmlns="">
-      <p:transition spd="slow">
-        <p:fade/>
-        <p:sndAc>
-          <p:stSnd>
-            <p:snd r:embed="rId6" name="click.wav"/>
-          </p:stSnd>
-        </p:sndAc>
-      </p:transition>
-    </mc:Fallback>
-  </mc:AlternateContent>
-</p:sld>
-</file>
-
-<file path=ppt/slides/slide33.xml><?xml version="1.0" encoding="utf-8"?>
-<p:sld xmlns:a="http://schemas.openxmlformats.org/drawingml/2006/main" xmlns:r="http://schemas.openxmlformats.org/officeDocument/2006/relationships" xmlns:p="http://schemas.openxmlformats.org/presentationml/2006/main" showMasterSp="0">
-  <p:cSld>
-    <p:spTree>
-      <p:nvGrpSpPr>
-        <p:cNvPr id="1" name=""/>
-        <p:cNvGrpSpPr/>
-        <p:nvPr/>
-      </p:nvGrpSpPr>
-      <p:grpSpPr>
-        <a:xfrm>
-          <a:off x="0" y="0"/>
-          <a:ext cx="0" cy="0"/>
-          <a:chOff x="0" y="0"/>
-          <a:chExt cx="0" cy="0"/>
-        </a:xfrm>
-      </p:grpSpPr>
-      <p:sp>
-        <p:nvSpPr>
           <p:cNvPr id="5" name="TextBox 4">
             <a:extLst>
               <a:ext uri="{FF2B5EF4-FFF2-40B4-BE49-F238E27FC236}">
@@ -22952,7 +22253,7 @@
         <p:spPr>
           <a:xfrm>
             <a:off x="412956" y="274171"/>
-            <a:ext cx="2880850" cy="707886"/>
+            <a:ext cx="10785986" cy="707886"/>
           </a:xfrm>
           <a:prstGeom prst="rect">
             <a:avLst/>
@@ -22974,7 +22275,7 @@
                 <a:latin typeface="Times New Roman" panose="02020603050405020304" pitchFamily="18" charset="0"/>
                 <a:cs typeface="Times New Roman" panose="02020603050405020304" pitchFamily="18" charset="0"/>
               </a:rPr>
-              <a:t>Thank You</a:t>
+              <a:t>Conclusion</a:t>
             </a:r>
           </a:p>
         </p:txBody>
@@ -23030,7 +22331,7 @@
         <p:spPr>
           <a:xfrm>
             <a:off x="688258" y="1088270"/>
-            <a:ext cx="10589342" cy="2031325"/>
+            <a:ext cx="10589342" cy="1754326"/>
           </a:xfrm>
           <a:prstGeom prst="rect">
             <a:avLst/>
@@ -23049,7 +22350,7 @@
                 <a:latin typeface="Times New Roman" panose="02020603050405020304" pitchFamily="18" charset="0"/>
                 <a:cs typeface="Times New Roman" panose="02020603050405020304" pitchFamily="18" charset="0"/>
               </a:rPr>
-              <a:t>The discussion on women's education in Afghanistan highlights the divergent perspectives and motivations of different groups. Activists play a crucial role in advocating for education as a means of empowerment and social progress. They recognize the transformative power of education in challenging societal norms, breaking oppressive systems, and contributing to the overall development of communities. On the other hand, the Taliban holds a contrasting view rooted in religious fundamentalism and traditional gender roles. They perceive women's education as a threat to their established order and impose severe limitations on access, hindering progress towards gender equality.</a:t>
+              <a:t>Women’s education in Afghanistan highlights the divergent perspectives and motivations of different groups. Activists play a crucial role in advocating for education as a means of empowerment and social progress. They recognize the transformative power of education in challenging societal norms, breaking oppressive systems, and contributing to the overall development of communities. On the other hand, the Taliban holds a contrasting view rooted in religious fundamentalism and traditional gender roles. They perceive women's education as a threat to their established order and impose severe limitations on access, hindering progress towards gender equality.</a:t>
             </a:r>
           </a:p>
         </p:txBody>
@@ -23068,7 +22369,7 @@
         </p:nvSpPr>
         <p:spPr>
           <a:xfrm>
-            <a:off x="688258" y="3363460"/>
+            <a:off x="688258" y="3015177"/>
             <a:ext cx="10510684" cy="2308324"/>
           </a:xfrm>
           <a:prstGeom prst="rect">
@@ -23120,6 +22421,243 @@
         <p:sndAc>
           <p:stSnd>
             <p:snd r:embed="rId4" name="click.wav"/>
+          </p:stSnd>
+        </p:sndAc>
+      </p:transition>
+    </mc:Fallback>
+  </mc:AlternateContent>
+</p:sld>
+</file>
+
+<file path=ppt/slides/slide31.xml><?xml version="1.0" encoding="utf-8"?>
+<p:sld xmlns:a="http://schemas.openxmlformats.org/drawingml/2006/main" xmlns:r="http://schemas.openxmlformats.org/officeDocument/2006/relationships" xmlns:p="http://schemas.openxmlformats.org/presentationml/2006/main" showMasterSp="0">
+  <p:cSld>
+    <p:spTree>
+      <p:nvGrpSpPr>
+        <p:cNvPr id="1" name=""/>
+        <p:cNvGrpSpPr/>
+        <p:nvPr/>
+      </p:nvGrpSpPr>
+      <p:grpSpPr>
+        <a:xfrm>
+          <a:off x="0" y="0"/>
+          <a:ext cx="0" cy="0"/>
+          <a:chOff x="0" y="0"/>
+          <a:chExt cx="0" cy="0"/>
+        </a:xfrm>
+      </p:grpSpPr>
+      <p:sp>
+        <p:nvSpPr>
+          <p:cNvPr id="5" name="TextBox 4">
+            <a:extLst>
+              <a:ext uri="{FF2B5EF4-FFF2-40B4-BE49-F238E27FC236}">
+                <a16:creationId xmlns:a16="http://schemas.microsoft.com/office/drawing/2014/main" id="{9E0100B6-3238-0A78-B473-A9E47CEAC862}"/>
+              </a:ext>
+            </a:extLst>
+          </p:cNvPr>
+          <p:cNvSpPr txBox="1"/>
+          <p:nvPr/>
+        </p:nvSpPr>
+        <p:spPr>
+          <a:xfrm>
+            <a:off x="1150374" y="218853"/>
+            <a:ext cx="2467896" cy="646331"/>
+          </a:xfrm>
+          <a:prstGeom prst="rect">
+            <a:avLst/>
+          </a:prstGeom>
+          <a:noFill/>
+        </p:spPr>
+        <p:txBody>
+          <a:bodyPr wrap="square" rtlCol="0">
+            <a:spAutoFit/>
+          </a:bodyPr>
+          <a:lstStyle/>
+          <a:p>
+            <a:pPr algn="ctr"/>
+            <a:r>
+              <a:rPr lang="en-US" sz="3600" b="1" dirty="0">
+                <a:solidFill>
+                  <a:schemeClr val="accent3"/>
+                </a:solidFill>
+                <a:latin typeface="Times New Roman" panose="02020603050405020304" pitchFamily="18" charset="0"/>
+                <a:cs typeface="Times New Roman" panose="02020603050405020304" pitchFamily="18" charset="0"/>
+              </a:rPr>
+              <a:t>Thanks to</a:t>
+            </a:r>
+          </a:p>
+        </p:txBody>
+      </p:sp>
+      <p:pic>
+        <p:nvPicPr>
+          <p:cNvPr id="2" name="Picture 1">
+            <a:extLst>
+              <a:ext uri="{FF2B5EF4-FFF2-40B4-BE49-F238E27FC236}">
+                <a16:creationId xmlns:a16="http://schemas.microsoft.com/office/drawing/2014/main" id="{E0E103F7-959F-8C85-F370-F5AAF5F1BFF7}"/>
+              </a:ext>
+            </a:extLst>
+          </p:cNvPr>
+          <p:cNvPicPr>
+            <a:picLocks noChangeAspect="1"/>
+          </p:cNvPicPr>
+          <p:nvPr/>
+        </p:nvPicPr>
+        <p:blipFill>
+          <a:blip r:embed="rId3">
+            <a:extLst>
+              <a:ext uri="{28A0092B-C50C-407E-A947-70E740481C1C}">
+                <a14:useLocalDpi xmlns:a14="http://schemas.microsoft.com/office/drawing/2010/main" val="0"/>
+              </a:ext>
+            </a:extLst>
+          </a:blip>
+          <a:stretch>
+            <a:fillRect/>
+          </a:stretch>
+        </p:blipFill>
+        <p:spPr>
+          <a:xfrm>
+            <a:off x="11277600" y="-69995"/>
+            <a:ext cx="914400" cy="914400"/>
+          </a:xfrm>
+          <a:prstGeom prst="rect">
+            <a:avLst/>
+          </a:prstGeom>
+        </p:spPr>
+      </p:pic>
+      <p:sp>
+        <p:nvSpPr>
+          <p:cNvPr id="4" name="TextBox 3">
+            <a:extLst>
+              <a:ext uri="{FF2B5EF4-FFF2-40B4-BE49-F238E27FC236}">
+                <a16:creationId xmlns:a16="http://schemas.microsoft.com/office/drawing/2014/main" id="{6445DC05-2CC5-9F5E-784D-B08CBF817D36}"/>
+              </a:ext>
+            </a:extLst>
+          </p:cNvPr>
+          <p:cNvSpPr txBox="1"/>
+          <p:nvPr/>
+        </p:nvSpPr>
+        <p:spPr>
+          <a:xfrm>
+            <a:off x="943897" y="905682"/>
+            <a:ext cx="10609006" cy="6001643"/>
+          </a:xfrm>
+          <a:prstGeom prst="rect">
+            <a:avLst/>
+          </a:prstGeom>
+          <a:noFill/>
+        </p:spPr>
+        <p:txBody>
+          <a:bodyPr wrap="square">
+            <a:spAutoFit/>
+          </a:bodyPr>
+          <a:lstStyle/>
+          <a:p>
+            <a:pPr marL="457200" indent="-457200" algn="just">
+              <a:buFont typeface="+mj-lt"/>
+              <a:buAutoNum type="arabicPeriod"/>
+            </a:pPr>
+            <a:r>
+              <a:rPr lang="en-US" sz="2400" dirty="0">
+                <a:latin typeface="Times New Roman" panose="02020603050405020304" pitchFamily="18" charset="0"/>
+                <a:cs typeface="Times New Roman" panose="02020603050405020304" pitchFamily="18" charset="0"/>
+              </a:rPr>
+              <a:t>The Indonesian International Islamic University (IIIU) for providing me with a fully funded scholarship that has been instrumental in supporting my studies for the past two years. I am truly grateful for the sense of community that IIIU offers, as it has provided invaluable assistance in overcoming various challenges that I have encountered along the way. </a:t>
+            </a:r>
+          </a:p>
+          <a:p>
+            <a:pPr marL="457200" indent="-457200" algn="just">
+              <a:buFont typeface="+mj-lt"/>
+              <a:buAutoNum type="arabicPeriod"/>
+            </a:pPr>
+            <a:endParaRPr lang="en-US" sz="2400" dirty="0">
+              <a:latin typeface="Times New Roman" panose="02020603050405020304" pitchFamily="18" charset="0"/>
+              <a:cs typeface="Times New Roman" panose="02020603050405020304" pitchFamily="18" charset="0"/>
+            </a:endParaRPr>
+          </a:p>
+          <a:p>
+            <a:pPr marL="457200" indent="-457200" algn="just">
+              <a:buFont typeface="+mj-lt"/>
+              <a:buAutoNum type="arabicPeriod"/>
+            </a:pPr>
+            <a:r>
+              <a:rPr lang="en-US" sz="2400" dirty="0">
+                <a:latin typeface="Times New Roman" panose="02020603050405020304" pitchFamily="18" charset="0"/>
+                <a:cs typeface="Times New Roman" panose="02020603050405020304" pitchFamily="18" charset="0"/>
+              </a:rPr>
+              <a:t>Additionally, I would like to extend my heartfelt appreciation to my supervisors, Dr. </a:t>
+            </a:r>
+            <a:r>
+              <a:rPr lang="en-US" sz="2400" dirty="0" err="1">
+                <a:latin typeface="Times New Roman" panose="02020603050405020304" pitchFamily="18" charset="0"/>
+                <a:cs typeface="Times New Roman" panose="02020603050405020304" pitchFamily="18" charset="0"/>
+              </a:rPr>
+              <a:t>Sirojuddin</a:t>
+            </a:r>
+            <a:r>
+              <a:rPr lang="en-US" sz="2400" dirty="0">
+                <a:latin typeface="Times New Roman" panose="02020603050405020304" pitchFamily="18" charset="0"/>
+                <a:cs typeface="Times New Roman" panose="02020603050405020304" pitchFamily="18" charset="0"/>
+              </a:rPr>
+              <a:t> Arif, Ph.D., who has been an incredible mentor and has shown immense patience in guiding me through my academic journey, and to Dr. Nia Deliana, Ph.D., and my examiner Dr. </a:t>
+            </a:r>
+            <a:r>
+              <a:rPr lang="en-US" sz="2400" dirty="0" err="1">
+                <a:latin typeface="Times New Roman" panose="02020603050405020304" pitchFamily="18" charset="0"/>
+                <a:cs typeface="Times New Roman" panose="02020603050405020304" pitchFamily="18" charset="0"/>
+              </a:rPr>
+              <a:t>Afrimadona</a:t>
+            </a:r>
+            <a:r>
+              <a:rPr lang="en-US" sz="2400" dirty="0">
+                <a:latin typeface="Times New Roman" panose="02020603050405020304" pitchFamily="18" charset="0"/>
+                <a:cs typeface="Times New Roman" panose="02020603050405020304" pitchFamily="18" charset="0"/>
+              </a:rPr>
+              <a:t>, Ph.D., for their valuable insights and support. I am also indebted to every member of the Faculty of Social Sciences for their contributions to my education. Finally, I would like to sincerely apologize for any mistakes I may have made, whether intentional or unintentional, throughout my studies.</a:t>
+            </a:r>
+          </a:p>
+          <a:p>
+            <a:pPr algn="just"/>
+            <a:endParaRPr lang="en-US" sz="2400" dirty="0">
+              <a:latin typeface="Times New Roman" panose="02020603050405020304" pitchFamily="18" charset="0"/>
+              <a:cs typeface="Times New Roman" panose="02020603050405020304" pitchFamily="18" charset="0"/>
+            </a:endParaRPr>
+          </a:p>
+          <a:p>
+            <a:pPr algn="just"/>
+            <a:endParaRPr lang="en-US" sz="2400" dirty="0">
+              <a:latin typeface="Times New Roman" panose="02020603050405020304" pitchFamily="18" charset="0"/>
+              <a:cs typeface="Times New Roman" panose="02020603050405020304" pitchFamily="18" charset="0"/>
+            </a:endParaRPr>
+          </a:p>
+        </p:txBody>
+      </p:sp>
+    </p:spTree>
+    <p:extLst>
+      <p:ext uri="{BB962C8B-B14F-4D97-AF65-F5344CB8AC3E}">
+        <p14:creationId xmlns:p14="http://schemas.microsoft.com/office/powerpoint/2010/main" val="483007781"/>
+      </p:ext>
+    </p:extLst>
+  </p:cSld>
+  <p:clrMapOvr>
+    <a:masterClrMapping/>
+  </p:clrMapOvr>
+  <mc:AlternateContent xmlns:mc="http://schemas.openxmlformats.org/markup-compatibility/2006">
+    <mc:Choice xmlns:p15="http://schemas.microsoft.com/office/powerpoint/2012/main" Requires="p15">
+      <p:transition xmlns:p14="http://schemas.microsoft.com/office/powerpoint/2010/main" spd="slow" p14:dur="2000">
+        <p15:prstTrans prst="wind"/>
+        <p:sndAc>
+          <p:stSnd>
+            <p:snd r:embed="rId2" name="click.wav"/>
+          </p:stSnd>
+        </p:sndAc>
+      </p:transition>
+    </mc:Choice>
+    <mc:Fallback>
+      <p:transition spd="slow">
+        <p:fade/>
+        <p:sndAc>
+          <p:stSnd>
+            <p:snd r:embed="rId2" name="click.wav"/>
           </p:stSnd>
         </p:sndAc>
       </p:transition>
@@ -27820,7 +27358,7 @@
         </p:nvSpPr>
         <p:spPr>
           <a:xfrm>
-            <a:off x="835716" y="1470184"/>
+            <a:off x="602381" y="1468287"/>
             <a:ext cx="5229431" cy="923330"/>
           </a:xfrm>
           <a:prstGeom prst="rect">
@@ -32929,7 +32467,7 @@
         </p:nvSpPr>
         <p:spPr>
           <a:xfrm>
-            <a:off x="632037" y="3423505"/>
+            <a:off x="662891" y="3424498"/>
             <a:ext cx="5433109" cy="1200329"/>
           </a:xfrm>
           <a:prstGeom prst="rect">
@@ -33056,7 +32594,7 @@
         </p:nvSpPr>
         <p:spPr>
           <a:xfrm>
-            <a:off x="81699" y="214410"/>
+            <a:off x="180023" y="263004"/>
             <a:ext cx="11097577" cy="707886"/>
           </a:xfrm>
           <a:prstGeom prst="rect">
@@ -34496,7 +34034,7 @@
         </p:nvSpPr>
         <p:spPr>
           <a:xfrm>
-            <a:off x="1524000" y="715150"/>
+            <a:off x="1509251" y="136519"/>
             <a:ext cx="9173497" cy="707886"/>
           </a:xfrm>
           <a:prstGeom prst="rect">
@@ -34544,8 +34082,8 @@
         </p:nvSpPr>
         <p:spPr>
           <a:xfrm>
-            <a:off x="1524000" y="1770817"/>
-            <a:ext cx="9655277" cy="4247317"/>
+            <a:off x="875071" y="952560"/>
+            <a:ext cx="10510684" cy="5632311"/>
           </a:xfrm>
           <a:prstGeom prst="rect">
             <a:avLst/>
@@ -34558,39 +34096,26 @@
           </a:bodyPr>
           <a:lstStyle/>
           <a:p>
-            <a:pPr marL="342900" indent="-342900" algn="just">
+            <a:pPr marL="457200" indent="-457200" algn="just">
               <a:buFont typeface="+mj-lt"/>
               <a:buAutoNum type="arabicPeriod"/>
             </a:pPr>
             <a:r>
-              <a:rPr lang="en-US" sz="2800" dirty="0">
+              <a:rPr lang="en-US" sz="2400" dirty="0">
                 <a:latin typeface="Times New Roman" panose="02020603050405020304" pitchFamily="18" charset="0"/>
                 <a:cs typeface="Times New Roman" panose="02020603050405020304" pitchFamily="18" charset="0"/>
               </a:rPr>
-              <a:t>Education is a powerful tool in improving women's socio-economic prospects." (Anderson et al., 2021).</a:t>
-            </a:r>
-          </a:p>
-          <a:p>
-            <a:pPr marL="342900" indent="-342900" algn="just">
-              <a:buFont typeface="+mj-lt"/>
-              <a:buAutoNum type="arabicPeriod"/>
-            </a:pPr>
-            <a:r>
-              <a:rPr lang="en-US" sz="2800" dirty="0">
-                <a:latin typeface="Times New Roman" panose="02020603050405020304" pitchFamily="18" charset="0"/>
-                <a:cs typeface="Times New Roman" panose="02020603050405020304" pitchFamily="18" charset="0"/>
-              </a:rPr>
-              <a:t>Activists with solid education backgrounds stand for women's education and against inequality." (</a:t>
+              <a:t>Education serves as a powerful tool in enhancing women's socio-economic prospects and promoting gender equality. Activists, particularly those with educational backgrounds, play a vital role in advocating for women's education and challenging social inequities (Anderson et al., 2021; </a:t>
             </a:r>
             <a:r>
-              <a:rPr lang="en-US" sz="2800" dirty="0" err="1">
+              <a:rPr lang="en-US" sz="2400" dirty="0" err="1">
                 <a:latin typeface="Times New Roman" panose="02020603050405020304" pitchFamily="18" charset="0"/>
                 <a:cs typeface="Times New Roman" panose="02020603050405020304" pitchFamily="18" charset="0"/>
               </a:rPr>
               <a:t>Lyytikäinen</a:t>
             </a:r>
             <a:r>
-              <a:rPr lang="en-US" sz="2800" dirty="0">
+              <a:rPr lang="en-US" sz="2400" dirty="0">
                 <a:latin typeface="Times New Roman" panose="02020603050405020304" pitchFamily="18" charset="0"/>
                 <a:cs typeface="Times New Roman" panose="02020603050405020304" pitchFamily="18" charset="0"/>
               </a:rPr>
@@ -34598,51 +34123,58 @@
             </a:r>
           </a:p>
           <a:p>
-            <a:pPr marL="342900" indent="-342900" algn="just">
+            <a:pPr marL="457200" indent="-457200" algn="just">
               <a:buFont typeface="+mj-lt"/>
               <a:buAutoNum type="arabicPeriod"/>
             </a:pPr>
             <a:r>
-              <a:rPr lang="en-US" sz="2800" dirty="0">
+              <a:rPr lang="en-US" sz="2400" dirty="0">
                 <a:latin typeface="Times New Roman" panose="02020603050405020304" pitchFamily="18" charset="0"/>
                 <a:cs typeface="Times New Roman" panose="02020603050405020304" pitchFamily="18" charset="0"/>
               </a:rPr>
-              <a:t>Activism raises awareness of societal power structures and social inequities." (</a:t>
+              <a:t> Historical examples, such as African American women teachers in Harlem during the 1930s-1950s and activists at Lakshmi Ashram, demonstrate the transformative impact of education on empowering women and challenging gender norms (Johnson, 2004; </a:t>
             </a:r>
             <a:r>
-              <a:rPr lang="en-US" sz="2800" dirty="0" err="1">
+              <a:rPr lang="en-US" sz="2400" dirty="0" err="1">
                 <a:latin typeface="Times New Roman" panose="02020603050405020304" pitchFamily="18" charset="0"/>
                 <a:cs typeface="Times New Roman" panose="02020603050405020304" pitchFamily="18" charset="0"/>
               </a:rPr>
-              <a:t>Luguetti</a:t>
+              <a:t>Klenk</a:t>
             </a:r>
             <a:r>
-              <a:rPr lang="en-US" sz="2800" dirty="0">
+              <a:rPr lang="en-US" sz="2400" dirty="0">
                 <a:latin typeface="Times New Roman" panose="02020603050405020304" pitchFamily="18" charset="0"/>
                 <a:cs typeface="Times New Roman" panose="02020603050405020304" pitchFamily="18" charset="0"/>
               </a:rPr>
-              <a:t> &amp; Oliver, 2020).</a:t>
+              <a:t>, 2010). However, the Taliban's opposition to women's education in Afghanistan has resulted in limited opportunities and rights for women, raising concerns about the current state of women's education in the country (Karlsson &amp; Mansory, 2008; </a:t>
+            </a:r>
+            <a:r>
+              <a:rPr lang="en-US" sz="2400" dirty="0" err="1">
+                <a:latin typeface="Times New Roman" panose="02020603050405020304" pitchFamily="18" charset="0"/>
+                <a:cs typeface="Times New Roman" panose="02020603050405020304" pitchFamily="18" charset="0"/>
+              </a:rPr>
+              <a:t>Inayatullah</a:t>
+            </a:r>
+            <a:r>
+              <a:rPr lang="en-US" sz="2400" dirty="0">
+                <a:latin typeface="Times New Roman" panose="02020603050405020304" pitchFamily="18" charset="0"/>
+                <a:cs typeface="Times New Roman" panose="02020603050405020304" pitchFamily="18" charset="0"/>
+              </a:rPr>
+              <a:t>, 2022). </a:t>
             </a:r>
           </a:p>
           <a:p>
-            <a:pPr marL="342900" indent="-342900" algn="just">
+            <a:pPr marL="457200" indent="-457200" algn="just">
               <a:buFont typeface="+mj-lt"/>
               <a:buAutoNum type="arabicPeriod"/>
             </a:pPr>
             <a:r>
-              <a:rPr lang="en-US" sz="2800" dirty="0">
+              <a:rPr lang="en-US" sz="2400" dirty="0">
                 <a:latin typeface="Times New Roman" panose="02020603050405020304" pitchFamily="18" charset="0"/>
                 <a:cs typeface="Times New Roman" panose="02020603050405020304" pitchFamily="18" charset="0"/>
               </a:rPr>
-              <a:t>Education empowers women and promotes gender equality. Activism in various domains plays a crucial role in driving social change and challenging power structures.</a:t>
+              <a:t>Despite these challenges, activists continue their relentless efforts to advocate for women's education, aiming for equality and community empowerment (Ren, 2010). Overall, education and activism play a crucial role in driving social change, challenging power structures, and promoting gender equality.</a:t>
             </a:r>
-          </a:p>
-          <a:p>
-            <a:pPr algn="just"/>
-            <a:endParaRPr lang="en-US" dirty="0">
-              <a:latin typeface="Times New Roman" panose="02020603050405020304" pitchFamily="18" charset="0"/>
-              <a:cs typeface="Times New Roman" panose="02020603050405020304" pitchFamily="18" charset="0"/>
-            </a:endParaRPr>
           </a:p>
         </p:txBody>
       </p:sp>
@@ -34748,8 +34280,8 @@
         </p:nvSpPr>
         <p:spPr>
           <a:xfrm>
-            <a:off x="934065" y="549745"/>
-            <a:ext cx="10212452" cy="707886"/>
+            <a:off x="1509251" y="136519"/>
+            <a:ext cx="9173497" cy="707886"/>
           </a:xfrm>
           <a:prstGeom prst="rect">
             <a:avLst/>
@@ -34770,239 +34302,7 @@
                 <a:latin typeface="Times New Roman" panose="02020603050405020304" pitchFamily="18" charset="0"/>
                 <a:cs typeface="Times New Roman" panose="02020603050405020304" pitchFamily="18" charset="0"/>
               </a:rPr>
-              <a:t>Continue…</a:t>
-            </a:r>
-            <a:endParaRPr lang="ko-KR" altLang="en-US" sz="4000" b="1" dirty="0">
-              <a:solidFill>
-                <a:schemeClr val="accent3"/>
-              </a:solidFill>
-              <a:latin typeface="Times New Roman" panose="02020603050405020304" pitchFamily="18" charset="0"/>
-              <a:cs typeface="Times New Roman" panose="02020603050405020304" pitchFamily="18" charset="0"/>
-            </a:endParaRPr>
-          </a:p>
-        </p:txBody>
-      </p:sp>
-      <p:pic>
-        <p:nvPicPr>
-          <p:cNvPr id="57" name="Picture 56">
-            <a:extLst>
-              <a:ext uri="{FF2B5EF4-FFF2-40B4-BE49-F238E27FC236}">
-                <a16:creationId xmlns:a16="http://schemas.microsoft.com/office/drawing/2014/main" id="{7C1817D8-FE1D-053C-6496-9B6A4A20FFB2}"/>
-              </a:ext>
-            </a:extLst>
-          </p:cNvPr>
-          <p:cNvPicPr>
-            <a:picLocks noChangeAspect="1"/>
-          </p:cNvPicPr>
-          <p:nvPr/>
-        </p:nvPicPr>
-        <p:blipFill>
-          <a:blip r:embed="rId3">
-            <a:extLst>
-              <a:ext uri="{28A0092B-C50C-407E-A947-70E740481C1C}">
-                <a14:useLocalDpi xmlns:a14="http://schemas.microsoft.com/office/drawing/2010/main" val="0"/>
-              </a:ext>
-            </a:extLst>
-          </a:blip>
-          <a:stretch>
-            <a:fillRect/>
-          </a:stretch>
-        </p:blipFill>
-        <p:spPr>
-          <a:xfrm>
-            <a:off x="11277600" y="-69995"/>
-            <a:ext cx="914400" cy="914400"/>
-          </a:xfrm>
-          <a:prstGeom prst="rect">
-            <a:avLst/>
-          </a:prstGeom>
-        </p:spPr>
-      </p:pic>
-      <p:sp>
-        <p:nvSpPr>
-          <p:cNvPr id="4" name="TextBox 3">
-            <a:extLst>
-              <a:ext uri="{FF2B5EF4-FFF2-40B4-BE49-F238E27FC236}">
-                <a16:creationId xmlns:a16="http://schemas.microsoft.com/office/drawing/2014/main" id="{0EC5105C-603E-B34B-12F7-10ACE213A914}"/>
-              </a:ext>
-            </a:extLst>
-          </p:cNvPr>
-          <p:cNvSpPr txBox="1"/>
-          <p:nvPr/>
-        </p:nvSpPr>
-        <p:spPr>
-          <a:xfrm>
-            <a:off x="934066" y="1643115"/>
-            <a:ext cx="10028902" cy="3539430"/>
-          </a:xfrm>
-          <a:prstGeom prst="rect">
-            <a:avLst/>
-          </a:prstGeom>
-          <a:noFill/>
-        </p:spPr>
-        <p:txBody>
-          <a:bodyPr wrap="square">
-            <a:spAutoFit/>
-          </a:bodyPr>
-          <a:lstStyle/>
-          <a:p>
-            <a:pPr marL="514350" indent="-514350" algn="just">
-              <a:buFont typeface="+mj-lt"/>
-              <a:buAutoNum type="arabicPeriod"/>
-            </a:pPr>
-            <a:r>
-              <a:rPr lang="en-US" sz="2800" dirty="0">
-                <a:latin typeface="Times New Roman" panose="02020603050405020304" pitchFamily="18" charset="0"/>
-                <a:cs typeface="Times New Roman" panose="02020603050405020304" pitchFamily="18" charset="0"/>
-              </a:rPr>
-              <a:t>Activist African American women teachers in Harlem during the 1930s-1950s played a vital role in education and social reform (Johnson, 2004).</a:t>
-            </a:r>
-          </a:p>
-          <a:p>
-            <a:pPr marL="514350" indent="-514350" algn="just">
-              <a:buFont typeface="+mj-lt"/>
-              <a:buAutoNum type="arabicPeriod"/>
-            </a:pPr>
-            <a:r>
-              <a:rPr lang="en-US" sz="2800" dirty="0">
-                <a:latin typeface="Times New Roman" panose="02020603050405020304" pitchFamily="18" charset="0"/>
-                <a:cs typeface="Times New Roman" panose="02020603050405020304" pitchFamily="18" charset="0"/>
-              </a:rPr>
-              <a:t>Male activists at Lakshmi Ashram viewed education as a means to improve women's economic status and independence (</a:t>
-            </a:r>
-            <a:r>
-              <a:rPr lang="en-US" sz="2800" dirty="0" err="1">
-                <a:latin typeface="Times New Roman" panose="02020603050405020304" pitchFamily="18" charset="0"/>
-                <a:cs typeface="Times New Roman" panose="02020603050405020304" pitchFamily="18" charset="0"/>
-              </a:rPr>
-              <a:t>Klenk</a:t>
-            </a:r>
-            <a:r>
-              <a:rPr lang="en-US" sz="2800" dirty="0">
-                <a:latin typeface="Times New Roman" panose="02020603050405020304" pitchFamily="18" charset="0"/>
-                <a:cs typeface="Times New Roman" panose="02020603050405020304" pitchFamily="18" charset="0"/>
-              </a:rPr>
-              <a:t>, 2010).</a:t>
-            </a:r>
-          </a:p>
-          <a:p>
-            <a:pPr marL="514350" indent="-514350" algn="just">
-              <a:buFont typeface="+mj-lt"/>
-              <a:buAutoNum type="arabicPeriod"/>
-            </a:pPr>
-            <a:r>
-              <a:rPr lang="en-US" sz="2800" dirty="0">
-                <a:latin typeface="Times New Roman" panose="02020603050405020304" pitchFamily="18" charset="0"/>
-                <a:cs typeface="Times New Roman" panose="02020603050405020304" pitchFamily="18" charset="0"/>
-              </a:rPr>
-              <a:t>Female activists at Lakshmi Ashram saw education as a tool to challenge gender inequality and empower women (</a:t>
-            </a:r>
-            <a:r>
-              <a:rPr lang="en-US" sz="2800" dirty="0" err="1">
-                <a:latin typeface="Times New Roman" panose="02020603050405020304" pitchFamily="18" charset="0"/>
-                <a:cs typeface="Times New Roman" panose="02020603050405020304" pitchFamily="18" charset="0"/>
-              </a:rPr>
-              <a:t>Klenk</a:t>
-            </a:r>
-            <a:r>
-              <a:rPr lang="en-US" sz="2800" dirty="0">
-                <a:latin typeface="Times New Roman" panose="02020603050405020304" pitchFamily="18" charset="0"/>
-                <a:cs typeface="Times New Roman" panose="02020603050405020304" pitchFamily="18" charset="0"/>
-              </a:rPr>
-              <a:t>, 2010).</a:t>
-            </a:r>
-          </a:p>
-        </p:txBody>
-      </p:sp>
-    </p:spTree>
-    <p:extLst>
-      <p:ext uri="{BB962C8B-B14F-4D97-AF65-F5344CB8AC3E}">
-        <p14:creationId xmlns:p14="http://schemas.microsoft.com/office/powerpoint/2010/main" val="1057757034"/>
-      </p:ext>
-    </p:extLst>
-  </p:cSld>
-  <p:clrMapOvr>
-    <a:masterClrMapping/>
-  </p:clrMapOvr>
-  <mc:AlternateContent xmlns:mc="http://schemas.openxmlformats.org/markup-compatibility/2006" xmlns:p15="http://schemas.microsoft.com/office/powerpoint/2012/main">
-    <mc:Choice Requires="p15">
-      <p:transition xmlns:p14="http://schemas.microsoft.com/office/powerpoint/2010/main" spd="slow" p14:dur="2000">
-        <p15:prstTrans prst="wind"/>
-        <p:sndAc>
-          <p:stSnd>
-            <p:snd r:embed="rId2" name="click.wav"/>
-          </p:stSnd>
-        </p:sndAc>
-      </p:transition>
-    </mc:Choice>
-    <mc:Fallback xmlns="">
-      <p:transition spd="slow">
-        <p:fade/>
-        <p:sndAc>
-          <p:stSnd>
-            <p:snd r:embed="rId4" name="click.wav"/>
-          </p:stSnd>
-        </p:sndAc>
-      </p:transition>
-    </mc:Fallback>
-  </mc:AlternateContent>
-</p:sld>
-</file>
-
-<file path=ppt/slides/slide8.xml><?xml version="1.0" encoding="utf-8"?>
-<p:sld xmlns:a="http://schemas.openxmlformats.org/drawingml/2006/main" xmlns:r="http://schemas.openxmlformats.org/officeDocument/2006/relationships" xmlns:p="http://schemas.openxmlformats.org/presentationml/2006/main" showMasterSp="0">
-  <p:cSld>
-    <p:spTree>
-      <p:nvGrpSpPr>
-        <p:cNvPr id="1" name=""/>
-        <p:cNvGrpSpPr/>
-        <p:nvPr/>
-      </p:nvGrpSpPr>
-      <p:grpSpPr>
-        <a:xfrm>
-          <a:off x="0" y="0"/>
-          <a:ext cx="0" cy="0"/>
-          <a:chOff x="0" y="0"/>
-          <a:chExt cx="0" cy="0"/>
-        </a:xfrm>
-      </p:grpSpPr>
-      <p:sp>
-        <p:nvSpPr>
-          <p:cNvPr id="3" name="Rectangle 7">
-            <a:extLst>
-              <a:ext uri="{FF2B5EF4-FFF2-40B4-BE49-F238E27FC236}">
-                <a16:creationId xmlns:a16="http://schemas.microsoft.com/office/drawing/2014/main" id="{0BDEAFD2-DA6C-AD1F-1A43-7B2D96CA146B}"/>
-              </a:ext>
-            </a:extLst>
-          </p:cNvPr>
-          <p:cNvSpPr/>
-          <p:nvPr/>
-        </p:nvSpPr>
-        <p:spPr>
-          <a:xfrm>
-            <a:off x="1111044" y="539855"/>
-            <a:ext cx="10038735" cy="707886"/>
-          </a:xfrm>
-          <a:prstGeom prst="rect">
-            <a:avLst/>
-          </a:prstGeom>
-        </p:spPr>
-        <p:txBody>
-          <a:bodyPr wrap="square">
-            <a:spAutoFit/>
-          </a:bodyPr>
-          <a:lstStyle/>
-          <a:p>
-            <a:pPr algn="ctr"/>
-            <a:r>
-              <a:rPr lang="en-US" altLang="ko-KR" sz="4000" b="1" dirty="0">
-                <a:solidFill>
-                  <a:schemeClr val="accent3"/>
-                </a:solidFill>
-                <a:latin typeface="Times New Roman" panose="02020603050405020304" pitchFamily="18" charset="0"/>
-                <a:cs typeface="Times New Roman" panose="02020603050405020304" pitchFamily="18" charset="0"/>
-              </a:rPr>
-              <a:t>Continue…</a:t>
+              <a:t>Weakness</a:t>
             </a:r>
             <a:endParaRPr lang="ko-KR" altLang="en-US" sz="4000" b="1" dirty="0">
               <a:solidFill>
@@ -35028,8 +34328,8 @@
         </p:nvSpPr>
         <p:spPr>
           <a:xfrm>
-            <a:off x="1012722" y="1532219"/>
-            <a:ext cx="10137057" cy="3970318"/>
+            <a:off x="875071" y="952560"/>
+            <a:ext cx="10510684" cy="4832092"/>
           </a:xfrm>
           <a:prstGeom prst="rect">
             <a:avLst/>
@@ -35042,97 +34342,13 @@
           </a:bodyPr>
           <a:lstStyle/>
           <a:p>
-            <a:pPr marL="514350" indent="-514350" algn="just">
-              <a:buFont typeface="+mj-lt"/>
-              <a:buAutoNum type="arabicPeriod"/>
-            </a:pPr>
+            <a:pPr algn="just"/>
             <a:r>
               <a:rPr lang="en-US" sz="2800" dirty="0">
                 <a:latin typeface="Times New Roman" panose="02020603050405020304" pitchFamily="18" charset="0"/>
                 <a:cs typeface="Times New Roman" panose="02020603050405020304" pitchFamily="18" charset="0"/>
               </a:rPr>
-              <a:t>Activists had differing strategies: females aimed to challenge social norms, while males focused on financial support (</a:t>
-            </a:r>
-            <a:r>
-              <a:rPr lang="en-US" sz="2800" dirty="0" err="1">
-                <a:latin typeface="Times New Roman" panose="02020603050405020304" pitchFamily="18" charset="0"/>
-                <a:cs typeface="Times New Roman" panose="02020603050405020304" pitchFamily="18" charset="0"/>
-              </a:rPr>
-              <a:t>Klenk</a:t>
-            </a:r>
-            <a:r>
-              <a:rPr lang="en-US" sz="2800" dirty="0">
-                <a:latin typeface="Times New Roman" panose="02020603050405020304" pitchFamily="18" charset="0"/>
-                <a:cs typeface="Times New Roman" panose="02020603050405020304" pitchFamily="18" charset="0"/>
-              </a:rPr>
-              <a:t>, 2010).</a:t>
-            </a:r>
-          </a:p>
-          <a:p>
-            <a:pPr marL="514350" indent="-514350" algn="just">
-              <a:buFont typeface="+mj-lt"/>
-              <a:buAutoNum type="arabicPeriod"/>
-            </a:pPr>
-            <a:r>
-              <a:rPr lang="en-US" sz="2800" dirty="0">
-                <a:latin typeface="Times New Roman" panose="02020603050405020304" pitchFamily="18" charset="0"/>
-                <a:cs typeface="Times New Roman" panose="02020603050405020304" pitchFamily="18" charset="0"/>
-              </a:rPr>
-              <a:t>Female activists faced opposition, while male activists gained acceptance as leaders (</a:t>
-            </a:r>
-            <a:r>
-              <a:rPr lang="en-US" sz="2800" dirty="0" err="1">
-                <a:latin typeface="Times New Roman" panose="02020603050405020304" pitchFamily="18" charset="0"/>
-                <a:cs typeface="Times New Roman" panose="02020603050405020304" pitchFamily="18" charset="0"/>
-              </a:rPr>
-              <a:t>Klenk</a:t>
-            </a:r>
-            <a:r>
-              <a:rPr lang="en-US" sz="2800" dirty="0">
-                <a:latin typeface="Times New Roman" panose="02020603050405020304" pitchFamily="18" charset="0"/>
-                <a:cs typeface="Times New Roman" panose="02020603050405020304" pitchFamily="18" charset="0"/>
-              </a:rPr>
-              <a:t>, 2010). </a:t>
-            </a:r>
-          </a:p>
-          <a:p>
-            <a:pPr marL="514350" indent="-514350" algn="just">
-              <a:buFont typeface="+mj-lt"/>
-              <a:buAutoNum type="arabicPeriod"/>
-            </a:pPr>
-            <a:r>
-              <a:rPr lang="en-US" sz="2800" dirty="0">
-                <a:latin typeface="Times New Roman" panose="02020603050405020304" pitchFamily="18" charset="0"/>
-                <a:cs typeface="Times New Roman" panose="02020603050405020304" pitchFamily="18" charset="0"/>
-              </a:rPr>
-              <a:t>Both male and female activists tirelessly advocated for women's education and community development (</a:t>
-            </a:r>
-            <a:r>
-              <a:rPr lang="en-US" sz="2800" dirty="0" err="1">
-                <a:latin typeface="Times New Roman" panose="02020603050405020304" pitchFamily="18" charset="0"/>
-                <a:cs typeface="Times New Roman" panose="02020603050405020304" pitchFamily="18" charset="0"/>
-              </a:rPr>
-              <a:t>Klenk</a:t>
-            </a:r>
-            <a:r>
-              <a:rPr lang="en-US" sz="2800" dirty="0">
-                <a:latin typeface="Times New Roman" panose="02020603050405020304" pitchFamily="18" charset="0"/>
-                <a:cs typeface="Times New Roman" panose="02020603050405020304" pitchFamily="18" charset="0"/>
-              </a:rPr>
-              <a:t>, 2010).</a:t>
-            </a:r>
-          </a:p>
-          <a:p>
-            <a:pPr marL="514350" indent="-514350" algn="just">
-              <a:buFont typeface="+mj-lt"/>
-              <a:buAutoNum type="arabicPeriod"/>
-            </a:pPr>
-            <a:r>
-              <a:rPr lang="en-US" sz="2800" dirty="0">
-                <a:latin typeface="Times New Roman" panose="02020603050405020304" pitchFamily="18" charset="0"/>
-                <a:cs typeface="Times New Roman" panose="02020603050405020304" pitchFamily="18" charset="0"/>
-              </a:rPr>
-              <a:t>According to Bank (2007), activists play a crucial role in promoting gender equality and women's studies.</a:t>
+              <a:t>One weakness observed in the existing literature is that most respected scholars have focused their research on a small number of villages, which limits the scope of their findings. Their data mainly comes from a specific group within these villages, potentially leading to biased results that may not apply to a wider population. In contrast, our study aims to address this limitation by including a diverse range of participants, such as Activists, the Taliban, and Public. This broader approach allows us to gather insights from different views and better grasp the intricate dynamics of women’s education in Afghanistan. By doing so, our research seeks to fill the gap in existing literature and provide a more comprehensive understanding of the topic.</a:t>
             </a:r>
           </a:p>
         </p:txBody>
@@ -35176,7 +34392,497 @@
     </p:spTree>
     <p:extLst>
       <p:ext uri="{BB962C8B-B14F-4D97-AF65-F5344CB8AC3E}">
-        <p14:creationId xmlns:p14="http://schemas.microsoft.com/office/powerpoint/2010/main" val="2100216802"/>
+        <p14:creationId xmlns:p14="http://schemas.microsoft.com/office/powerpoint/2010/main" val="3358361288"/>
+      </p:ext>
+    </p:extLst>
+  </p:cSld>
+  <p:clrMapOvr>
+    <a:masterClrMapping/>
+  </p:clrMapOvr>
+  <mc:AlternateContent xmlns:mc="http://schemas.openxmlformats.org/markup-compatibility/2006">
+    <mc:Choice xmlns:p15="http://schemas.microsoft.com/office/powerpoint/2012/main" Requires="p15">
+      <p:transition xmlns:p14="http://schemas.microsoft.com/office/powerpoint/2010/main" spd="slow" p14:dur="2000">
+        <p15:prstTrans prst="wind"/>
+        <p:sndAc>
+          <p:stSnd>
+            <p:snd r:embed="rId2" name="click.wav"/>
+          </p:stSnd>
+        </p:sndAc>
+      </p:transition>
+    </mc:Choice>
+    <mc:Fallback>
+      <p:transition spd="slow">
+        <p:fade/>
+        <p:sndAc>
+          <p:stSnd>
+            <p:snd r:embed="rId2" name="click.wav"/>
+          </p:stSnd>
+        </p:sndAc>
+      </p:transition>
+    </mc:Fallback>
+  </mc:AlternateContent>
+</p:sld>
+</file>
+
+<file path=ppt/slides/slide8.xml><?xml version="1.0" encoding="utf-8"?>
+<p:sld xmlns:a="http://schemas.openxmlformats.org/drawingml/2006/main" xmlns:r="http://schemas.openxmlformats.org/officeDocument/2006/relationships" xmlns:p="http://schemas.openxmlformats.org/presentationml/2006/main" showMasterSp="0">
+  <p:cSld>
+    <p:spTree>
+      <p:nvGrpSpPr>
+        <p:cNvPr id="1" name=""/>
+        <p:cNvGrpSpPr/>
+        <p:nvPr/>
+      </p:nvGrpSpPr>
+      <p:grpSpPr>
+        <a:xfrm>
+          <a:off x="0" y="0"/>
+          <a:ext cx="0" cy="0"/>
+          <a:chOff x="0" y="0"/>
+          <a:chExt cx="0" cy="0"/>
+        </a:xfrm>
+      </p:grpSpPr>
+      <p:sp>
+        <p:nvSpPr>
+          <p:cNvPr id="11" name="Rounded Rectangle 24">
+            <a:extLst>
+              <a:ext uri="{FF2B5EF4-FFF2-40B4-BE49-F238E27FC236}">
+                <a16:creationId xmlns:a16="http://schemas.microsoft.com/office/drawing/2014/main" id="{CE908320-3065-47DF-8C78-22BF971FA2DD}"/>
+              </a:ext>
+            </a:extLst>
+          </p:cNvPr>
+          <p:cNvSpPr/>
+          <p:nvPr/>
+        </p:nvSpPr>
+        <p:spPr>
+          <a:xfrm>
+            <a:off x="9928296" y="2089207"/>
+            <a:ext cx="285406" cy="208600"/>
+          </a:xfrm>
+          <a:custGeom>
+            <a:avLst/>
+            <a:gdLst/>
+            <a:ahLst/>
+            <a:cxnLst/>
+            <a:rect l="l" t="t" r="r" b="b"/>
+            <a:pathLst>
+              <a:path w="3960000" h="3064028">
+                <a:moveTo>
+                  <a:pt x="1955333" y="1285185"/>
+                </a:moveTo>
+                <a:cubicBezTo>
+                  <a:pt x="2192176" y="1285185"/>
+                  <a:pt x="2384176" y="1477185"/>
+                  <a:pt x="2384176" y="1714028"/>
+                </a:cubicBezTo>
+                <a:cubicBezTo>
+                  <a:pt x="2384176" y="1950871"/>
+                  <a:pt x="2192176" y="2142871"/>
+                  <a:pt x="1955333" y="2142871"/>
+                </a:cubicBezTo>
+                <a:cubicBezTo>
+                  <a:pt x="1718490" y="2142871"/>
+                  <a:pt x="1526490" y="1950871"/>
+                  <a:pt x="1526490" y="1714028"/>
+                </a:cubicBezTo>
+                <a:cubicBezTo>
+                  <a:pt x="1526490" y="1477185"/>
+                  <a:pt x="1718490" y="1285185"/>
+                  <a:pt x="1955333" y="1285185"/>
+                </a:cubicBezTo>
+                <a:close/>
+                <a:moveTo>
+                  <a:pt x="1955333" y="1074136"/>
+                </a:moveTo>
+                <a:cubicBezTo>
+                  <a:pt x="1601930" y="1074136"/>
+                  <a:pt x="1315441" y="1360625"/>
+                  <a:pt x="1315441" y="1714028"/>
+                </a:cubicBezTo>
+                <a:cubicBezTo>
+                  <a:pt x="1315441" y="2067431"/>
+                  <a:pt x="1601930" y="2353920"/>
+                  <a:pt x="1955333" y="2353920"/>
+                </a:cubicBezTo>
+                <a:cubicBezTo>
+                  <a:pt x="2308736" y="2353920"/>
+                  <a:pt x="2595225" y="2067431"/>
+                  <a:pt x="2595225" y="1714028"/>
+                </a:cubicBezTo>
+                <a:cubicBezTo>
+                  <a:pt x="2595225" y="1360625"/>
+                  <a:pt x="2308736" y="1074136"/>
+                  <a:pt x="1955333" y="1074136"/>
+                </a:cubicBezTo>
+                <a:close/>
+                <a:moveTo>
+                  <a:pt x="1955333" y="849503"/>
+                </a:moveTo>
+                <a:cubicBezTo>
+                  <a:pt x="2432797" y="849503"/>
+                  <a:pt x="2819858" y="1236564"/>
+                  <a:pt x="2819858" y="1714028"/>
+                </a:cubicBezTo>
+                <a:cubicBezTo>
+                  <a:pt x="2819858" y="2191492"/>
+                  <a:pt x="2432797" y="2578553"/>
+                  <a:pt x="1955333" y="2578553"/>
+                </a:cubicBezTo>
+                <a:cubicBezTo>
+                  <a:pt x="1477869" y="2578553"/>
+                  <a:pt x="1090808" y="2191492"/>
+                  <a:pt x="1090808" y="1714028"/>
+                </a:cubicBezTo>
+                <a:cubicBezTo>
+                  <a:pt x="1090808" y="1236564"/>
+                  <a:pt x="1477869" y="849503"/>
+                  <a:pt x="1955333" y="849503"/>
+                </a:cubicBezTo>
+                <a:close/>
+                <a:moveTo>
+                  <a:pt x="3253503" y="756254"/>
+                </a:moveTo>
+                <a:cubicBezTo>
+                  <a:pt x="3162525" y="756254"/>
+                  <a:pt x="3088773" y="830006"/>
+                  <a:pt x="3088773" y="920984"/>
+                </a:cubicBezTo>
+                <a:cubicBezTo>
+                  <a:pt x="3088773" y="1011962"/>
+                  <a:pt x="3162525" y="1085714"/>
+                  <a:pt x="3253503" y="1085714"/>
+                </a:cubicBezTo>
+                <a:cubicBezTo>
+                  <a:pt x="3344481" y="1085714"/>
+                  <a:pt x="3418233" y="1011962"/>
+                  <a:pt x="3418233" y="920984"/>
+                </a:cubicBezTo>
+                <a:cubicBezTo>
+                  <a:pt x="3418233" y="830006"/>
+                  <a:pt x="3344481" y="756254"/>
+                  <a:pt x="3253503" y="756254"/>
+                </a:cubicBezTo>
+                <a:close/>
+                <a:moveTo>
+                  <a:pt x="1955333" y="744677"/>
+                </a:moveTo>
+                <a:cubicBezTo>
+                  <a:pt x="1419975" y="744677"/>
+                  <a:pt x="985982" y="1178670"/>
+                  <a:pt x="985982" y="1714028"/>
+                </a:cubicBezTo>
+                <a:cubicBezTo>
+                  <a:pt x="985982" y="2249386"/>
+                  <a:pt x="1419975" y="2683379"/>
+                  <a:pt x="1955333" y="2683379"/>
+                </a:cubicBezTo>
+                <a:cubicBezTo>
+                  <a:pt x="2490691" y="2683379"/>
+                  <a:pt x="2924684" y="2249386"/>
+                  <a:pt x="2924684" y="1714028"/>
+                </a:cubicBezTo>
+                <a:cubicBezTo>
+                  <a:pt x="2924684" y="1178670"/>
+                  <a:pt x="2490691" y="744677"/>
+                  <a:pt x="1955333" y="744677"/>
+                </a:cubicBezTo>
+                <a:close/>
+                <a:moveTo>
+                  <a:pt x="1333922" y="0"/>
+                </a:moveTo>
+                <a:lnTo>
+                  <a:pt x="2626078" y="0"/>
+                </a:lnTo>
+                <a:lnTo>
+                  <a:pt x="2717085" y="364028"/>
+                </a:lnTo>
+                <a:lnTo>
+                  <a:pt x="3699990" y="364028"/>
+                </a:lnTo>
+                <a:cubicBezTo>
+                  <a:pt x="3843590" y="364028"/>
+                  <a:pt x="3960000" y="480438"/>
+                  <a:pt x="3960000" y="624038"/>
+                </a:cubicBezTo>
+                <a:lnTo>
+                  <a:pt x="3960000" y="2804018"/>
+                </a:lnTo>
+                <a:cubicBezTo>
+                  <a:pt x="3960000" y="2947618"/>
+                  <a:pt x="3843590" y="3064028"/>
+                  <a:pt x="3699990" y="3064028"/>
+                </a:cubicBezTo>
+                <a:lnTo>
+                  <a:pt x="260010" y="3064028"/>
+                </a:lnTo>
+                <a:cubicBezTo>
+                  <a:pt x="116410" y="3064028"/>
+                  <a:pt x="0" y="2947618"/>
+                  <a:pt x="0" y="2804018"/>
+                </a:cubicBezTo>
+                <a:lnTo>
+                  <a:pt x="0" y="624038"/>
+                </a:lnTo>
+                <a:cubicBezTo>
+                  <a:pt x="0" y="480438"/>
+                  <a:pt x="116410" y="364028"/>
+                  <a:pt x="260010" y="364028"/>
+                </a:cubicBezTo>
+                <a:lnTo>
+                  <a:pt x="443165" y="364028"/>
+                </a:lnTo>
+                <a:lnTo>
+                  <a:pt x="443165" y="237982"/>
+                </a:lnTo>
+                <a:cubicBezTo>
+                  <a:pt x="443165" y="195266"/>
+                  <a:pt x="477794" y="160637"/>
+                  <a:pt x="520510" y="160637"/>
+                </a:cubicBezTo>
+                <a:lnTo>
+                  <a:pt x="1049896" y="160637"/>
+                </a:lnTo>
+                <a:cubicBezTo>
+                  <a:pt x="1092612" y="160637"/>
+                  <a:pt x="1127241" y="195266"/>
+                  <a:pt x="1127241" y="237982"/>
+                </a:cubicBezTo>
+                <a:lnTo>
+                  <a:pt x="1127241" y="364028"/>
+                </a:lnTo>
+                <a:lnTo>
+                  <a:pt x="1242915" y="364028"/>
+                </a:lnTo>
+                <a:close/>
+              </a:path>
+            </a:pathLst>
+          </a:custGeom>
+          <a:solidFill>
+            <a:schemeClr val="bg1"/>
+          </a:solidFill>
+          <a:ln>
+            <a:noFill/>
+          </a:ln>
+        </p:spPr>
+        <p:style>
+          <a:lnRef idx="2">
+            <a:schemeClr val="accent1">
+              <a:shade val="50000"/>
+            </a:schemeClr>
+          </a:lnRef>
+          <a:fillRef idx="1">
+            <a:schemeClr val="accent1"/>
+          </a:fillRef>
+          <a:effectRef idx="0">
+            <a:schemeClr val="accent1"/>
+          </a:effectRef>
+          <a:fontRef idx="minor">
+            <a:schemeClr val="lt1"/>
+          </a:fontRef>
+        </p:style>
+        <p:txBody>
+          <a:bodyPr rot="0" spcFirstLastPara="0" vertOverflow="overflow" horzOverflow="overflow" vert="horz" wrap="square" lIns="91440" tIns="45720" rIns="91440" bIns="45720" numCol="1" spcCol="0" rtlCol="0" fromWordArt="0" anchor="ctr" anchorCtr="0" forceAA="0" compatLnSpc="1">
+            <a:prstTxWarp prst="textNoShape">
+              <a:avLst/>
+            </a:prstTxWarp>
+            <a:noAutofit/>
+          </a:bodyPr>
+          <a:lstStyle/>
+          <a:p>
+            <a:pPr algn="ctr"/>
+            <a:endParaRPr lang="ko-KR" altLang="en-US" sz="2701"/>
+          </a:p>
+        </p:txBody>
+      </p:sp>
+      <p:sp>
+        <p:nvSpPr>
+          <p:cNvPr id="15" name="TextBox 14">
+            <a:extLst>
+              <a:ext uri="{FF2B5EF4-FFF2-40B4-BE49-F238E27FC236}">
+                <a16:creationId xmlns:a16="http://schemas.microsoft.com/office/drawing/2014/main" id="{8AFE6F74-FD9A-4294-B4BB-A36FFED1F7F6}"/>
+              </a:ext>
+            </a:extLst>
+          </p:cNvPr>
+          <p:cNvSpPr txBox="1"/>
+          <p:nvPr/>
+        </p:nvSpPr>
+        <p:spPr>
+          <a:xfrm>
+            <a:off x="993058" y="1736229"/>
+            <a:ext cx="10107561" cy="3385542"/>
+          </a:xfrm>
+          <a:prstGeom prst="rect">
+            <a:avLst/>
+          </a:prstGeom>
+          <a:noFill/>
+          <a:effectLst>
+            <a:glow rad="63500">
+              <a:schemeClr val="accent2">
+                <a:alpha val="40000"/>
+              </a:schemeClr>
+            </a:glow>
+          </a:effectLst>
+        </p:spPr>
+        <p:txBody>
+          <a:bodyPr wrap="square" rtlCol="0">
+            <a:spAutoFit/>
+          </a:bodyPr>
+          <a:lstStyle/>
+          <a:p>
+            <a:pPr marL="514350" indent="-514350" algn="just">
+              <a:buFont typeface="+mj-lt"/>
+              <a:buAutoNum type="arabicPeriod"/>
+            </a:pPr>
+            <a:r>
+              <a:rPr lang="en-US" sz="2800" dirty="0">
+                <a:effectLst/>
+                <a:latin typeface="Times New Roman" panose="02020603050405020304" pitchFamily="18" charset="0"/>
+                <a:ea typeface="Calibri" panose="020F0502020204030204" pitchFamily="34" charset="0"/>
+                <a:cs typeface="Arial" panose="020B0604020202020204" pitchFamily="34" charset="0"/>
+              </a:rPr>
+              <a:t>The Taliban's views regarding women's education will be significantly more restrictive and opposed than those of activists and public.</a:t>
+            </a:r>
+          </a:p>
+          <a:p>
+            <a:pPr marL="514350" indent="-514350" algn="just">
+              <a:buFont typeface="+mj-lt"/>
+              <a:buAutoNum type="arabicPeriod"/>
+            </a:pPr>
+            <a:r>
+              <a:rPr lang="en-US" sz="2800" dirty="0">
+                <a:effectLst/>
+                <a:latin typeface="Times New Roman" panose="02020603050405020304" pitchFamily="18" charset="0"/>
+                <a:ea typeface="Calibri" panose="020F0502020204030204" pitchFamily="34" charset="0"/>
+                <a:cs typeface="Arial" panose="020B0604020202020204" pitchFamily="34" charset="0"/>
+              </a:rPr>
+              <a:t>Activists are more likely to demonstrate higher support for women's education compared to both the Taliban and Public.</a:t>
+            </a:r>
+          </a:p>
+          <a:p>
+            <a:pPr marL="514350" indent="-514350" algn="just">
+              <a:buFont typeface="+mj-lt"/>
+              <a:buAutoNum type="arabicPeriod"/>
+            </a:pPr>
+            <a:r>
+              <a:rPr lang="en-US" sz="2800" dirty="0">
+                <a:effectLst/>
+                <a:latin typeface="Times New Roman" panose="02020603050405020304" pitchFamily="18" charset="0"/>
+                <a:ea typeface="Calibri" panose="020F0502020204030204" pitchFamily="34" charset="0"/>
+                <a:cs typeface="Arial" panose="020B0604020202020204" pitchFamily="34" charset="0"/>
+              </a:rPr>
+              <a:t>Female activists are more likely to hold higher sentiments for supporting women's education compared to male activists.</a:t>
+            </a:r>
+          </a:p>
+          <a:p>
+            <a:pPr marL="342900" indent="-342900" algn="just">
+              <a:buFont typeface="+mj-lt"/>
+              <a:buAutoNum type="arabicPeriod"/>
+            </a:pPr>
+            <a:endParaRPr lang="en-US" altLang="ko-KR" dirty="0">
+              <a:solidFill>
+                <a:schemeClr val="tx1">
+                  <a:lumMod val="75000"/>
+                  <a:lumOff val="25000"/>
+                </a:schemeClr>
+              </a:solidFill>
+              <a:cs typeface="Arial" pitchFamily="34" charset="0"/>
+            </a:endParaRPr>
+          </a:p>
+        </p:txBody>
+      </p:sp>
+      <p:sp>
+        <p:nvSpPr>
+          <p:cNvPr id="35" name="Rectangle 7">
+            <a:extLst>
+              <a:ext uri="{FF2B5EF4-FFF2-40B4-BE49-F238E27FC236}">
+                <a16:creationId xmlns:a16="http://schemas.microsoft.com/office/drawing/2014/main" id="{64763E8C-3D08-7471-4513-E3C19D723321}"/>
+              </a:ext>
+            </a:extLst>
+          </p:cNvPr>
+          <p:cNvSpPr/>
+          <p:nvPr/>
+        </p:nvSpPr>
+        <p:spPr>
+          <a:xfrm>
+            <a:off x="993059" y="586242"/>
+            <a:ext cx="10107560" cy="769441"/>
+          </a:xfrm>
+          <a:prstGeom prst="rect">
+            <a:avLst/>
+          </a:prstGeom>
+        </p:spPr>
+        <p:txBody>
+          <a:bodyPr wrap="square">
+            <a:spAutoFit/>
+          </a:bodyPr>
+          <a:lstStyle/>
+          <a:p>
+            <a:pPr algn="ctr"/>
+            <a:r>
+              <a:rPr lang="en-US" altLang="ko-KR" sz="4400" b="1" dirty="0">
+                <a:solidFill>
+                  <a:schemeClr val="accent3"/>
+                </a:solidFill>
+                <a:latin typeface="Times New Roman" panose="02020603050405020304" pitchFamily="18" charset="0"/>
+                <a:cs typeface="Times New Roman" panose="02020603050405020304" pitchFamily="18" charset="0"/>
+              </a:rPr>
+              <a:t>Hypothesis</a:t>
+            </a:r>
+            <a:endParaRPr lang="ko-KR" altLang="en-US" sz="4400" b="1" dirty="0">
+              <a:ln w="12700" cmpd="sng">
+                <a:solidFill>
+                  <a:schemeClr val="accent4"/>
+                </a:solidFill>
+                <a:prstDash val="solid"/>
+              </a:ln>
+              <a:solidFill>
+                <a:schemeClr val="accent3"/>
+              </a:solidFill>
+              <a:latin typeface="Times New Roman" panose="02020603050405020304" pitchFamily="18" charset="0"/>
+              <a:cs typeface="Times New Roman" panose="02020603050405020304" pitchFamily="18" charset="0"/>
+            </a:endParaRPr>
+          </a:p>
+        </p:txBody>
+      </p:sp>
+      <p:pic>
+        <p:nvPicPr>
+          <p:cNvPr id="36" name="Picture 35">
+            <a:extLst>
+              <a:ext uri="{FF2B5EF4-FFF2-40B4-BE49-F238E27FC236}">
+                <a16:creationId xmlns:a16="http://schemas.microsoft.com/office/drawing/2014/main" id="{110B500F-E1A8-C268-47EA-8103FE875F1F}"/>
+              </a:ext>
+            </a:extLst>
+          </p:cNvPr>
+          <p:cNvPicPr>
+            <a:picLocks noChangeAspect="1"/>
+          </p:cNvPicPr>
+          <p:nvPr/>
+        </p:nvPicPr>
+        <p:blipFill>
+          <a:blip r:embed="rId3">
+            <a:extLst>
+              <a:ext uri="{28A0092B-C50C-407E-A947-70E740481C1C}">
+                <a14:useLocalDpi xmlns:a14="http://schemas.microsoft.com/office/drawing/2010/main" val="0"/>
+              </a:ext>
+            </a:extLst>
+          </a:blip>
+          <a:stretch>
+            <a:fillRect/>
+          </a:stretch>
+        </p:blipFill>
+        <p:spPr>
+          <a:xfrm>
+            <a:off x="11277600" y="-69995"/>
+            <a:ext cx="914400" cy="914400"/>
+          </a:xfrm>
+          <a:prstGeom prst="rect">
+            <a:avLst/>
+          </a:prstGeom>
+        </p:spPr>
+      </p:pic>
+    </p:spTree>
+    <p:extLst>
+      <p:ext uri="{BB962C8B-B14F-4D97-AF65-F5344CB8AC3E}">
+        <p14:creationId xmlns:p14="http://schemas.microsoft.com/office/powerpoint/2010/main" val="1557309788"/>
       </p:ext>
     </p:extLst>
   </p:cSld>
@@ -35230,7 +34936,7 @@
           <p:cNvPr id="3" name="Rectangle 7">
             <a:extLst>
               <a:ext uri="{FF2B5EF4-FFF2-40B4-BE49-F238E27FC236}">
-                <a16:creationId xmlns:a16="http://schemas.microsoft.com/office/drawing/2014/main" id="{0BDEAFD2-DA6C-AD1F-1A43-7B2D96CA146B}"/>
+                <a16:creationId xmlns:a16="http://schemas.microsoft.com/office/drawing/2014/main" id="{3E4AD5A6-AA04-4D9F-5FCC-52981F38D619}"/>
               </a:ext>
             </a:extLst>
           </p:cNvPr>
@@ -35239,8 +34945,8 @@
         </p:nvSpPr>
         <p:spPr>
           <a:xfrm>
-            <a:off x="1042219" y="353578"/>
-            <a:ext cx="10235380" cy="707886"/>
+            <a:off x="1519766" y="844405"/>
+            <a:ext cx="9757834" cy="707886"/>
           </a:xfrm>
           <a:prstGeom prst="rect">
             <a:avLst/>
@@ -35261,9 +34967,15 @@
                 <a:latin typeface="Times New Roman" panose="02020603050405020304" pitchFamily="18" charset="0"/>
                 <a:cs typeface="Times New Roman" panose="02020603050405020304" pitchFamily="18" charset="0"/>
               </a:rPr>
-              <a:t>Continue…</a:t>
+              <a:t>Argument</a:t>
             </a:r>
-            <a:endParaRPr lang="ko-KR" altLang="en-US" sz="4000" b="1" dirty="0">
+            <a:endParaRPr lang="ko-KR" altLang="en-US" sz="4400" b="1" dirty="0">
+              <a:ln w="12700" cmpd="sng">
+                <a:solidFill>
+                  <a:schemeClr val="accent4"/>
+                </a:solidFill>
+                <a:prstDash val="solid"/>
+              </a:ln>
               <a:solidFill>
                 <a:schemeClr val="accent3"/>
               </a:solidFill>
@@ -35275,10 +34987,10 @@
       </p:sp>
       <p:sp>
         <p:nvSpPr>
-          <p:cNvPr id="42" name="TextBox 41">
+          <p:cNvPr id="5" name="TextBox 4">
             <a:extLst>
               <a:ext uri="{FF2B5EF4-FFF2-40B4-BE49-F238E27FC236}">
-                <a16:creationId xmlns:a16="http://schemas.microsoft.com/office/drawing/2014/main" id="{6B315392-588C-8DD2-4EA8-C51AA2346EFC}"/>
+                <a16:creationId xmlns:a16="http://schemas.microsoft.com/office/drawing/2014/main" id="{9EFA6160-BF52-F363-72B3-DFBBF0D1D6A2}"/>
               </a:ext>
             </a:extLst>
           </p:cNvPr>
@@ -35287,8 +34999,8 @@
         </p:nvSpPr>
         <p:spPr>
           <a:xfrm>
-            <a:off x="943896" y="1353601"/>
-            <a:ext cx="10333703" cy="3970318"/>
+            <a:off x="1447800" y="2068360"/>
+            <a:ext cx="9829800" cy="2246769"/>
           </a:xfrm>
           <a:prstGeom prst="rect">
             <a:avLst/>
@@ -35301,93 +35013,23 @@
           </a:bodyPr>
           <a:lstStyle/>
           <a:p>
-            <a:pPr marL="514350" indent="-514350" algn="just">
-              <a:buFont typeface="+mj-lt"/>
-              <a:buAutoNum type="arabicPeriod"/>
-            </a:pPr>
+            <a:pPr algn="just"/>
             <a:r>
               <a:rPr lang="en-US" sz="2800" dirty="0">
                 <a:latin typeface="Times New Roman" panose="02020603050405020304" pitchFamily="18" charset="0"/>
                 <a:cs typeface="Times New Roman" panose="02020603050405020304" pitchFamily="18" charset="0"/>
               </a:rPr>
-              <a:t>The Taliban and the public's views on women's education are influenced by knowledge and skills (</a:t>
-            </a:r>
-            <a:r>
-              <a:rPr lang="en-US" sz="2800" dirty="0" err="1">
-                <a:latin typeface="Times New Roman" panose="02020603050405020304" pitchFamily="18" charset="0"/>
-                <a:cs typeface="Times New Roman" panose="02020603050405020304" pitchFamily="18" charset="0"/>
-              </a:rPr>
-              <a:t>Welzel</a:t>
-            </a:r>
-            <a:r>
-              <a:rPr lang="en-US" sz="2800" dirty="0">
-                <a:latin typeface="Times New Roman" panose="02020603050405020304" pitchFamily="18" charset="0"/>
-                <a:cs typeface="Times New Roman" panose="02020603050405020304" pitchFamily="18" charset="0"/>
-              </a:rPr>
-              <a:t> &amp; Inglehart, 2008).</a:t>
-            </a:r>
-          </a:p>
-          <a:p>
-            <a:pPr marL="514350" indent="-514350" algn="just">
-              <a:buFont typeface="+mj-lt"/>
-              <a:buAutoNum type="arabicPeriod"/>
-            </a:pPr>
-            <a:r>
-              <a:rPr lang="en-US" sz="2800" dirty="0">
-                <a:latin typeface="Times New Roman" panose="02020603050405020304" pitchFamily="18" charset="0"/>
-                <a:cs typeface="Times New Roman" panose="02020603050405020304" pitchFamily="18" charset="0"/>
-              </a:rPr>
-              <a:t>Afghanistan's historical context reveals the oppression of women's rights, with strong support for equal educational opportunities (Ren, 2010).</a:t>
-            </a:r>
-          </a:p>
-          <a:p>
-            <a:pPr marL="514350" indent="-514350" algn="just">
-              <a:buFont typeface="+mj-lt"/>
-              <a:buAutoNum type="arabicPeriod"/>
-            </a:pPr>
-            <a:r>
-              <a:rPr lang="en-US" sz="2800" dirty="0">
-                <a:latin typeface="Times New Roman" panose="02020603050405020304" pitchFamily="18" charset="0"/>
-                <a:cs typeface="Times New Roman" panose="02020603050405020304" pitchFamily="18" charset="0"/>
-              </a:rPr>
-              <a:t>The Taliban has consistently opposed women's education, limiting opportunities and rights (Karlsson &amp; Mansory, 2008).</a:t>
-            </a:r>
-          </a:p>
-          <a:p>
-            <a:pPr marL="514350" indent="-514350" algn="just">
-              <a:buFont typeface="+mj-lt"/>
-              <a:buAutoNum type="arabicPeriod"/>
-            </a:pPr>
-            <a:r>
-              <a:rPr lang="en-US" sz="2800" dirty="0">
-                <a:latin typeface="Times New Roman" panose="02020603050405020304" pitchFamily="18" charset="0"/>
-                <a:cs typeface="Times New Roman" panose="02020603050405020304" pitchFamily="18" charset="0"/>
-              </a:rPr>
-              <a:t>Concerns exist about the current state of women's education in Afghanistan after the Taliban's takeover (</a:t>
-            </a:r>
-            <a:r>
-              <a:rPr lang="en-US" sz="2800" dirty="0" err="1">
-                <a:latin typeface="Times New Roman" panose="02020603050405020304" pitchFamily="18" charset="0"/>
-                <a:cs typeface="Times New Roman" panose="02020603050405020304" pitchFamily="18" charset="0"/>
-              </a:rPr>
-              <a:t>Inayatullah</a:t>
-            </a:r>
-            <a:r>
-              <a:rPr lang="en-US" sz="2800" dirty="0">
-                <a:latin typeface="Times New Roman" panose="02020603050405020304" pitchFamily="18" charset="0"/>
-                <a:cs typeface="Times New Roman" panose="02020603050405020304" pitchFamily="18" charset="0"/>
-              </a:rPr>
-              <a:t>, 2022).</a:t>
+              <a:t>In the realm of women's education, activists champion empowerment and social change through education, while the Taliban opposes it, upholding patriarchal structures. The public holds diverse views influenced by education, religion, and culture (Lorber, 2001; Franks, 2003; Rene, 2010).</a:t>
             </a:r>
           </a:p>
         </p:txBody>
       </p:sp>
       <p:pic>
         <p:nvPicPr>
-          <p:cNvPr id="57" name="Picture 56">
+          <p:cNvPr id="2" name="Picture 1">
             <a:extLst>
               <a:ext uri="{FF2B5EF4-FFF2-40B4-BE49-F238E27FC236}">
-                <a16:creationId xmlns:a16="http://schemas.microsoft.com/office/drawing/2014/main" id="{7C1817D8-FE1D-053C-6496-9B6A4A20FFB2}"/>
+                <a16:creationId xmlns:a16="http://schemas.microsoft.com/office/drawing/2014/main" id="{33D76D6E-A470-679C-7AE4-AC5D692EEE0E}"/>
               </a:ext>
             </a:extLst>
           </p:cNvPr>
@@ -35410,7 +35052,7 @@
         </p:blipFill>
         <p:spPr>
           <a:xfrm>
-            <a:off x="11277600" y="-9035"/>
+            <a:off x="11277600" y="-69995"/>
             <a:ext cx="914400" cy="914400"/>
           </a:xfrm>
           <a:prstGeom prst="rect">
@@ -35421,7 +35063,7 @@
     </p:spTree>
     <p:extLst>
       <p:ext uri="{BB962C8B-B14F-4D97-AF65-F5344CB8AC3E}">
-        <p14:creationId xmlns:p14="http://schemas.microsoft.com/office/powerpoint/2010/main" val="3244243327"/>
+        <p14:creationId xmlns:p14="http://schemas.microsoft.com/office/powerpoint/2010/main" val="2345629806"/>
       </p:ext>
     </p:extLst>
   </p:cSld>

--- a/thesis presentation/Thesis Presetation.pptx
+++ b/thesis presentation/Thesis Presetation.pptx
@@ -17,8 +17,8 @@
     <p:sldId id="259" r:id="rId8"/>
     <p:sldId id="260" r:id="rId9"/>
     <p:sldId id="376" r:id="rId10"/>
-    <p:sldId id="310" r:id="rId11"/>
-    <p:sldId id="308" r:id="rId12"/>
+    <p:sldId id="308" r:id="rId11"/>
+    <p:sldId id="310" r:id="rId12"/>
     <p:sldId id="298" r:id="rId13"/>
     <p:sldId id="312" r:id="rId14"/>
     <p:sldId id="322" r:id="rId15"/>
@@ -240,7 +240,7 @@
           <a:p>
             <a:fld id="{4AAAF045-FEF6-43EA-9CDC-C84FC3F85E9C}" type="datetimeFigureOut">
               <a:rPr lang="en-US" smtClean="0"/>
-              <a:t>6/5/2023</a:t>
+              <a:t>6/6/2023</a:t>
             </a:fld>
             <a:endParaRPr lang="en-US"/>
           </a:p>
@@ -10927,7 +10927,7 @@
                 <a:latin typeface="Times New Roman" panose="02020603050405020304" pitchFamily="18" charset="0"/>
                 <a:cs typeface="Times New Roman" panose="02020603050405020304" pitchFamily="18" charset="0"/>
               </a:rPr>
-              <a:t>Argument</a:t>
+              <a:t>Method</a:t>
             </a:r>
             <a:endParaRPr lang="ko-KR" altLang="en-US" sz="4400" b="1" dirty="0">
               <a:ln w="12700" cmpd="sng">
@@ -20034,44 +20034,6 @@
           </a:prstGeom>
         </p:spPr>
       </p:pic>
-      <p:pic>
-        <p:nvPicPr>
-          <p:cNvPr id="2" name="Picture 1">
-            <a:extLst>
-              <a:ext uri="{FF2B5EF4-FFF2-40B4-BE49-F238E27FC236}">
-                <a16:creationId xmlns:a16="http://schemas.microsoft.com/office/drawing/2014/main" id="{7C0A685F-BA60-C38A-F017-972F461F2C33}"/>
-              </a:ext>
-            </a:extLst>
-          </p:cNvPr>
-          <p:cNvPicPr>
-            <a:picLocks noChangeAspect="1"/>
-          </p:cNvPicPr>
-          <p:nvPr/>
-        </p:nvPicPr>
-        <p:blipFill>
-          <a:blip r:embed="rId4">
-            <a:extLst>
-              <a:ext uri="{28A0092B-C50C-407E-A947-70E740481C1C}">
-                <a14:useLocalDpi xmlns:a14="http://schemas.microsoft.com/office/drawing/2010/main" val="0"/>
-              </a:ext>
-            </a:extLst>
-          </a:blip>
-          <a:srcRect/>
-          <a:stretch>
-            <a:fillRect/>
-          </a:stretch>
-        </p:blipFill>
-        <p:spPr bwMode="auto">
-          <a:xfrm>
-            <a:off x="2378380" y="2381123"/>
-            <a:ext cx="7555727" cy="4206240"/>
-          </a:xfrm>
-          <a:prstGeom prst="rect">
-            <a:avLst/>
-          </a:prstGeom>
-          <a:noFill/>
-        </p:spPr>
-      </p:pic>
       <p:sp>
         <p:nvSpPr>
           <p:cNvPr id="3" name="TextBox 2">
@@ -20140,6 +20102,36 @@
           </a:p>
         </p:txBody>
       </p:sp>
+      <p:pic>
+        <p:nvPicPr>
+          <p:cNvPr id="4" name="Picture 3">
+            <a:extLst>
+              <a:ext uri="{FF2B5EF4-FFF2-40B4-BE49-F238E27FC236}">
+                <a16:creationId xmlns:a16="http://schemas.microsoft.com/office/drawing/2014/main" id="{2B19E140-4E30-A2FA-C937-DCDEB01631CC}"/>
+              </a:ext>
+            </a:extLst>
+          </p:cNvPr>
+          <p:cNvPicPr>
+            <a:picLocks noChangeAspect="1"/>
+          </p:cNvPicPr>
+          <p:nvPr/>
+        </p:nvPicPr>
+        <p:blipFill>
+          <a:blip r:embed="rId4"/>
+          <a:stretch>
+            <a:fillRect/>
+          </a:stretch>
+        </p:blipFill>
+        <p:spPr>
+          <a:xfrm>
+            <a:off x="2367298" y="2541645"/>
+            <a:ext cx="6858000" cy="3817509"/>
+          </a:xfrm>
+          <a:prstGeom prst="rect">
+            <a:avLst/>
+          </a:prstGeom>
+        </p:spPr>
+      </p:pic>
     </p:spTree>
     <p:extLst>
       <p:ext uri="{BB962C8B-B14F-4D97-AF65-F5344CB8AC3E}">
@@ -20456,8 +20448,8 @@
         </p:blipFill>
         <p:spPr>
           <a:xfrm>
-            <a:off x="1332524" y="1762794"/>
-            <a:ext cx="8767421" cy="4754880"/>
+            <a:off x="1519336" y="2234742"/>
+            <a:ext cx="8158329" cy="4424548"/>
           </a:xfrm>
           <a:prstGeom prst="rect">
             <a:avLst/>
@@ -20479,7 +20471,7 @@
         <p:spPr>
           <a:xfrm>
             <a:off x="1519336" y="1220837"/>
-            <a:ext cx="7971517" cy="369332"/>
+            <a:ext cx="7971517" cy="923330"/>
           </a:xfrm>
           <a:prstGeom prst="rect">
             <a:avLst/>
@@ -20492,13 +20484,42 @@
           </a:bodyPr>
           <a:lstStyle/>
           <a:p>
-            <a:pPr algn="just"/>
+            <a:pPr marL="342900" indent="-342900" algn="just">
+              <a:buFont typeface="+mj-lt"/>
+              <a:buAutoNum type="arabicPeriod"/>
+            </a:pPr>
             <a:r>
               <a:rPr lang="en-US" dirty="0">
                 <a:latin typeface="Times New Roman" panose="02020603050405020304" pitchFamily="18" charset="0"/>
                 <a:cs typeface="Times New Roman" panose="02020603050405020304" pitchFamily="18" charset="0"/>
               </a:rPr>
-              <a:t>Analyzing our five keywords through the year, which group has use more frequently.</a:t>
+              <a:t>Activists frequently uses keywords</a:t>
+            </a:r>
+          </a:p>
+          <a:p>
+            <a:pPr marL="342900" indent="-342900" algn="just">
+              <a:buFont typeface="+mj-lt"/>
+              <a:buAutoNum type="arabicPeriod"/>
+            </a:pPr>
+            <a:r>
+              <a:rPr lang="en-US" dirty="0">
+                <a:latin typeface="Times New Roman" panose="02020603050405020304" pitchFamily="18" charset="0"/>
+                <a:cs typeface="Times New Roman" panose="02020603050405020304" pitchFamily="18" charset="0"/>
+              </a:rPr>
+              <a:t>People have the same, but less than the activists</a:t>
+            </a:r>
+          </a:p>
+          <a:p>
+            <a:pPr marL="342900" indent="-342900" algn="just">
+              <a:buFont typeface="+mj-lt"/>
+              <a:buAutoNum type="arabicPeriod"/>
+            </a:pPr>
+            <a:r>
+              <a:rPr lang="en-US" dirty="0">
+                <a:latin typeface="Times New Roman" panose="02020603050405020304" pitchFamily="18" charset="0"/>
+                <a:cs typeface="Times New Roman" panose="02020603050405020304" pitchFamily="18" charset="0"/>
+              </a:rPr>
+              <a:t>Taliban have the smallest use of keywords</a:t>
             </a:r>
           </a:p>
         </p:txBody>
@@ -21084,19 +21105,8 @@
                 <a:latin typeface="Times New Roman" panose="02020603050405020304" pitchFamily="18" charset="0"/>
                 <a:cs typeface="Times New Roman" panose="02020603050405020304" pitchFamily="18" charset="0"/>
               </a:rPr>
-              <a:t>Blaming Taliban for banning women’s </a:t>
+              <a:t>Blaming Taliban for banning women’s education</a:t>
             </a:r>
-            <a:r>
-              <a:rPr lang="en-US" dirty="0" err="1">
-                <a:latin typeface="Times New Roman" panose="02020603050405020304" pitchFamily="18" charset="0"/>
-                <a:cs typeface="Times New Roman" panose="02020603050405020304" pitchFamily="18" charset="0"/>
-              </a:rPr>
-              <a:t>educatoin</a:t>
-            </a:r>
-            <a:endParaRPr lang="en-US" dirty="0">
-              <a:latin typeface="Times New Roman" panose="02020603050405020304" pitchFamily="18" charset="0"/>
-              <a:cs typeface="Times New Roman" panose="02020603050405020304" pitchFamily="18" charset="0"/>
-            </a:endParaRPr>
           </a:p>
         </p:txBody>
       </p:sp>
@@ -22641,8 +22651,8 @@
   <p:clrMapOvr>
     <a:masterClrMapping/>
   </p:clrMapOvr>
-  <mc:AlternateContent xmlns:mc="http://schemas.openxmlformats.org/markup-compatibility/2006">
-    <mc:Choice xmlns:p15="http://schemas.microsoft.com/office/powerpoint/2012/main" Requires="p15">
+  <mc:AlternateContent xmlns:mc="http://schemas.openxmlformats.org/markup-compatibility/2006" xmlns:p15="http://schemas.microsoft.com/office/powerpoint/2012/main">
+    <mc:Choice Requires="p15">
       <p:transition xmlns:p14="http://schemas.microsoft.com/office/powerpoint/2010/main" spd="slow" p14:dur="2000">
         <p15:prstTrans prst="wind"/>
         <p:sndAc>
@@ -22652,12 +22662,12 @@
         </p:sndAc>
       </p:transition>
     </mc:Choice>
-    <mc:Fallback>
+    <mc:Fallback xmlns="">
       <p:transition spd="slow">
         <p:fade/>
         <p:sndAc>
           <p:stSnd>
-            <p:snd r:embed="rId2" name="click.wav"/>
+            <p:snd r:embed="rId4" name="click.wav"/>
           </p:stSnd>
         </p:sndAc>
       </p:transition>
@@ -34399,8 +34409,8 @@
   <p:clrMapOvr>
     <a:masterClrMapping/>
   </p:clrMapOvr>
-  <mc:AlternateContent xmlns:mc="http://schemas.openxmlformats.org/markup-compatibility/2006">
-    <mc:Choice xmlns:p15="http://schemas.microsoft.com/office/powerpoint/2012/main" Requires="p15">
+  <mc:AlternateContent xmlns:mc="http://schemas.openxmlformats.org/markup-compatibility/2006" xmlns:p15="http://schemas.microsoft.com/office/powerpoint/2012/main">
+    <mc:Choice Requires="p15">
       <p:transition xmlns:p14="http://schemas.microsoft.com/office/powerpoint/2010/main" spd="slow" p14:dur="2000">
         <p15:prstTrans prst="wind"/>
         <p:sndAc>
@@ -34410,12 +34420,12 @@
         </p:sndAc>
       </p:transition>
     </mc:Choice>
-    <mc:Fallback>
+    <mc:Fallback xmlns="">
       <p:transition spd="slow">
         <p:fade/>
         <p:sndAc>
           <p:stSnd>
-            <p:snd r:embed="rId2" name="click.wav"/>
+            <p:snd r:embed="rId4" name="click.wav"/>
           </p:stSnd>
         </p:sndAc>
       </p:transition>
@@ -34425,6 +34435,187 @@
 </file>
 
 <file path=ppt/slides/slide8.xml><?xml version="1.0" encoding="utf-8"?>
+<p:sld xmlns:a="http://schemas.openxmlformats.org/drawingml/2006/main" xmlns:r="http://schemas.openxmlformats.org/officeDocument/2006/relationships" xmlns:p="http://schemas.openxmlformats.org/presentationml/2006/main" showMasterSp="0">
+  <p:cSld>
+    <p:spTree>
+      <p:nvGrpSpPr>
+        <p:cNvPr id="1" name=""/>
+        <p:cNvGrpSpPr/>
+        <p:nvPr/>
+      </p:nvGrpSpPr>
+      <p:grpSpPr>
+        <a:xfrm>
+          <a:off x="0" y="0"/>
+          <a:ext cx="0" cy="0"/>
+          <a:chOff x="0" y="0"/>
+          <a:chExt cx="0" cy="0"/>
+        </a:xfrm>
+      </p:grpSpPr>
+      <p:sp>
+        <p:nvSpPr>
+          <p:cNvPr id="3" name="Rectangle 7">
+            <a:extLst>
+              <a:ext uri="{FF2B5EF4-FFF2-40B4-BE49-F238E27FC236}">
+                <a16:creationId xmlns:a16="http://schemas.microsoft.com/office/drawing/2014/main" id="{3E4AD5A6-AA04-4D9F-5FCC-52981F38D619}"/>
+              </a:ext>
+            </a:extLst>
+          </p:cNvPr>
+          <p:cNvSpPr/>
+          <p:nvPr/>
+        </p:nvSpPr>
+        <p:spPr>
+          <a:xfrm>
+            <a:off x="1519766" y="844405"/>
+            <a:ext cx="9757834" cy="707886"/>
+          </a:xfrm>
+          <a:prstGeom prst="rect">
+            <a:avLst/>
+          </a:prstGeom>
+        </p:spPr>
+        <p:txBody>
+          <a:bodyPr wrap="square">
+            <a:spAutoFit/>
+          </a:bodyPr>
+          <a:lstStyle/>
+          <a:p>
+            <a:pPr algn="ctr"/>
+            <a:r>
+              <a:rPr lang="en-US" altLang="ko-KR" sz="4000" b="1" dirty="0">
+                <a:solidFill>
+                  <a:schemeClr val="accent3"/>
+                </a:solidFill>
+                <a:latin typeface="Times New Roman" panose="02020603050405020304" pitchFamily="18" charset="0"/>
+                <a:cs typeface="Times New Roman" panose="02020603050405020304" pitchFamily="18" charset="0"/>
+              </a:rPr>
+              <a:t>Argument</a:t>
+            </a:r>
+            <a:endParaRPr lang="ko-KR" altLang="en-US" sz="4400" b="1" dirty="0">
+              <a:ln w="12700" cmpd="sng">
+                <a:solidFill>
+                  <a:schemeClr val="accent4"/>
+                </a:solidFill>
+                <a:prstDash val="solid"/>
+              </a:ln>
+              <a:solidFill>
+                <a:schemeClr val="accent3"/>
+              </a:solidFill>
+              <a:latin typeface="Times New Roman" panose="02020603050405020304" pitchFamily="18" charset="0"/>
+              <a:cs typeface="Times New Roman" panose="02020603050405020304" pitchFamily="18" charset="0"/>
+            </a:endParaRPr>
+          </a:p>
+        </p:txBody>
+      </p:sp>
+      <p:sp>
+        <p:nvSpPr>
+          <p:cNvPr id="5" name="TextBox 4">
+            <a:extLst>
+              <a:ext uri="{FF2B5EF4-FFF2-40B4-BE49-F238E27FC236}">
+                <a16:creationId xmlns:a16="http://schemas.microsoft.com/office/drawing/2014/main" id="{9EFA6160-BF52-F363-72B3-DFBBF0D1D6A2}"/>
+              </a:ext>
+            </a:extLst>
+          </p:cNvPr>
+          <p:cNvSpPr txBox="1"/>
+          <p:nvPr/>
+        </p:nvSpPr>
+        <p:spPr>
+          <a:xfrm>
+            <a:off x="1447800" y="2068360"/>
+            <a:ext cx="9829800" cy="2677656"/>
+          </a:xfrm>
+          <a:prstGeom prst="rect">
+            <a:avLst/>
+          </a:prstGeom>
+          <a:noFill/>
+        </p:spPr>
+        <p:txBody>
+          <a:bodyPr wrap="square">
+            <a:spAutoFit/>
+          </a:bodyPr>
+          <a:lstStyle/>
+          <a:p>
+            <a:pPr algn="just"/>
+            <a:r>
+              <a:rPr lang="en-US" sz="2800" dirty="0">
+                <a:latin typeface="Times New Roman" panose="02020603050405020304" pitchFamily="18" charset="0"/>
+                <a:cs typeface="Times New Roman" panose="02020603050405020304" pitchFamily="18" charset="0"/>
+              </a:rPr>
+              <a:t>I argue, the Taliban restricts women’s education, insisting patriarchal structure. Activists oppose it. Activists champion empowerment and social change through education, but female activists are stronger in their support for women’s education than male activists. The public holds diverse views influenced by education, religion, and cultural background.</a:t>
+            </a:r>
+          </a:p>
+        </p:txBody>
+      </p:sp>
+      <p:pic>
+        <p:nvPicPr>
+          <p:cNvPr id="2" name="Picture 1">
+            <a:extLst>
+              <a:ext uri="{FF2B5EF4-FFF2-40B4-BE49-F238E27FC236}">
+                <a16:creationId xmlns:a16="http://schemas.microsoft.com/office/drawing/2014/main" id="{33D76D6E-A470-679C-7AE4-AC5D692EEE0E}"/>
+              </a:ext>
+            </a:extLst>
+          </p:cNvPr>
+          <p:cNvPicPr>
+            <a:picLocks noChangeAspect="1"/>
+          </p:cNvPicPr>
+          <p:nvPr/>
+        </p:nvPicPr>
+        <p:blipFill>
+          <a:blip r:embed="rId3">
+            <a:extLst>
+              <a:ext uri="{28A0092B-C50C-407E-A947-70E740481C1C}">
+                <a14:useLocalDpi xmlns:a14="http://schemas.microsoft.com/office/drawing/2010/main" val="0"/>
+              </a:ext>
+            </a:extLst>
+          </a:blip>
+          <a:stretch>
+            <a:fillRect/>
+          </a:stretch>
+        </p:blipFill>
+        <p:spPr>
+          <a:xfrm>
+            <a:off x="11277600" y="-69995"/>
+            <a:ext cx="914400" cy="914400"/>
+          </a:xfrm>
+          <a:prstGeom prst="rect">
+            <a:avLst/>
+          </a:prstGeom>
+        </p:spPr>
+      </p:pic>
+    </p:spTree>
+    <p:extLst>
+      <p:ext uri="{BB962C8B-B14F-4D97-AF65-F5344CB8AC3E}">
+        <p14:creationId xmlns:p14="http://schemas.microsoft.com/office/powerpoint/2010/main" val="2345629806"/>
+      </p:ext>
+    </p:extLst>
+  </p:cSld>
+  <p:clrMapOvr>
+    <a:masterClrMapping/>
+  </p:clrMapOvr>
+  <mc:AlternateContent xmlns:mc="http://schemas.openxmlformats.org/markup-compatibility/2006" xmlns:p15="http://schemas.microsoft.com/office/powerpoint/2012/main">
+    <mc:Choice Requires="p15">
+      <p:transition xmlns:p14="http://schemas.microsoft.com/office/powerpoint/2010/main" spd="slow" p14:dur="2000">
+        <p15:prstTrans prst="wind"/>
+        <p:sndAc>
+          <p:stSnd>
+            <p:snd r:embed="rId2" name="click.wav"/>
+          </p:stSnd>
+        </p:sndAc>
+      </p:transition>
+    </mc:Choice>
+    <mc:Fallback xmlns="">
+      <p:transition spd="slow">
+        <p:fade/>
+        <p:sndAc>
+          <p:stSnd>
+            <p:snd r:embed="rId4" name="click.wav"/>
+          </p:stSnd>
+        </p:sndAc>
+      </p:transition>
+    </mc:Fallback>
+  </mc:AlternateContent>
+</p:sld>
+</file>
+
+<file path=ppt/slides/slide9.xml><?xml version="1.0" encoding="utf-8"?>
 <p:sld xmlns:a="http://schemas.openxmlformats.org/drawingml/2006/main" xmlns:r="http://schemas.openxmlformats.org/officeDocument/2006/relationships" xmlns:p="http://schemas.openxmlformats.org/presentationml/2006/main" showMasterSp="0">
   <p:cSld>
     <p:spTree>
@@ -34883,187 +35074,6 @@
     <p:extLst>
       <p:ext uri="{BB962C8B-B14F-4D97-AF65-F5344CB8AC3E}">
         <p14:creationId xmlns:p14="http://schemas.microsoft.com/office/powerpoint/2010/main" val="1557309788"/>
-      </p:ext>
-    </p:extLst>
-  </p:cSld>
-  <p:clrMapOvr>
-    <a:masterClrMapping/>
-  </p:clrMapOvr>
-  <mc:AlternateContent xmlns:mc="http://schemas.openxmlformats.org/markup-compatibility/2006" xmlns:p15="http://schemas.microsoft.com/office/powerpoint/2012/main">
-    <mc:Choice Requires="p15">
-      <p:transition xmlns:p14="http://schemas.microsoft.com/office/powerpoint/2010/main" spd="slow" p14:dur="2000">
-        <p15:prstTrans prst="wind"/>
-        <p:sndAc>
-          <p:stSnd>
-            <p:snd r:embed="rId2" name="click.wav"/>
-          </p:stSnd>
-        </p:sndAc>
-      </p:transition>
-    </mc:Choice>
-    <mc:Fallback xmlns="">
-      <p:transition spd="slow">
-        <p:fade/>
-        <p:sndAc>
-          <p:stSnd>
-            <p:snd r:embed="rId4" name="click.wav"/>
-          </p:stSnd>
-        </p:sndAc>
-      </p:transition>
-    </mc:Fallback>
-  </mc:AlternateContent>
-</p:sld>
-</file>
-
-<file path=ppt/slides/slide9.xml><?xml version="1.0" encoding="utf-8"?>
-<p:sld xmlns:a="http://schemas.openxmlformats.org/drawingml/2006/main" xmlns:r="http://schemas.openxmlformats.org/officeDocument/2006/relationships" xmlns:p="http://schemas.openxmlformats.org/presentationml/2006/main" showMasterSp="0">
-  <p:cSld>
-    <p:spTree>
-      <p:nvGrpSpPr>
-        <p:cNvPr id="1" name=""/>
-        <p:cNvGrpSpPr/>
-        <p:nvPr/>
-      </p:nvGrpSpPr>
-      <p:grpSpPr>
-        <a:xfrm>
-          <a:off x="0" y="0"/>
-          <a:ext cx="0" cy="0"/>
-          <a:chOff x="0" y="0"/>
-          <a:chExt cx="0" cy="0"/>
-        </a:xfrm>
-      </p:grpSpPr>
-      <p:sp>
-        <p:nvSpPr>
-          <p:cNvPr id="3" name="Rectangle 7">
-            <a:extLst>
-              <a:ext uri="{FF2B5EF4-FFF2-40B4-BE49-F238E27FC236}">
-                <a16:creationId xmlns:a16="http://schemas.microsoft.com/office/drawing/2014/main" id="{3E4AD5A6-AA04-4D9F-5FCC-52981F38D619}"/>
-              </a:ext>
-            </a:extLst>
-          </p:cNvPr>
-          <p:cNvSpPr/>
-          <p:nvPr/>
-        </p:nvSpPr>
-        <p:spPr>
-          <a:xfrm>
-            <a:off x="1519766" y="844405"/>
-            <a:ext cx="9757834" cy="707886"/>
-          </a:xfrm>
-          <a:prstGeom prst="rect">
-            <a:avLst/>
-          </a:prstGeom>
-        </p:spPr>
-        <p:txBody>
-          <a:bodyPr wrap="square">
-            <a:spAutoFit/>
-          </a:bodyPr>
-          <a:lstStyle/>
-          <a:p>
-            <a:pPr algn="ctr"/>
-            <a:r>
-              <a:rPr lang="en-US" altLang="ko-KR" sz="4000" b="1" dirty="0">
-                <a:solidFill>
-                  <a:schemeClr val="accent3"/>
-                </a:solidFill>
-                <a:latin typeface="Times New Roman" panose="02020603050405020304" pitchFamily="18" charset="0"/>
-                <a:cs typeface="Times New Roman" panose="02020603050405020304" pitchFamily="18" charset="0"/>
-              </a:rPr>
-              <a:t>Argument</a:t>
-            </a:r>
-            <a:endParaRPr lang="ko-KR" altLang="en-US" sz="4400" b="1" dirty="0">
-              <a:ln w="12700" cmpd="sng">
-                <a:solidFill>
-                  <a:schemeClr val="accent4"/>
-                </a:solidFill>
-                <a:prstDash val="solid"/>
-              </a:ln>
-              <a:solidFill>
-                <a:schemeClr val="accent3"/>
-              </a:solidFill>
-              <a:latin typeface="Times New Roman" panose="02020603050405020304" pitchFamily="18" charset="0"/>
-              <a:cs typeface="Times New Roman" panose="02020603050405020304" pitchFamily="18" charset="0"/>
-            </a:endParaRPr>
-          </a:p>
-        </p:txBody>
-      </p:sp>
-      <p:sp>
-        <p:nvSpPr>
-          <p:cNvPr id="5" name="TextBox 4">
-            <a:extLst>
-              <a:ext uri="{FF2B5EF4-FFF2-40B4-BE49-F238E27FC236}">
-                <a16:creationId xmlns:a16="http://schemas.microsoft.com/office/drawing/2014/main" id="{9EFA6160-BF52-F363-72B3-DFBBF0D1D6A2}"/>
-              </a:ext>
-            </a:extLst>
-          </p:cNvPr>
-          <p:cNvSpPr txBox="1"/>
-          <p:nvPr/>
-        </p:nvSpPr>
-        <p:spPr>
-          <a:xfrm>
-            <a:off x="1447800" y="2068360"/>
-            <a:ext cx="9829800" cy="2246769"/>
-          </a:xfrm>
-          <a:prstGeom prst="rect">
-            <a:avLst/>
-          </a:prstGeom>
-          <a:noFill/>
-        </p:spPr>
-        <p:txBody>
-          <a:bodyPr wrap="square">
-            <a:spAutoFit/>
-          </a:bodyPr>
-          <a:lstStyle/>
-          <a:p>
-            <a:pPr algn="just"/>
-            <a:r>
-              <a:rPr lang="en-US" sz="2800" dirty="0">
-                <a:latin typeface="Times New Roman" panose="02020603050405020304" pitchFamily="18" charset="0"/>
-                <a:cs typeface="Times New Roman" panose="02020603050405020304" pitchFamily="18" charset="0"/>
-              </a:rPr>
-              <a:t>In the realm of women's education, activists champion empowerment and social change through education, while the Taliban opposes it, upholding patriarchal structures. The public holds diverse views influenced by education, religion, and culture (Lorber, 2001; Franks, 2003; Rene, 2010).</a:t>
-            </a:r>
-          </a:p>
-        </p:txBody>
-      </p:sp>
-      <p:pic>
-        <p:nvPicPr>
-          <p:cNvPr id="2" name="Picture 1">
-            <a:extLst>
-              <a:ext uri="{FF2B5EF4-FFF2-40B4-BE49-F238E27FC236}">
-                <a16:creationId xmlns:a16="http://schemas.microsoft.com/office/drawing/2014/main" id="{33D76D6E-A470-679C-7AE4-AC5D692EEE0E}"/>
-              </a:ext>
-            </a:extLst>
-          </p:cNvPr>
-          <p:cNvPicPr>
-            <a:picLocks noChangeAspect="1"/>
-          </p:cNvPicPr>
-          <p:nvPr/>
-        </p:nvPicPr>
-        <p:blipFill>
-          <a:blip r:embed="rId3">
-            <a:extLst>
-              <a:ext uri="{28A0092B-C50C-407E-A947-70E740481C1C}">
-                <a14:useLocalDpi xmlns:a14="http://schemas.microsoft.com/office/drawing/2010/main" val="0"/>
-              </a:ext>
-            </a:extLst>
-          </a:blip>
-          <a:stretch>
-            <a:fillRect/>
-          </a:stretch>
-        </p:blipFill>
-        <p:spPr>
-          <a:xfrm>
-            <a:off x="11277600" y="-69995"/>
-            <a:ext cx="914400" cy="914400"/>
-          </a:xfrm>
-          <a:prstGeom prst="rect">
-            <a:avLst/>
-          </a:prstGeom>
-        </p:spPr>
-      </p:pic>
-    </p:spTree>
-    <p:extLst>
-      <p:ext uri="{BB962C8B-B14F-4D97-AF65-F5344CB8AC3E}">
-        <p14:creationId xmlns:p14="http://schemas.microsoft.com/office/powerpoint/2010/main" val="2345629806"/>
       </p:ext>
     </p:extLst>
   </p:cSld>
